--- a/fundamentals/6-List.pptx
+++ b/fundamentals/6-List.pptx
@@ -5,14 +5,14 @@
     <p:sldMasterId id="2147483954" r:id="rId1"/>
   </p:sldMasterIdLst>
   <p:notesMasterIdLst>
-    <p:notesMasterId r:id="rId19"/>
+    <p:notesMasterId r:id="rId22"/>
   </p:notesMasterIdLst>
   <p:sldIdLst>
     <p:sldId id="256" r:id="rId2"/>
     <p:sldId id="268" r:id="rId3"/>
     <p:sldId id="262" r:id="rId4"/>
-    <p:sldId id="269" r:id="rId5"/>
-    <p:sldId id="284" r:id="rId6"/>
+    <p:sldId id="284" r:id="rId5"/>
+    <p:sldId id="269" r:id="rId6"/>
     <p:sldId id="279" r:id="rId7"/>
     <p:sldId id="280" r:id="rId8"/>
     <p:sldId id="275" r:id="rId9"/>
@@ -20,11 +20,14 @@
     <p:sldId id="273" r:id="rId11"/>
     <p:sldId id="274" r:id="rId12"/>
     <p:sldId id="276" r:id="rId13"/>
-    <p:sldId id="277" r:id="rId14"/>
-    <p:sldId id="271" r:id="rId15"/>
-    <p:sldId id="278" r:id="rId16"/>
-    <p:sldId id="281" r:id="rId17"/>
-    <p:sldId id="283" r:id="rId18"/>
+    <p:sldId id="287" r:id="rId14"/>
+    <p:sldId id="277" r:id="rId15"/>
+    <p:sldId id="288" r:id="rId16"/>
+    <p:sldId id="271" r:id="rId17"/>
+    <p:sldId id="278" r:id="rId18"/>
+    <p:sldId id="285" r:id="rId19"/>
+    <p:sldId id="286" r:id="rId20"/>
+    <p:sldId id="283" r:id="rId21"/>
   </p:sldIdLst>
   <p:sldSz cx="12192000" cy="6858000"/>
   <p:notesSz cx="6858000" cy="9144000"/>
@@ -216,7 +219,7 @@
           <a:p>
             <a:fld id="{720C9186-47A3-C54A-A8AF-47B660C0099D}" type="datetimeFigureOut">
               <a:rPr lang="en-US" smtClean="0"/>
-              <a:t>6/18/20</a:t>
+              <a:t>8/12/20</a:t>
             </a:fld>
             <a:endParaRPr lang="en-US"/>
           </a:p>
@@ -484,90 +487,6 @@
 </p:notesMaster>
 </file>
 
-<file path=ppt/notesSlides/notesSlide1.xml><?xml version="1.0" encoding="utf-8"?>
-<p:notes xmlns:a="http://schemas.openxmlformats.org/drawingml/2006/main" xmlns:r="http://schemas.openxmlformats.org/officeDocument/2006/relationships" xmlns:p="http://schemas.openxmlformats.org/presentationml/2006/main">
-  <p:cSld>
-    <p:spTree>
-      <p:nvGrpSpPr>
-        <p:cNvPr id="1" name=""/>
-        <p:cNvGrpSpPr/>
-        <p:nvPr/>
-      </p:nvGrpSpPr>
-      <p:grpSpPr>
-        <a:xfrm>
-          <a:off x="0" y="0"/>
-          <a:ext cx="0" cy="0"/>
-          <a:chOff x="0" y="0"/>
-          <a:chExt cx="0" cy="0"/>
-        </a:xfrm>
-      </p:grpSpPr>
-      <p:sp>
-        <p:nvSpPr>
-          <p:cNvPr id="2" name="Slide Image Placeholder 1"/>
-          <p:cNvSpPr>
-            <a:spLocks noGrp="1" noRot="1" noChangeAspect="1"/>
-          </p:cNvSpPr>
-          <p:nvPr>
-            <p:ph type="sldImg"/>
-          </p:nvPr>
-        </p:nvSpPr>
-        <p:spPr/>
-      </p:sp>
-      <p:sp>
-        <p:nvSpPr>
-          <p:cNvPr id="3" name="Notes Placeholder 2"/>
-          <p:cNvSpPr>
-            <a:spLocks noGrp="1"/>
-          </p:cNvSpPr>
-          <p:nvPr>
-            <p:ph type="body" idx="1"/>
-          </p:nvPr>
-        </p:nvSpPr>
-        <p:spPr/>
-        <p:txBody>
-          <a:bodyPr/>
-          <a:lstStyle/>
-          <a:p>
-            <a:endParaRPr lang="en-US"/>
-          </a:p>
-        </p:txBody>
-      </p:sp>
-      <p:sp>
-        <p:nvSpPr>
-          <p:cNvPr id="4" name="Slide Number Placeholder 3"/>
-          <p:cNvSpPr>
-            <a:spLocks noGrp="1"/>
-          </p:cNvSpPr>
-          <p:nvPr>
-            <p:ph type="sldNum" sz="quarter" idx="5"/>
-          </p:nvPr>
-        </p:nvSpPr>
-        <p:spPr/>
-        <p:txBody>
-          <a:bodyPr/>
-          <a:lstStyle/>
-          <a:p>
-            <a:fld id="{7A1290A3-92E3-6F43-88C0-EE439678F7B9}" type="slidenum">
-              <a:rPr lang="en-US" smtClean="0"/>
-              <a:t>16</a:t>
-            </a:fld>
-            <a:endParaRPr lang="en-US"/>
-          </a:p>
-        </p:txBody>
-      </p:sp>
-    </p:spTree>
-    <p:extLst>
-      <p:ext uri="{BB962C8B-B14F-4D97-AF65-F5344CB8AC3E}">
-        <p14:creationId xmlns:p14="http://schemas.microsoft.com/office/powerpoint/2010/main" val="3416053762"/>
-      </p:ext>
-    </p:extLst>
-  </p:cSld>
-  <p:clrMapOvr>
-    <a:masterClrMapping/>
-  </p:clrMapOvr>
-</p:notes>
-</file>
-
 <file path=ppt/slideLayouts/slideLayout1.xml><?xml version="1.0" encoding="utf-8"?>
 <p:sldLayout xmlns:a="http://schemas.openxmlformats.org/drawingml/2006/main" xmlns:r="http://schemas.openxmlformats.org/officeDocument/2006/relationships" xmlns:p="http://schemas.openxmlformats.org/presentationml/2006/main" type="title" preserve="1">
   <p:cSld name="Title Slide">
@@ -717,7 +636,7 @@
           <a:p>
             <a:fld id="{4AAD347D-5ACD-4C99-B74B-A9C85AD731AF}" type="datetimeFigureOut">
               <a:rPr lang="en-US" smtClean="0"/>
-              <a:t>6/18/20</a:t>
+              <a:t>8/12/20</a:t>
             </a:fld>
             <a:endParaRPr lang="en-US" dirty="0"/>
           </a:p>
@@ -917,7 +836,7 @@
           <a:p>
             <a:fld id="{4AAD347D-5ACD-4C99-B74B-A9C85AD731AF}" type="datetimeFigureOut">
               <a:rPr lang="en-US" smtClean="0"/>
-              <a:t>6/18/20</a:t>
+              <a:t>8/12/20</a:t>
             </a:fld>
             <a:endParaRPr lang="en-US" dirty="0"/>
           </a:p>
@@ -1128,7 +1047,7 @@
           <a:p>
             <a:fld id="{4AAD347D-5ACD-4C99-B74B-A9C85AD731AF}" type="datetimeFigureOut">
               <a:rPr lang="en-US" smtClean="0"/>
-              <a:t>6/18/20</a:t>
+              <a:t>8/12/20</a:t>
             </a:fld>
             <a:endParaRPr lang="en-US" dirty="0"/>
           </a:p>
@@ -1329,7 +1248,7 @@
           <a:p>
             <a:fld id="{4AAD347D-5ACD-4C99-B74B-A9C85AD731AF}" type="datetimeFigureOut">
               <a:rPr lang="en-US" smtClean="0"/>
-              <a:t>6/18/20</a:t>
+              <a:t>8/12/20</a:t>
             </a:fld>
             <a:endParaRPr lang="en-US" dirty="0"/>
           </a:p>
@@ -1606,7 +1525,7 @@
           <a:p>
             <a:fld id="{9796027F-7875-4030-9381-8BD8C4F21935}" type="datetimeFigureOut">
               <a:rPr lang="en-US" smtClean="0"/>
-              <a:t>6/18/20</a:t>
+              <a:t>8/12/20</a:t>
             </a:fld>
             <a:endParaRPr lang="en-US" dirty="0"/>
           </a:p>
@@ -1874,7 +1793,7 @@
           <a:p>
             <a:fld id="{4AAD347D-5ACD-4C99-B74B-A9C85AD731AF}" type="datetimeFigureOut">
               <a:rPr lang="en-US" smtClean="0"/>
-              <a:t>6/18/20</a:t>
+              <a:t>8/12/20</a:t>
             </a:fld>
             <a:endParaRPr lang="en-US" dirty="0"/>
           </a:p>
@@ -2295,7 +2214,7 @@
           <a:p>
             <a:fld id="{4AAD347D-5ACD-4C99-B74B-A9C85AD731AF}" type="datetimeFigureOut">
               <a:rPr lang="en-US" smtClean="0"/>
-              <a:t>6/18/20</a:t>
+              <a:t>8/12/20</a:t>
             </a:fld>
             <a:endParaRPr lang="en-US" dirty="0"/>
           </a:p>
@@ -2438,7 +2357,7 @@
           <a:p>
             <a:fld id="{4509A250-FF31-4206-8172-F9D3106AACB1}" type="datetimeFigureOut">
               <a:rPr lang="en-US" smtClean="0"/>
-              <a:t>6/18/20</a:t>
+              <a:t>8/12/20</a:t>
             </a:fld>
             <a:endParaRPr lang="en-US" dirty="0"/>
           </a:p>
@@ -2551,7 +2470,7 @@
           <a:p>
             <a:fld id="{4509A250-FF31-4206-8172-F9D3106AACB1}" type="datetimeFigureOut">
               <a:rPr lang="en-US" smtClean="0"/>
-              <a:t>6/18/20</a:t>
+              <a:t>8/12/20</a:t>
             </a:fld>
             <a:endParaRPr lang="en-US" dirty="0"/>
           </a:p>
@@ -2864,7 +2783,7 @@
           <a:p>
             <a:fld id="{4AAD347D-5ACD-4C99-B74B-A9C85AD731AF}" type="datetimeFigureOut">
               <a:rPr lang="en-US" smtClean="0"/>
-              <a:t>6/18/20</a:t>
+              <a:t>8/12/20</a:t>
             </a:fld>
             <a:endParaRPr lang="en-US" dirty="0"/>
           </a:p>
@@ -3159,7 +3078,7 @@
           <a:p>
             <a:fld id="{4509A250-FF31-4206-8172-F9D3106AACB1}" type="datetimeFigureOut">
               <a:rPr lang="en-US" smtClean="0"/>
-              <a:t>6/18/20</a:t>
+              <a:t>8/12/20</a:t>
             </a:fld>
             <a:endParaRPr lang="en-US" dirty="0"/>
           </a:p>
@@ -3402,7 +3321,7 @@
           <a:p>
             <a:fld id="{4AAD347D-5ACD-4C99-B74B-A9C85AD731AF}" type="datetimeFigureOut">
               <a:rPr lang="en-US" smtClean="0"/>
-              <a:t>6/18/20</a:t>
+              <a:t>8/12/20</a:t>
             </a:fld>
             <a:endParaRPr lang="en-US" dirty="0"/>
           </a:p>
@@ -4309,7 +4228,7 @@
         </p:spPr>
         <p:txBody>
           <a:bodyPr>
-            <a:normAutofit lnSpcReduction="10000"/>
+            <a:normAutofit fontScale="77500" lnSpcReduction="20000"/>
           </a:bodyPr>
           <a:lstStyle/>
           <a:p>
@@ -4433,13 +4352,35 @@
               </a:rPr>
               <a:t> loop is usually used to iterate a sequence</a:t>
             </a:r>
-            <a:endParaRPr lang="en-US" b="1" dirty="0">
-              <a:solidFill>
-                <a:schemeClr val="tx2">
-                  <a:lumMod val="75000"/>
-                </a:schemeClr>
-              </a:solidFill>
-            </a:endParaRPr>
+          </a:p>
+          <a:p>
+            <a:endParaRPr lang="en-US" b="1" dirty="0"/>
+          </a:p>
+          <a:p>
+            <a:pPr marL="0" indent="0">
+              <a:buNone/>
+            </a:pPr>
+            <a:r>
+              <a:rPr lang="en-US" dirty="0">
+                <a:solidFill>
+                  <a:srgbClr val="D06A22"/>
+                </a:solidFill>
+              </a:rPr>
+              <a:t># Where have seen indexing and iterating before ?</a:t>
+            </a:r>
+          </a:p>
+          <a:p>
+            <a:pPr marL="0" indent="0">
+              <a:buNone/>
+            </a:pPr>
+            <a:r>
+              <a:rPr lang="en-US" dirty="0">
+                <a:solidFill>
+                  <a:srgbClr val="D06A22"/>
+                </a:solidFill>
+              </a:rPr>
+              <a:t>str</a:t>
+            </a:r>
           </a:p>
         </p:txBody>
       </p:sp>
@@ -4453,6 +4394,134 @@
   <p:clrMapOvr>
     <a:masterClrMapping/>
   </p:clrMapOvr>
+  <p:timing>
+    <p:tnLst>
+      <p:par>
+        <p:cTn id="1" dur="indefinite" restart="never" nodeType="tmRoot">
+          <p:childTnLst>
+            <p:seq concurrent="1" nextAc="seek">
+              <p:cTn id="2" dur="indefinite" nodeType="mainSeq">
+                <p:childTnLst>
+                  <p:par>
+                    <p:cTn id="3" fill="hold">
+                      <p:stCondLst>
+                        <p:cond delay="indefinite"/>
+                      </p:stCondLst>
+                      <p:childTnLst>
+                        <p:par>
+                          <p:cTn id="4" fill="hold">
+                            <p:stCondLst>
+                              <p:cond delay="0"/>
+                            </p:stCondLst>
+                            <p:childTnLst>
+                              <p:par>
+                                <p:cTn id="5" presetID="1" presetClass="entr" presetSubtype="0" fill="hold" nodeType="clickEffect">
+                                  <p:stCondLst>
+                                    <p:cond delay="0"/>
+                                  </p:stCondLst>
+                                  <p:childTnLst>
+                                    <p:set>
+                                      <p:cBhvr>
+                                        <p:cTn id="6" dur="1" fill="hold">
+                                          <p:stCondLst>
+                                            <p:cond delay="0"/>
+                                          </p:stCondLst>
+                                        </p:cTn>
+                                        <p:tgtEl>
+                                          <p:spTgt spid="3">
+                                            <p:txEl>
+                                              <p:pRg st="7" end="7"/>
+                                            </p:txEl>
+                                          </p:spTgt>
+                                        </p:tgtEl>
+                                        <p:attrNameLst>
+                                          <p:attrName>style.visibility</p:attrName>
+                                        </p:attrNameLst>
+                                      </p:cBhvr>
+                                      <p:to>
+                                        <p:strVal val="visible"/>
+                                      </p:to>
+                                    </p:set>
+                                  </p:childTnLst>
+                                </p:cTn>
+                              </p:par>
+                            </p:childTnLst>
+                          </p:cTn>
+                        </p:par>
+                      </p:childTnLst>
+                    </p:cTn>
+                  </p:par>
+                  <p:par>
+                    <p:cTn id="7" fill="hold">
+                      <p:stCondLst>
+                        <p:cond delay="indefinite"/>
+                      </p:stCondLst>
+                      <p:childTnLst>
+                        <p:par>
+                          <p:cTn id="8" fill="hold">
+                            <p:stCondLst>
+                              <p:cond delay="0"/>
+                            </p:stCondLst>
+                            <p:childTnLst>
+                              <p:par>
+                                <p:cTn id="9" presetID="1" presetClass="entr" presetSubtype="0" fill="hold" nodeType="clickEffect">
+                                  <p:stCondLst>
+                                    <p:cond delay="0"/>
+                                  </p:stCondLst>
+                                  <p:childTnLst>
+                                    <p:set>
+                                      <p:cBhvr>
+                                        <p:cTn id="10" dur="1" fill="hold">
+                                          <p:stCondLst>
+                                            <p:cond delay="0"/>
+                                          </p:stCondLst>
+                                        </p:cTn>
+                                        <p:tgtEl>
+                                          <p:spTgt spid="3">
+                                            <p:txEl>
+                                              <p:pRg st="8" end="8"/>
+                                            </p:txEl>
+                                          </p:spTgt>
+                                        </p:tgtEl>
+                                        <p:attrNameLst>
+                                          <p:attrName>style.visibility</p:attrName>
+                                        </p:attrNameLst>
+                                      </p:cBhvr>
+                                      <p:to>
+                                        <p:strVal val="visible"/>
+                                      </p:to>
+                                    </p:set>
+                                  </p:childTnLst>
+                                </p:cTn>
+                              </p:par>
+                            </p:childTnLst>
+                          </p:cTn>
+                        </p:par>
+                      </p:childTnLst>
+                    </p:cTn>
+                  </p:par>
+                </p:childTnLst>
+              </p:cTn>
+              <p:prevCondLst>
+                <p:cond evt="onPrev" delay="0">
+                  <p:tgtEl>
+                    <p:sldTgt/>
+                  </p:tgtEl>
+                </p:cond>
+              </p:prevCondLst>
+              <p:nextCondLst>
+                <p:cond evt="onNext" delay="0">
+                  <p:tgtEl>
+                    <p:sldTgt/>
+                  </p:tgtEl>
+                </p:cond>
+              </p:nextCondLst>
+            </p:seq>
+          </p:childTnLst>
+        </p:cTn>
+      </p:par>
+    </p:tnLst>
+  </p:timing>
 </p:sld>
 </file>
 
@@ -4483,6 +4552,34 @@
       </p:grpSpPr>
       <p:sp>
         <p:nvSpPr>
+          <p:cNvPr id="2" name="Title 1">
+            <a:extLst>
+              <a:ext uri="{FF2B5EF4-FFF2-40B4-BE49-F238E27FC236}">
+                <a16:creationId xmlns:a16="http://schemas.microsoft.com/office/drawing/2014/main" id="{CBEAF969-9FA4-474A-A689-1B67989420DD}"/>
+              </a:ext>
+            </a:extLst>
+          </p:cNvPr>
+          <p:cNvSpPr>
+            <a:spLocks noGrp="1"/>
+          </p:cNvSpPr>
+          <p:nvPr>
+            <p:ph type="title"/>
+          </p:nvPr>
+        </p:nvSpPr>
+        <p:spPr/>
+        <p:txBody>
+          <a:bodyPr/>
+          <a:lstStyle/>
+          <a:p>
+            <a:r>
+              <a:rPr lang="en-US" dirty="0"/>
+              <a:t>Adding items to list</a:t>
+            </a:r>
+          </a:p>
+        </p:txBody>
+      </p:sp>
+      <p:sp>
+        <p:nvSpPr>
           <p:cNvPr id="3" name="Content Placeholder 2">
             <a:extLst>
               <a:ext uri="{FF2B5EF4-FFF2-40B4-BE49-F238E27FC236}">
@@ -4497,15 +4594,10 @@
             <p:ph idx="1"/>
           </p:nvPr>
         </p:nvSpPr>
-        <p:spPr>
-          <a:xfrm>
-            <a:off x="320040" y="842480"/>
-            <a:ext cx="10647680" cy="5914935"/>
-          </a:xfrm>
-        </p:spPr>
+        <p:spPr/>
         <p:txBody>
           <a:bodyPr>
-            <a:normAutofit fontScale="77500" lnSpcReduction="20000"/>
+            <a:normAutofit fontScale="85000" lnSpcReduction="20000"/>
           </a:bodyPr>
           <a:lstStyle/>
           <a:p>
@@ -4589,6 +4681,97 @@
             </a:r>
           </a:p>
           <a:p>
+            <a:endParaRPr lang="en-GB" dirty="0">
+              <a:solidFill>
+                <a:schemeClr val="tx2">
+                  <a:lumMod val="75000"/>
+                </a:schemeClr>
+              </a:solidFill>
+            </a:endParaRPr>
+          </a:p>
+          <a:p>
+            <a:r>
+              <a:rPr lang="en-GB" b="1" dirty="0" err="1">
+                <a:latin typeface="Consolas" panose="020B0609020204030204" pitchFamily="49" charset="0"/>
+                <a:cs typeface="Consolas" panose="020B0609020204030204" pitchFamily="49" charset="0"/>
+              </a:rPr>
+              <a:t>list.extend</a:t>
+            </a:r>
+            <a:r>
+              <a:rPr lang="en-GB" b="1" dirty="0">
+                <a:latin typeface="Consolas" panose="020B0609020204030204" pitchFamily="49" charset="0"/>
+                <a:cs typeface="Consolas" panose="020B0609020204030204" pitchFamily="49" charset="0"/>
+              </a:rPr>
+              <a:t>(</a:t>
+            </a:r>
+            <a:r>
+              <a:rPr lang="en-GB" b="1" i="1" dirty="0" err="1">
+                <a:latin typeface="Consolas" panose="020B0609020204030204" pitchFamily="49" charset="0"/>
+                <a:cs typeface="Consolas" panose="020B0609020204030204" pitchFamily="49" charset="0"/>
+              </a:rPr>
+              <a:t>iterable</a:t>
+            </a:r>
+            <a:r>
+              <a:rPr lang="en-GB" b="1" dirty="0">
+                <a:latin typeface="Consolas" panose="020B0609020204030204" pitchFamily="49" charset="0"/>
+                <a:cs typeface="Consolas" panose="020B0609020204030204" pitchFamily="49" charset="0"/>
+              </a:rPr>
+              <a:t>)</a:t>
+            </a:r>
+            <a:r>
+              <a:rPr lang="en-GB" dirty="0">
+                <a:latin typeface="Consolas" panose="020B0609020204030204" pitchFamily="49" charset="0"/>
+                <a:cs typeface="Consolas" panose="020B0609020204030204" pitchFamily="49" charset="0"/>
+              </a:rPr>
+              <a:t>  Extend the list by appending all the items from the </a:t>
+            </a:r>
+            <a:r>
+              <a:rPr lang="en-GB" dirty="0" err="1">
+                <a:latin typeface="Consolas" panose="020B0609020204030204" pitchFamily="49" charset="0"/>
+                <a:cs typeface="Consolas" panose="020B0609020204030204" pitchFamily="49" charset="0"/>
+              </a:rPr>
+              <a:t>iterable</a:t>
+            </a:r>
+            <a:r>
+              <a:rPr lang="en-GB" dirty="0">
+                <a:latin typeface="Consolas" panose="020B0609020204030204" pitchFamily="49" charset="0"/>
+                <a:cs typeface="Consolas" panose="020B0609020204030204" pitchFamily="49" charset="0"/>
+              </a:rPr>
+              <a:t>. Equivalent to a[</a:t>
+            </a:r>
+            <a:r>
+              <a:rPr lang="en-GB" dirty="0" err="1">
+                <a:latin typeface="Consolas" panose="020B0609020204030204" pitchFamily="49" charset="0"/>
+                <a:cs typeface="Consolas" panose="020B0609020204030204" pitchFamily="49" charset="0"/>
+              </a:rPr>
+              <a:t>len</a:t>
+            </a:r>
+            <a:r>
+              <a:rPr lang="en-GB" dirty="0">
+                <a:latin typeface="Consolas" panose="020B0609020204030204" pitchFamily="49" charset="0"/>
+                <a:cs typeface="Consolas" panose="020B0609020204030204" pitchFamily="49" charset="0"/>
+              </a:rPr>
+              <a:t>(a):] = </a:t>
+            </a:r>
+            <a:r>
+              <a:rPr lang="en-GB" dirty="0" err="1">
+                <a:latin typeface="Consolas" panose="020B0609020204030204" pitchFamily="49" charset="0"/>
+                <a:cs typeface="Consolas" panose="020B0609020204030204" pitchFamily="49" charset="0"/>
+              </a:rPr>
+              <a:t>iterable</a:t>
+            </a:r>
+            <a:r>
+              <a:rPr lang="en-GB" dirty="0">
+                <a:latin typeface="Consolas" panose="020B0609020204030204" pitchFamily="49" charset="0"/>
+                <a:cs typeface="Consolas" panose="020B0609020204030204" pitchFamily="49" charset="0"/>
+              </a:rPr>
+              <a:t>.</a:t>
+            </a:r>
+          </a:p>
+          <a:p>
+            <a:pPr marL="0" indent="0">
+              <a:buNone/>
+            </a:pPr>
             <a:endParaRPr lang="en-GB" b="1" dirty="0">
               <a:solidFill>
                 <a:schemeClr val="tx2">
@@ -4773,220 +4956,6 @@
               <a:latin typeface="Consolas" panose="020B0609020204030204" pitchFamily="49" charset="0"/>
               <a:cs typeface="Consolas" panose="020B0609020204030204" pitchFamily="49" charset="0"/>
             </a:endParaRPr>
-          </a:p>
-          <a:p>
-            <a:r>
-              <a:rPr lang="en-US" b="1" dirty="0" err="1">
-                <a:solidFill>
-                  <a:schemeClr val="tx2">
-                    <a:lumMod val="75000"/>
-                  </a:schemeClr>
-                </a:solidFill>
-                <a:latin typeface="Consolas" panose="020B0609020204030204" pitchFamily="49" charset="0"/>
-                <a:cs typeface="Consolas" panose="020B0609020204030204" pitchFamily="49" charset="0"/>
-              </a:rPr>
-              <a:t>list.remove</a:t>
-            </a:r>
-            <a:r>
-              <a:rPr lang="en-US" b="1" dirty="0">
-                <a:solidFill>
-                  <a:schemeClr val="tx2">
-                    <a:lumMod val="75000"/>
-                  </a:schemeClr>
-                </a:solidFill>
-                <a:latin typeface="Consolas" panose="020B0609020204030204" pitchFamily="49" charset="0"/>
-                <a:cs typeface="Consolas" panose="020B0609020204030204" pitchFamily="49" charset="0"/>
-              </a:rPr>
-              <a:t>(x) </a:t>
-            </a:r>
-            <a:r>
-              <a:rPr lang="en-US" dirty="0">
-                <a:solidFill>
-                  <a:schemeClr val="tx2">
-                    <a:lumMod val="75000"/>
-                  </a:schemeClr>
-                </a:solidFill>
-              </a:rPr>
-              <a:t>Remove the first item from the list whose value is equal to x. It raises a </a:t>
-            </a:r>
-            <a:r>
-              <a:rPr lang="en-US" dirty="0" err="1">
-                <a:solidFill>
-                  <a:schemeClr val="tx2">
-                    <a:lumMod val="75000"/>
-                  </a:schemeClr>
-                </a:solidFill>
-              </a:rPr>
-              <a:t>ValueError</a:t>
-            </a:r>
-            <a:r>
-              <a:rPr lang="en-US" dirty="0">
-                <a:solidFill>
-                  <a:schemeClr val="tx2">
-                    <a:lumMod val="75000"/>
-                  </a:schemeClr>
-                </a:solidFill>
-              </a:rPr>
-              <a:t> if there is no such item.</a:t>
-            </a:r>
-          </a:p>
-          <a:p>
-            <a:endParaRPr lang="en-GB" b="1" dirty="0">
-              <a:solidFill>
-                <a:schemeClr val="tx2">
-                  <a:lumMod val="75000"/>
-                </a:schemeClr>
-              </a:solidFill>
-              <a:latin typeface="Consolas" panose="020B0609020204030204" pitchFamily="49" charset="0"/>
-              <a:cs typeface="Consolas" panose="020B0609020204030204" pitchFamily="49" charset="0"/>
-            </a:endParaRPr>
-          </a:p>
-          <a:p>
-            <a:r>
-              <a:rPr lang="en-GB" b="1" dirty="0" err="1">
-                <a:solidFill>
-                  <a:schemeClr val="tx2">
-                    <a:lumMod val="75000"/>
-                  </a:schemeClr>
-                </a:solidFill>
-                <a:latin typeface="Consolas" panose="020B0609020204030204" pitchFamily="49" charset="0"/>
-                <a:cs typeface="Consolas" panose="020B0609020204030204" pitchFamily="49" charset="0"/>
-              </a:rPr>
-              <a:t>list.pop</a:t>
-            </a:r>
-            <a:r>
-              <a:rPr lang="en-GB" b="1" dirty="0">
-                <a:solidFill>
-                  <a:schemeClr val="tx2">
-                    <a:lumMod val="75000"/>
-                  </a:schemeClr>
-                </a:solidFill>
-                <a:latin typeface="Consolas" panose="020B0609020204030204" pitchFamily="49" charset="0"/>
-                <a:cs typeface="Consolas" panose="020B0609020204030204" pitchFamily="49" charset="0"/>
-              </a:rPr>
-              <a:t>([</a:t>
-            </a:r>
-            <a:r>
-              <a:rPr lang="en-GB" b="1" i="1" dirty="0" err="1">
-                <a:solidFill>
-                  <a:schemeClr val="tx2">
-                    <a:lumMod val="75000"/>
-                  </a:schemeClr>
-                </a:solidFill>
-                <a:latin typeface="Consolas" panose="020B0609020204030204" pitchFamily="49" charset="0"/>
-                <a:cs typeface="Consolas" panose="020B0609020204030204" pitchFamily="49" charset="0"/>
-              </a:rPr>
-              <a:t>i</a:t>
-            </a:r>
-            <a:r>
-              <a:rPr lang="en-GB" b="1" dirty="0">
-                <a:solidFill>
-                  <a:schemeClr val="tx2">
-                    <a:lumMod val="75000"/>
-                  </a:schemeClr>
-                </a:solidFill>
-                <a:latin typeface="Consolas" panose="020B0609020204030204" pitchFamily="49" charset="0"/>
-                <a:cs typeface="Consolas" panose="020B0609020204030204" pitchFamily="49" charset="0"/>
-              </a:rPr>
-              <a:t>]) </a:t>
-            </a:r>
-            <a:r>
-              <a:rPr lang="en-GB" dirty="0">
-                <a:solidFill>
-                  <a:schemeClr val="tx2">
-                    <a:lumMod val="75000"/>
-                  </a:schemeClr>
-                </a:solidFill>
-              </a:rPr>
-              <a:t>Remove the item at the given position in the list, and return it. If no index is specified, </a:t>
-            </a:r>
-            <a:r>
-              <a:rPr lang="en-GB" dirty="0" err="1">
-                <a:solidFill>
-                  <a:schemeClr val="tx2">
-                    <a:lumMod val="75000"/>
-                  </a:schemeClr>
-                </a:solidFill>
-              </a:rPr>
-              <a:t>a.pop</a:t>
-            </a:r>
-            <a:r>
-              <a:rPr lang="en-GB" dirty="0">
-                <a:solidFill>
-                  <a:schemeClr val="tx2">
-                    <a:lumMod val="75000"/>
-                  </a:schemeClr>
-                </a:solidFill>
-              </a:rPr>
-              <a:t>() removes and returns the last item in the list. (The square brackets around the </a:t>
-            </a:r>
-            <a:r>
-              <a:rPr lang="en-GB" i="1" dirty="0" err="1">
-                <a:solidFill>
-                  <a:schemeClr val="tx2">
-                    <a:lumMod val="75000"/>
-                  </a:schemeClr>
-                </a:solidFill>
-              </a:rPr>
-              <a:t>i</a:t>
-            </a:r>
-            <a:r>
-              <a:rPr lang="en-GB" dirty="0">
-                <a:solidFill>
-                  <a:schemeClr val="tx2">
-                    <a:lumMod val="75000"/>
-                  </a:schemeClr>
-                </a:solidFill>
-              </a:rPr>
-              <a:t> in the method signature denote that the parameter is optional, not that you should type square brackets at that position. You will see this notation frequently in the Python Library Reference.)</a:t>
-            </a:r>
-          </a:p>
-          <a:p>
-            <a:endParaRPr lang="en-GB" b="1" dirty="0">
-              <a:solidFill>
-                <a:schemeClr val="tx2">
-                  <a:lumMod val="75000"/>
-                </a:schemeClr>
-              </a:solidFill>
-              <a:latin typeface="Consolas" panose="020B0609020204030204" pitchFamily="49" charset="0"/>
-              <a:cs typeface="Consolas" panose="020B0609020204030204" pitchFamily="49" charset="0"/>
-            </a:endParaRPr>
-          </a:p>
-          <a:p>
-            <a:r>
-              <a:rPr lang="en-GB" b="1" dirty="0" err="1">
-                <a:solidFill>
-                  <a:schemeClr val="tx2">
-                    <a:lumMod val="75000"/>
-                  </a:schemeClr>
-                </a:solidFill>
-                <a:latin typeface="Consolas" panose="020B0609020204030204" pitchFamily="49" charset="0"/>
-                <a:cs typeface="Consolas" panose="020B0609020204030204" pitchFamily="49" charset="0"/>
-              </a:rPr>
-              <a:t>list.clear</a:t>
-            </a:r>
-            <a:r>
-              <a:rPr lang="en-GB" b="1" dirty="0">
-                <a:solidFill>
-                  <a:schemeClr val="tx2">
-                    <a:lumMod val="75000"/>
-                  </a:schemeClr>
-                </a:solidFill>
-                <a:latin typeface="Consolas" panose="020B0609020204030204" pitchFamily="49" charset="0"/>
-                <a:cs typeface="Consolas" panose="020B0609020204030204" pitchFamily="49" charset="0"/>
-              </a:rPr>
-              <a:t>() </a:t>
-            </a:r>
-            <a:r>
-              <a:rPr lang="en-GB" dirty="0">
-                <a:solidFill>
-                  <a:schemeClr val="tx2">
-                    <a:lumMod val="75000"/>
-                  </a:schemeClr>
-                </a:solidFill>
-              </a:rPr>
-              <a:t>Remove all items from the list. Equivalent to del a[:].</a:t>
-            </a:r>
           </a:p>
           <a:p>
             <a:pPr marL="0" indent="0">
@@ -5001,22 +4970,21 @@
             </a:endParaRPr>
           </a:p>
           <a:p>
+            <a:pPr marL="0" indent="0">
+              <a:buNone/>
+            </a:pPr>
             <a:r>
               <a:rPr lang="en-US" dirty="0">
                 <a:solidFill>
-                  <a:schemeClr val="tx2">
-                    <a:lumMod val="75000"/>
-                  </a:schemeClr>
-                </a:solidFill>
-              </a:rPr>
-              <a:t>Source: https://</a:t>
+                  <a:srgbClr val="D06A22"/>
+                </a:solidFill>
+              </a:rPr>
+              <a:t># Source: https://</a:t>
             </a:r>
             <a:r>
               <a:rPr lang="en-US" dirty="0" err="1">
                 <a:solidFill>
-                  <a:schemeClr val="tx2">
-                    <a:lumMod val="75000"/>
-                  </a:schemeClr>
+                  <a:srgbClr val="D06A22"/>
                 </a:solidFill>
               </a:rPr>
               <a:t>docs.python.org</a:t>
@@ -5024,9 +4992,7 @@
             <a:r>
               <a:rPr lang="en-US" dirty="0">
                 <a:solidFill>
-                  <a:schemeClr val="tx2">
-                    <a:lumMod val="75000"/>
-                  </a:schemeClr>
+                  <a:srgbClr val="D06A22"/>
                 </a:solidFill>
               </a:rPr>
               <a:t>/3/tutorial/</a:t>
@@ -5034,18 +5000,14 @@
             <a:r>
               <a:rPr lang="en-US" dirty="0" err="1">
                 <a:solidFill>
-                  <a:schemeClr val="tx2">
-                    <a:lumMod val="75000"/>
-                  </a:schemeClr>
+                  <a:srgbClr val="D06A22"/>
                 </a:solidFill>
               </a:rPr>
               <a:t>datastructures.html</a:t>
             </a:r>
             <a:endParaRPr lang="en-US" dirty="0">
               <a:solidFill>
-                <a:schemeClr val="tx2">
-                  <a:lumMod val="75000"/>
-                </a:schemeClr>
+                <a:srgbClr val="D06A22"/>
               </a:solidFill>
             </a:endParaRPr>
           </a:p>
@@ -5061,20 +5023,241 @@
   <p:clrMapOvr>
     <a:masterClrMapping/>
   </p:clrMapOvr>
+  <p:timing>
+    <p:tnLst>
+      <p:par>
+        <p:cTn id="1" dur="indefinite" restart="never" nodeType="tmRoot">
+          <p:childTnLst>
+            <p:seq concurrent="1" nextAc="seek">
+              <p:cTn id="2" dur="indefinite" nodeType="mainSeq">
+                <p:childTnLst>
+                  <p:par>
+                    <p:cTn id="3" fill="hold">
+                      <p:stCondLst>
+                        <p:cond delay="indefinite"/>
+                      </p:stCondLst>
+                      <p:childTnLst>
+                        <p:par>
+                          <p:cTn id="4" fill="hold">
+                            <p:stCondLst>
+                              <p:cond delay="0"/>
+                            </p:stCondLst>
+                            <p:childTnLst>
+                              <p:par>
+                                <p:cTn id="5" presetID="1" presetClass="entr" presetSubtype="0" fill="hold" grpId="0" nodeType="clickEffect">
+                                  <p:stCondLst>
+                                    <p:cond delay="0"/>
+                                  </p:stCondLst>
+                                  <p:childTnLst>
+                                    <p:set>
+                                      <p:cBhvr>
+                                        <p:cTn id="6" dur="1" fill="hold">
+                                          <p:stCondLst>
+                                            <p:cond delay="0"/>
+                                          </p:stCondLst>
+                                        </p:cTn>
+                                        <p:tgtEl>
+                                          <p:spTgt spid="3">
+                                            <p:txEl>
+                                              <p:pRg st="0" end="0"/>
+                                            </p:txEl>
+                                          </p:spTgt>
+                                        </p:tgtEl>
+                                        <p:attrNameLst>
+                                          <p:attrName>style.visibility</p:attrName>
+                                        </p:attrNameLst>
+                                      </p:cBhvr>
+                                      <p:to>
+                                        <p:strVal val="visible"/>
+                                      </p:to>
+                                    </p:set>
+                                  </p:childTnLst>
+                                </p:cTn>
+                              </p:par>
+                            </p:childTnLst>
+                          </p:cTn>
+                        </p:par>
+                      </p:childTnLst>
+                    </p:cTn>
+                  </p:par>
+                  <p:par>
+                    <p:cTn id="7" fill="hold">
+                      <p:stCondLst>
+                        <p:cond delay="indefinite"/>
+                      </p:stCondLst>
+                      <p:childTnLst>
+                        <p:par>
+                          <p:cTn id="8" fill="hold">
+                            <p:stCondLst>
+                              <p:cond delay="0"/>
+                            </p:stCondLst>
+                            <p:childTnLst>
+                              <p:par>
+                                <p:cTn id="9" presetID="1" presetClass="entr" presetSubtype="0" fill="hold" grpId="0" nodeType="clickEffect">
+                                  <p:stCondLst>
+                                    <p:cond delay="0"/>
+                                  </p:stCondLst>
+                                  <p:childTnLst>
+                                    <p:set>
+                                      <p:cBhvr>
+                                        <p:cTn id="10" dur="1" fill="hold">
+                                          <p:stCondLst>
+                                            <p:cond delay="0"/>
+                                          </p:stCondLst>
+                                        </p:cTn>
+                                        <p:tgtEl>
+                                          <p:spTgt spid="3">
+                                            <p:txEl>
+                                              <p:pRg st="2" end="2"/>
+                                            </p:txEl>
+                                          </p:spTgt>
+                                        </p:tgtEl>
+                                        <p:attrNameLst>
+                                          <p:attrName>style.visibility</p:attrName>
+                                        </p:attrNameLst>
+                                      </p:cBhvr>
+                                      <p:to>
+                                        <p:strVal val="visible"/>
+                                      </p:to>
+                                    </p:set>
+                                  </p:childTnLst>
+                                </p:cTn>
+                              </p:par>
+                            </p:childTnLst>
+                          </p:cTn>
+                        </p:par>
+                      </p:childTnLst>
+                    </p:cTn>
+                  </p:par>
+                  <p:par>
+                    <p:cTn id="11" fill="hold">
+                      <p:stCondLst>
+                        <p:cond delay="indefinite"/>
+                      </p:stCondLst>
+                      <p:childTnLst>
+                        <p:par>
+                          <p:cTn id="12" fill="hold">
+                            <p:stCondLst>
+                              <p:cond delay="0"/>
+                            </p:stCondLst>
+                            <p:childTnLst>
+                              <p:par>
+                                <p:cTn id="13" presetID="1" presetClass="entr" presetSubtype="0" fill="hold" grpId="0" nodeType="clickEffect">
+                                  <p:stCondLst>
+                                    <p:cond delay="0"/>
+                                  </p:stCondLst>
+                                  <p:childTnLst>
+                                    <p:set>
+                                      <p:cBhvr>
+                                        <p:cTn id="14" dur="1" fill="hold">
+                                          <p:stCondLst>
+                                            <p:cond delay="0"/>
+                                          </p:stCondLst>
+                                        </p:cTn>
+                                        <p:tgtEl>
+                                          <p:spTgt spid="3">
+                                            <p:txEl>
+                                              <p:pRg st="4" end="4"/>
+                                            </p:txEl>
+                                          </p:spTgt>
+                                        </p:tgtEl>
+                                        <p:attrNameLst>
+                                          <p:attrName>style.visibility</p:attrName>
+                                        </p:attrNameLst>
+                                      </p:cBhvr>
+                                      <p:to>
+                                        <p:strVal val="visible"/>
+                                      </p:to>
+                                    </p:set>
+                                  </p:childTnLst>
+                                </p:cTn>
+                              </p:par>
+                            </p:childTnLst>
+                          </p:cTn>
+                        </p:par>
+                      </p:childTnLst>
+                    </p:cTn>
+                  </p:par>
+                  <p:par>
+                    <p:cTn id="15" fill="hold">
+                      <p:stCondLst>
+                        <p:cond delay="indefinite"/>
+                      </p:stCondLst>
+                      <p:childTnLst>
+                        <p:par>
+                          <p:cTn id="16" fill="hold">
+                            <p:stCondLst>
+                              <p:cond delay="0"/>
+                            </p:stCondLst>
+                            <p:childTnLst>
+                              <p:par>
+                                <p:cTn id="17" presetID="1" presetClass="entr" presetSubtype="0" fill="hold" grpId="0" nodeType="clickEffect">
+                                  <p:stCondLst>
+                                    <p:cond delay="0"/>
+                                  </p:stCondLst>
+                                  <p:childTnLst>
+                                    <p:set>
+                                      <p:cBhvr>
+                                        <p:cTn id="18" dur="1" fill="hold">
+                                          <p:stCondLst>
+                                            <p:cond delay="0"/>
+                                          </p:stCondLst>
+                                        </p:cTn>
+                                        <p:tgtEl>
+                                          <p:spTgt spid="3">
+                                            <p:txEl>
+                                              <p:pRg st="7" end="7"/>
+                                            </p:txEl>
+                                          </p:spTgt>
+                                        </p:tgtEl>
+                                        <p:attrNameLst>
+                                          <p:attrName>style.visibility</p:attrName>
+                                        </p:attrNameLst>
+                                      </p:cBhvr>
+                                      <p:to>
+                                        <p:strVal val="visible"/>
+                                      </p:to>
+                                    </p:set>
+                                  </p:childTnLst>
+                                </p:cTn>
+                              </p:par>
+                            </p:childTnLst>
+                          </p:cTn>
+                        </p:par>
+                      </p:childTnLst>
+                    </p:cTn>
+                  </p:par>
+                </p:childTnLst>
+              </p:cTn>
+              <p:prevCondLst>
+                <p:cond evt="onPrev" delay="0">
+                  <p:tgtEl>
+                    <p:sldTgt/>
+                  </p:tgtEl>
+                </p:cond>
+              </p:prevCondLst>
+              <p:nextCondLst>
+                <p:cond evt="onNext" delay="0">
+                  <p:tgtEl>
+                    <p:sldTgt/>
+                  </p:tgtEl>
+                </p:cond>
+              </p:nextCondLst>
+            </p:seq>
+          </p:childTnLst>
+        </p:cTn>
+      </p:par>
+    </p:tnLst>
+    <p:bldLst>
+      <p:bldP spid="3" grpId="0" build="p"/>
+    </p:bldLst>
+  </p:timing>
 </p:sld>
 </file>
 
 <file path=ppt/slides/slide13.xml><?xml version="1.0" encoding="utf-8"?>
 <p:sld xmlns:a="http://schemas.openxmlformats.org/drawingml/2006/main" xmlns:r="http://schemas.openxmlformats.org/officeDocument/2006/relationships" xmlns:p="http://schemas.openxmlformats.org/presentationml/2006/main">
   <p:cSld>
-    <p:bg>
-      <p:bgPr>
-        <a:solidFill>
-          <a:schemeClr val="bg1"/>
-        </a:solidFill>
-        <a:effectLst/>
-      </p:bgPr>
-    </p:bg>
     <p:spTree>
       <p:nvGrpSpPr>
         <p:cNvPr id="1" name=""/>
@@ -5091,10 +5274,38 @@
       </p:grpSpPr>
       <p:sp>
         <p:nvSpPr>
+          <p:cNvPr id="4" name="Title 3">
+            <a:extLst>
+              <a:ext uri="{FF2B5EF4-FFF2-40B4-BE49-F238E27FC236}">
+                <a16:creationId xmlns:a16="http://schemas.microsoft.com/office/drawing/2014/main" id="{5C88DAA2-BE5C-5744-A719-D9C5AB41D9C5}"/>
+              </a:ext>
+            </a:extLst>
+          </p:cNvPr>
+          <p:cNvSpPr>
+            <a:spLocks noGrp="1"/>
+          </p:cNvSpPr>
+          <p:nvPr>
+            <p:ph type="title"/>
+          </p:nvPr>
+        </p:nvSpPr>
+        <p:spPr/>
+        <p:txBody>
+          <a:bodyPr/>
+          <a:lstStyle/>
+          <a:p>
+            <a:r>
+              <a:rPr lang="en-US" dirty="0"/>
+              <a:t>Removing items from list</a:t>
+            </a:r>
+          </a:p>
+        </p:txBody>
+      </p:sp>
+      <p:sp>
+        <p:nvSpPr>
           <p:cNvPr id="3" name="Content Placeholder 2">
             <a:extLst>
               <a:ext uri="{FF2B5EF4-FFF2-40B4-BE49-F238E27FC236}">
-                <a16:creationId xmlns:a16="http://schemas.microsoft.com/office/drawing/2014/main" id="{9E83EFA6-FEDF-FD4C-9CC5-7A8D4F5556EC}"/>
+                <a16:creationId xmlns:a16="http://schemas.microsoft.com/office/drawing/2014/main" id="{8874522D-416F-364A-B1C6-5AE5446481A3}"/>
               </a:ext>
             </a:extLst>
           </p:cNvPr>
@@ -5105,12 +5316,7 @@
             <p:ph idx="1"/>
           </p:nvPr>
         </p:nvSpPr>
-        <p:spPr>
-          <a:xfrm>
-            <a:off x="904126" y="801384"/>
-            <a:ext cx="10063594" cy="5164327"/>
-          </a:xfrm>
-        </p:spPr>
+        <p:spPr/>
         <p:txBody>
           <a:bodyPr>
             <a:normAutofit/>
@@ -5118,166 +5324,309 @@
           <a:lstStyle/>
           <a:p>
             <a:r>
-              <a:rPr lang="en-US" b="1" dirty="0" err="1">
-                <a:solidFill>
-                  <a:schemeClr val="tx2">
-                    <a:lumMod val="75000"/>
-                  </a:schemeClr>
-                </a:solidFill>
+              <a:rPr lang="en-US" sz="2400" b="1" dirty="0" err="1">
                 <a:latin typeface="Consolas" panose="020B0609020204030204" pitchFamily="49" charset="0"/>
                 <a:cs typeface="Consolas" panose="020B0609020204030204" pitchFamily="49" charset="0"/>
               </a:rPr>
-              <a:t>list.index</a:t>
-            </a:r>
-            <a:r>
-              <a:rPr lang="en-US" b="1" dirty="0">
-                <a:solidFill>
-                  <a:schemeClr val="tx2">
-                    <a:lumMod val="75000"/>
-                  </a:schemeClr>
-                </a:solidFill>
+              <a:t>list.remove</a:t>
+            </a:r>
+            <a:r>
+              <a:rPr lang="en-US" sz="2400" b="1" dirty="0">
                 <a:latin typeface="Consolas" panose="020B0609020204030204" pitchFamily="49" charset="0"/>
                 <a:cs typeface="Consolas" panose="020B0609020204030204" pitchFamily="49" charset="0"/>
               </a:rPr>
-              <a:t>(x[, start[, end]]) </a:t>
-            </a:r>
-            <a:r>
-              <a:rPr lang="en-US" dirty="0">
-                <a:solidFill>
-                  <a:schemeClr val="tx2">
-                    <a:lumMod val="75000"/>
-                  </a:schemeClr>
-                </a:solidFill>
-              </a:rPr>
-              <a:t>Return zero-based index in the list of the first item whose value is equal to x. Raises a </a:t>
-            </a:r>
-            <a:r>
-              <a:rPr lang="en-US" dirty="0" err="1">
-                <a:solidFill>
-                  <a:schemeClr val="tx2">
-                    <a:lumMod val="75000"/>
-                  </a:schemeClr>
-                </a:solidFill>
-              </a:rPr>
+              <a:t>(x) </a:t>
+            </a:r>
+            <a:r>
+              <a:rPr lang="en-US" sz="2400" dirty="0"/>
+              <a:t>Remove the first item from the list whose value is equal to x. It raises a </a:t>
+            </a:r>
+            <a:r>
+              <a:rPr lang="en-US" sz="2400" dirty="0" err="1"/>
               <a:t>ValueError</a:t>
             </a:r>
             <a:r>
-              <a:rPr lang="en-US" dirty="0">
-                <a:solidFill>
-                  <a:schemeClr val="tx2">
-                    <a:lumMod val="75000"/>
-                  </a:schemeClr>
-                </a:solidFill>
-              </a:rPr>
+              <a:rPr lang="en-US" sz="2400" dirty="0"/>
               <a:t> if there is no such item.</a:t>
             </a:r>
           </a:p>
           <a:p>
-            <a:pPr lvl="1"/>
-            <a:r>
-              <a:rPr lang="en-US" dirty="0">
-                <a:solidFill>
-                  <a:schemeClr val="tx2">
-                    <a:lumMod val="75000"/>
-                  </a:schemeClr>
-                </a:solidFill>
-              </a:rPr>
-              <a:t>The optional arguments start and end are interpreted as in the slice notation and are used to limit the search to a particular subsequence of the list. The returned index is computed relative to the beginning of the full sequence rather than the start argument.</a:t>
-            </a:r>
-          </a:p>
-          <a:p>
-            <a:r>
-              <a:rPr lang="en-US" b="1" dirty="0" err="1">
-                <a:solidFill>
-                  <a:schemeClr val="tx2">
-                    <a:lumMod val="75000"/>
-                  </a:schemeClr>
-                </a:solidFill>
+            <a:endParaRPr lang="en-GB" sz="2400" b="1" dirty="0">
+              <a:latin typeface="Consolas" panose="020B0609020204030204" pitchFamily="49" charset="0"/>
+              <a:cs typeface="Consolas" panose="020B0609020204030204" pitchFamily="49" charset="0"/>
+            </a:endParaRPr>
+          </a:p>
+          <a:p>
+            <a:r>
+              <a:rPr lang="en-GB" sz="2400" b="1" dirty="0" err="1">
                 <a:latin typeface="Consolas" panose="020B0609020204030204" pitchFamily="49" charset="0"/>
                 <a:cs typeface="Consolas" panose="020B0609020204030204" pitchFamily="49" charset="0"/>
               </a:rPr>
-              <a:t>list.count</a:t>
-            </a:r>
-            <a:r>
-              <a:rPr lang="en-US" b="1" dirty="0">
-                <a:solidFill>
-                  <a:schemeClr val="tx2">
-                    <a:lumMod val="75000"/>
-                  </a:schemeClr>
-                </a:solidFill>
+              <a:t>list.pop</a:t>
+            </a:r>
+            <a:r>
+              <a:rPr lang="en-GB" sz="2400" b="1" dirty="0">
                 <a:latin typeface="Consolas" panose="020B0609020204030204" pitchFamily="49" charset="0"/>
                 <a:cs typeface="Consolas" panose="020B0609020204030204" pitchFamily="49" charset="0"/>
               </a:rPr>
-              <a:t>(x) </a:t>
-            </a:r>
-            <a:r>
-              <a:rPr lang="en-US" dirty="0">
-                <a:solidFill>
-                  <a:schemeClr val="tx2">
-                    <a:lumMod val="75000"/>
-                  </a:schemeClr>
-                </a:solidFill>
-              </a:rPr>
-              <a:t>Return the number of times x appears in the list.</a:t>
-            </a:r>
-          </a:p>
-          <a:p>
-            <a:r>
-              <a:rPr lang="en-US" b="1" dirty="0" err="1">
-                <a:solidFill>
-                  <a:schemeClr val="tx2">
-                    <a:lumMod val="75000"/>
-                  </a:schemeClr>
-                </a:solidFill>
+              <a:t>([</a:t>
+            </a:r>
+            <a:r>
+              <a:rPr lang="en-GB" sz="2400" b="1" i="1" dirty="0" err="1">
                 <a:latin typeface="Consolas" panose="020B0609020204030204" pitchFamily="49" charset="0"/>
                 <a:cs typeface="Consolas" panose="020B0609020204030204" pitchFamily="49" charset="0"/>
               </a:rPr>
-              <a:t>list.sort</a:t>
-            </a:r>
-            <a:r>
-              <a:rPr lang="en-US" b="1" dirty="0">
-                <a:solidFill>
-                  <a:schemeClr val="tx2">
-                    <a:lumMod val="75000"/>
-                  </a:schemeClr>
-                </a:solidFill>
+              <a:t>i</a:t>
+            </a:r>
+            <a:r>
+              <a:rPr lang="en-GB" sz="2400" b="1" dirty="0">
                 <a:latin typeface="Consolas" panose="020B0609020204030204" pitchFamily="49" charset="0"/>
                 <a:cs typeface="Consolas" panose="020B0609020204030204" pitchFamily="49" charset="0"/>
               </a:rPr>
-              <a:t>(key=None, reverse=False)</a:t>
-            </a:r>
-            <a:r>
-              <a:rPr lang="en-US" dirty="0">
-                <a:solidFill>
-                  <a:schemeClr val="tx2">
-                    <a:lumMod val="75000"/>
-                  </a:schemeClr>
-                </a:solidFill>
-              </a:rPr>
-              <a:t> Sort the items of the list in place (the arguments can be used for sort customization, see sorted() for their explanation).</a:t>
-            </a:r>
-          </a:p>
-          <a:p>
-            <a:endParaRPr lang="en-US" dirty="0">
-              <a:solidFill>
-                <a:schemeClr val="tx2">
-                  <a:lumMod val="75000"/>
-                </a:schemeClr>
-              </a:solidFill>
+              <a:t>]) </a:t>
+            </a:r>
+            <a:r>
+              <a:rPr lang="en-GB" sz="2400" dirty="0"/>
+              <a:t>Remove the item at the given position in the list, and return it. If no index is specified, </a:t>
+            </a:r>
+            <a:r>
+              <a:rPr lang="en-GB" sz="2400" dirty="0" err="1"/>
+              <a:t>a.pop</a:t>
+            </a:r>
+            <a:r>
+              <a:rPr lang="en-GB" sz="2400" dirty="0"/>
+              <a:t>() removes and returns the last item in the list. (The square brackets around the </a:t>
+            </a:r>
+            <a:r>
+              <a:rPr lang="en-GB" sz="2400" i="1" dirty="0" err="1"/>
+              <a:t>i</a:t>
+            </a:r>
+            <a:r>
+              <a:rPr lang="en-GB" sz="2400" dirty="0"/>
+              <a:t> in the method signature denote that the parameter is optional, not that you should type square brackets at that position. You will see this notation frequently in the Python Library Reference.)</a:t>
+            </a:r>
+          </a:p>
+          <a:p>
+            <a:endParaRPr lang="en-GB" sz="2400" b="1" dirty="0">
+              <a:latin typeface="Consolas" panose="020B0609020204030204" pitchFamily="49" charset="0"/>
+              <a:cs typeface="Consolas" panose="020B0609020204030204" pitchFamily="49" charset="0"/>
             </a:endParaRPr>
+          </a:p>
+          <a:p>
+            <a:r>
+              <a:rPr lang="en-GB" sz="2400" b="1" dirty="0" err="1">
+                <a:latin typeface="Consolas" panose="020B0609020204030204" pitchFamily="49" charset="0"/>
+                <a:cs typeface="Consolas" panose="020B0609020204030204" pitchFamily="49" charset="0"/>
+              </a:rPr>
+              <a:t>list.clear</a:t>
+            </a:r>
+            <a:r>
+              <a:rPr lang="en-GB" sz="2400" b="1" dirty="0">
+                <a:latin typeface="Consolas" panose="020B0609020204030204" pitchFamily="49" charset="0"/>
+                <a:cs typeface="Consolas" panose="020B0609020204030204" pitchFamily="49" charset="0"/>
+              </a:rPr>
+              <a:t>() </a:t>
+            </a:r>
+            <a:r>
+              <a:rPr lang="en-GB" sz="2400" dirty="0"/>
+              <a:t>Remove all items from the list. Equivalent to del a[:].</a:t>
+            </a:r>
+          </a:p>
+          <a:p>
+            <a:endParaRPr lang="en-US" sz="2400" dirty="0"/>
           </a:p>
         </p:txBody>
       </p:sp>
     </p:spTree>
     <p:extLst>
       <p:ext uri="{BB962C8B-B14F-4D97-AF65-F5344CB8AC3E}">
-        <p14:creationId xmlns:p14="http://schemas.microsoft.com/office/powerpoint/2010/main" val="3362841718"/>
+        <p14:creationId xmlns:p14="http://schemas.microsoft.com/office/powerpoint/2010/main" val="3766125285"/>
       </p:ext>
     </p:extLst>
   </p:cSld>
   <p:clrMapOvr>
     <a:masterClrMapping/>
   </p:clrMapOvr>
+  <p:timing>
+    <p:tnLst>
+      <p:par>
+        <p:cTn id="1" dur="indefinite" restart="never" nodeType="tmRoot">
+          <p:childTnLst>
+            <p:seq concurrent="1" nextAc="seek">
+              <p:cTn id="2" dur="indefinite" nodeType="mainSeq">
+                <p:childTnLst>
+                  <p:par>
+                    <p:cTn id="3" fill="hold">
+                      <p:stCondLst>
+                        <p:cond delay="indefinite"/>
+                      </p:stCondLst>
+                      <p:childTnLst>
+                        <p:par>
+                          <p:cTn id="4" fill="hold">
+                            <p:stCondLst>
+                              <p:cond delay="0"/>
+                            </p:stCondLst>
+                            <p:childTnLst>
+                              <p:par>
+                                <p:cTn id="5" presetID="1" presetClass="entr" presetSubtype="0" fill="hold" grpId="0" nodeType="clickEffect">
+                                  <p:stCondLst>
+                                    <p:cond delay="0"/>
+                                  </p:stCondLst>
+                                  <p:childTnLst>
+                                    <p:set>
+                                      <p:cBhvr>
+                                        <p:cTn id="6" dur="1" fill="hold">
+                                          <p:stCondLst>
+                                            <p:cond delay="0"/>
+                                          </p:stCondLst>
+                                        </p:cTn>
+                                        <p:tgtEl>
+                                          <p:spTgt spid="3">
+                                            <p:txEl>
+                                              <p:pRg st="0" end="0"/>
+                                            </p:txEl>
+                                          </p:spTgt>
+                                        </p:tgtEl>
+                                        <p:attrNameLst>
+                                          <p:attrName>style.visibility</p:attrName>
+                                        </p:attrNameLst>
+                                      </p:cBhvr>
+                                      <p:to>
+                                        <p:strVal val="visible"/>
+                                      </p:to>
+                                    </p:set>
+                                  </p:childTnLst>
+                                </p:cTn>
+                              </p:par>
+                            </p:childTnLst>
+                          </p:cTn>
+                        </p:par>
+                      </p:childTnLst>
+                    </p:cTn>
+                  </p:par>
+                  <p:par>
+                    <p:cTn id="7" fill="hold">
+                      <p:stCondLst>
+                        <p:cond delay="indefinite"/>
+                      </p:stCondLst>
+                      <p:childTnLst>
+                        <p:par>
+                          <p:cTn id="8" fill="hold">
+                            <p:stCondLst>
+                              <p:cond delay="0"/>
+                            </p:stCondLst>
+                            <p:childTnLst>
+                              <p:par>
+                                <p:cTn id="9" presetID="1" presetClass="entr" presetSubtype="0" fill="hold" grpId="0" nodeType="clickEffect">
+                                  <p:stCondLst>
+                                    <p:cond delay="0"/>
+                                  </p:stCondLst>
+                                  <p:childTnLst>
+                                    <p:set>
+                                      <p:cBhvr>
+                                        <p:cTn id="10" dur="1" fill="hold">
+                                          <p:stCondLst>
+                                            <p:cond delay="0"/>
+                                          </p:stCondLst>
+                                        </p:cTn>
+                                        <p:tgtEl>
+                                          <p:spTgt spid="3">
+                                            <p:txEl>
+                                              <p:pRg st="2" end="2"/>
+                                            </p:txEl>
+                                          </p:spTgt>
+                                        </p:tgtEl>
+                                        <p:attrNameLst>
+                                          <p:attrName>style.visibility</p:attrName>
+                                        </p:attrNameLst>
+                                      </p:cBhvr>
+                                      <p:to>
+                                        <p:strVal val="visible"/>
+                                      </p:to>
+                                    </p:set>
+                                  </p:childTnLst>
+                                </p:cTn>
+                              </p:par>
+                            </p:childTnLst>
+                          </p:cTn>
+                        </p:par>
+                      </p:childTnLst>
+                    </p:cTn>
+                  </p:par>
+                  <p:par>
+                    <p:cTn id="11" fill="hold">
+                      <p:stCondLst>
+                        <p:cond delay="indefinite"/>
+                      </p:stCondLst>
+                      <p:childTnLst>
+                        <p:par>
+                          <p:cTn id="12" fill="hold">
+                            <p:stCondLst>
+                              <p:cond delay="0"/>
+                            </p:stCondLst>
+                            <p:childTnLst>
+                              <p:par>
+                                <p:cTn id="13" presetID="1" presetClass="entr" presetSubtype="0" fill="hold" grpId="0" nodeType="clickEffect">
+                                  <p:stCondLst>
+                                    <p:cond delay="0"/>
+                                  </p:stCondLst>
+                                  <p:childTnLst>
+                                    <p:set>
+                                      <p:cBhvr>
+                                        <p:cTn id="14" dur="1" fill="hold">
+                                          <p:stCondLst>
+                                            <p:cond delay="0"/>
+                                          </p:stCondLst>
+                                        </p:cTn>
+                                        <p:tgtEl>
+                                          <p:spTgt spid="3">
+                                            <p:txEl>
+                                              <p:pRg st="4" end="4"/>
+                                            </p:txEl>
+                                          </p:spTgt>
+                                        </p:tgtEl>
+                                        <p:attrNameLst>
+                                          <p:attrName>style.visibility</p:attrName>
+                                        </p:attrNameLst>
+                                      </p:cBhvr>
+                                      <p:to>
+                                        <p:strVal val="visible"/>
+                                      </p:to>
+                                    </p:set>
+                                  </p:childTnLst>
+                                </p:cTn>
+                              </p:par>
+                            </p:childTnLst>
+                          </p:cTn>
+                        </p:par>
+                      </p:childTnLst>
+                    </p:cTn>
+                  </p:par>
+                </p:childTnLst>
+              </p:cTn>
+              <p:prevCondLst>
+                <p:cond evt="onPrev" delay="0">
+                  <p:tgtEl>
+                    <p:sldTgt/>
+                  </p:tgtEl>
+                </p:cond>
+              </p:prevCondLst>
+              <p:nextCondLst>
+                <p:cond evt="onNext" delay="0">
+                  <p:tgtEl>
+                    <p:sldTgt/>
+                  </p:tgtEl>
+                </p:cond>
+              </p:nextCondLst>
+            </p:seq>
+          </p:childTnLst>
+        </p:cTn>
+      </p:par>
+    </p:tnLst>
+    <p:bldLst>
+      <p:bldP spid="3" grpId="0" build="p"/>
+    </p:bldLst>
+  </p:timing>
 </p:sld>
 </file>
 
@@ -5311,7 +5660,7 @@
           <p:cNvPr id="2" name="Title 1">
             <a:extLst>
               <a:ext uri="{FF2B5EF4-FFF2-40B4-BE49-F238E27FC236}">
-                <a16:creationId xmlns:a16="http://schemas.microsoft.com/office/drawing/2014/main" id="{8A0C4925-0255-B248-A451-7499C188DE07}"/>
+                <a16:creationId xmlns:a16="http://schemas.microsoft.com/office/drawing/2014/main" id="{08A6F194-1CE7-5749-8E87-60E1D70FF256}"/>
               </a:ext>
             </a:extLst>
           </p:cNvPr>
@@ -5322,19 +5671,66 @@
             <p:ph type="title"/>
           </p:nvPr>
         </p:nvSpPr>
-        <p:spPr>
-          <a:xfrm>
-            <a:off x="1199896" y="2236595"/>
-            <a:ext cx="9792208" cy="1527078"/>
-          </a:xfrm>
-        </p:spPr>
+        <p:spPr/>
+        <p:txBody>
+          <a:bodyPr/>
+          <a:lstStyle/>
+          <a:p>
+            <a:r>
+              <a:rPr lang="en-US" dirty="0"/>
+              <a:t>Access items in list</a:t>
+            </a:r>
+          </a:p>
+        </p:txBody>
+      </p:sp>
+      <p:sp>
+        <p:nvSpPr>
+          <p:cNvPr id="3" name="Content Placeholder 2">
+            <a:extLst>
+              <a:ext uri="{FF2B5EF4-FFF2-40B4-BE49-F238E27FC236}">
+                <a16:creationId xmlns:a16="http://schemas.microsoft.com/office/drawing/2014/main" id="{9E83EFA6-FEDF-FD4C-9CC5-7A8D4F5556EC}"/>
+              </a:ext>
+            </a:extLst>
+          </p:cNvPr>
+          <p:cNvSpPr>
+            <a:spLocks noGrp="1"/>
+          </p:cNvSpPr>
+          <p:nvPr>
+            <p:ph idx="1"/>
+          </p:nvPr>
+        </p:nvSpPr>
+        <p:spPr/>
         <p:txBody>
           <a:bodyPr>
-            <a:normAutofit fontScale="90000"/>
+            <a:normAutofit/>
           </a:bodyPr>
           <a:lstStyle/>
           <a:p>
             <a:r>
+              <a:rPr lang="en-US" b="1" dirty="0" err="1">
+                <a:solidFill>
+                  <a:schemeClr val="tx2">
+                    <a:lumMod val="75000"/>
+                  </a:schemeClr>
+                </a:solidFill>
+                <a:latin typeface="Consolas" panose="020B0609020204030204" pitchFamily="49" charset="0"/>
+                <a:cs typeface="Consolas" panose="020B0609020204030204" pitchFamily="49" charset="0"/>
+              </a:rPr>
+              <a:t>list.index</a:t>
+            </a:r>
+            <a:r>
+              <a:rPr lang="en-US" b="1" dirty="0">
+                <a:solidFill>
+                  <a:schemeClr val="tx2">
+                    <a:lumMod val="75000"/>
+                  </a:schemeClr>
+                </a:solidFill>
+                <a:latin typeface="Consolas" panose="020B0609020204030204" pitchFamily="49" charset="0"/>
+                <a:cs typeface="Consolas" panose="020B0609020204030204" pitchFamily="49" charset="0"/>
+              </a:rPr>
+              <a:t>(x[, start[, end]]) </a:t>
+            </a:r>
+            <a:r>
               <a:rPr lang="en-US" dirty="0">
                 <a:solidFill>
                   <a:schemeClr val="tx2">
@@ -5342,7 +5738,54 @@
                   </a:schemeClr>
                 </a:solidFill>
               </a:rPr>
-              <a:t>There are many more things you can do with a </a:t>
+              <a:t>Return zero-based index in the list of the first item whose value is equal to x. Raises a </a:t>
+            </a:r>
+            <a:r>
+              <a:rPr lang="en-US" dirty="0" err="1">
+                <a:solidFill>
+                  <a:schemeClr val="tx2">
+                    <a:lumMod val="75000"/>
+                  </a:schemeClr>
+                </a:solidFill>
+              </a:rPr>
+              <a:t>ValueError</a:t>
+            </a:r>
+            <a:r>
+              <a:rPr lang="en-US" dirty="0">
+                <a:solidFill>
+                  <a:schemeClr val="tx2">
+                    <a:lumMod val="75000"/>
+                  </a:schemeClr>
+                </a:solidFill>
+              </a:rPr>
+              <a:t> if there is no such item.</a:t>
+            </a:r>
+          </a:p>
+          <a:p>
+            <a:pPr lvl="1"/>
+            <a:r>
+              <a:rPr lang="en-US" dirty="0">
+                <a:solidFill>
+                  <a:schemeClr val="tx2">
+                    <a:lumMod val="75000"/>
+                  </a:schemeClr>
+                </a:solidFill>
+              </a:rPr>
+              <a:t>The optional arguments start and end are interpreted as in the slice notation and are used to limit the search to a particular subsequence of the list. The returned index is computed relative to the beginning of the full sequence rather than the start argument.</a:t>
+            </a:r>
+          </a:p>
+          <a:p>
+            <a:r>
+              <a:rPr lang="en-US" b="1" dirty="0" err="1">
+                <a:solidFill>
+                  <a:schemeClr val="tx2">
+                    <a:lumMod val="75000"/>
+                  </a:schemeClr>
+                </a:solidFill>
+                <a:latin typeface="Consolas" panose="020B0609020204030204" pitchFamily="49" charset="0"/>
+                <a:cs typeface="Consolas" panose="020B0609020204030204" pitchFamily="49" charset="0"/>
+              </a:rPr>
+              <a:t>list.count</a:t>
             </a:r>
             <a:r>
               <a:rPr lang="en-US" b="1" dirty="0">
@@ -5351,96 +5794,24 @@
                     <a:lumMod val="75000"/>
                   </a:schemeClr>
                 </a:solidFill>
-              </a:rPr>
-              <a:t>list</a:t>
-            </a:r>
-            <a:br>
-              <a:rPr lang="en-US" b="1" dirty="0">
-                <a:solidFill>
-                  <a:schemeClr val="tx2">
-                    <a:lumMod val="75000"/>
-                  </a:schemeClr>
-                </a:solidFill>
-              </a:rPr>
-            </a:br>
-            <a:br>
-              <a:rPr lang="en-US" b="1" dirty="0">
-                <a:solidFill>
-                  <a:schemeClr val="tx2">
-                    <a:lumMod val="75000"/>
-                  </a:schemeClr>
-                </a:solidFill>
-              </a:rPr>
-            </a:br>
-            <a:r>
-              <a:rPr lang="en-US" i="1" dirty="0">
-                <a:solidFill>
-                  <a:schemeClr val="tx2">
-                    <a:lumMod val="75000"/>
-                  </a:schemeClr>
-                </a:solidFill>
-              </a:rPr>
-              <a:t>Play with the code to get a grasp on this data structure</a:t>
-            </a:r>
-            <a:br>
-              <a:rPr lang="en-US" i="1" dirty="0">
-                <a:solidFill>
-                  <a:schemeClr val="tx2">
-                    <a:lumMod val="75000"/>
-                  </a:schemeClr>
-                </a:solidFill>
-              </a:rPr>
-            </a:br>
-            <a:br>
-              <a:rPr lang="en-US" i="1" dirty="0">
-                <a:solidFill>
-                  <a:schemeClr val="tx2">
-                    <a:lumMod val="75000"/>
-                  </a:schemeClr>
-                </a:solidFill>
-              </a:rPr>
-            </a:br>
-            <a:r>
-              <a:rPr lang="en-US" i="1" dirty="0">
-                <a:solidFill>
-                  <a:schemeClr val="tx2">
-                    <a:lumMod val="75000"/>
-                  </a:schemeClr>
-                </a:solidFill>
-              </a:rPr>
-              <a:t>Read through https://</a:t>
-            </a:r>
-            <a:r>
-              <a:rPr lang="en-US" i="1" dirty="0" err="1">
-                <a:solidFill>
-                  <a:schemeClr val="tx2">
-                    <a:lumMod val="75000"/>
-                  </a:schemeClr>
-                </a:solidFill>
-              </a:rPr>
-              <a:t>docs.python.org</a:t>
-            </a:r>
-            <a:r>
-              <a:rPr lang="en-US" i="1" dirty="0">
-                <a:solidFill>
-                  <a:schemeClr val="tx2">
-                    <a:lumMod val="75000"/>
-                  </a:schemeClr>
-                </a:solidFill>
-              </a:rPr>
-              <a:t>/3/tutorial/</a:t>
-            </a:r>
-            <a:r>
-              <a:rPr lang="en-US" i="1" dirty="0" err="1">
-                <a:solidFill>
-                  <a:schemeClr val="tx2">
-                    <a:lumMod val="75000"/>
-                  </a:schemeClr>
-                </a:solidFill>
-              </a:rPr>
-              <a:t>datastructures.html</a:t>
-            </a:r>
-            <a:endParaRPr lang="en-US" i="1" dirty="0">
+                <a:latin typeface="Consolas" panose="020B0609020204030204" pitchFamily="49" charset="0"/>
+                <a:cs typeface="Consolas" panose="020B0609020204030204" pitchFamily="49" charset="0"/>
+              </a:rPr>
+              <a:t>(x) </a:t>
+            </a:r>
+            <a:r>
+              <a:rPr lang="en-US" dirty="0">
+                <a:solidFill>
+                  <a:schemeClr val="tx2">
+                    <a:lumMod val="75000"/>
+                  </a:schemeClr>
+                </a:solidFill>
+              </a:rPr>
+              <a:t>Return the number of times x appears in the list.</a:t>
+            </a:r>
+          </a:p>
+          <a:p>
+            <a:endParaRPr lang="en-US" dirty="0">
               <a:solidFill>
                 <a:schemeClr val="tx2">
                   <a:lumMod val="75000"/>
@@ -5453,27 +5824,181 @@
     </p:spTree>
     <p:extLst>
       <p:ext uri="{BB962C8B-B14F-4D97-AF65-F5344CB8AC3E}">
-        <p14:creationId xmlns:p14="http://schemas.microsoft.com/office/powerpoint/2010/main" val="591654942"/>
+        <p14:creationId xmlns:p14="http://schemas.microsoft.com/office/powerpoint/2010/main" val="3362841718"/>
       </p:ext>
     </p:extLst>
   </p:cSld>
   <p:clrMapOvr>
     <a:masterClrMapping/>
   </p:clrMapOvr>
+  <p:timing>
+    <p:tnLst>
+      <p:par>
+        <p:cTn id="1" dur="indefinite" restart="never" nodeType="tmRoot">
+          <p:childTnLst>
+            <p:seq concurrent="1" nextAc="seek">
+              <p:cTn id="2" dur="indefinite" nodeType="mainSeq">
+                <p:childTnLst>
+                  <p:par>
+                    <p:cTn id="3" fill="hold">
+                      <p:stCondLst>
+                        <p:cond delay="indefinite"/>
+                      </p:stCondLst>
+                      <p:childTnLst>
+                        <p:par>
+                          <p:cTn id="4" fill="hold">
+                            <p:stCondLst>
+                              <p:cond delay="0"/>
+                            </p:stCondLst>
+                            <p:childTnLst>
+                              <p:par>
+                                <p:cTn id="5" presetID="1" presetClass="entr" presetSubtype="0" fill="hold" grpId="0" nodeType="clickEffect">
+                                  <p:stCondLst>
+                                    <p:cond delay="0"/>
+                                  </p:stCondLst>
+                                  <p:childTnLst>
+                                    <p:set>
+                                      <p:cBhvr>
+                                        <p:cTn id="6" dur="1" fill="hold">
+                                          <p:stCondLst>
+                                            <p:cond delay="0"/>
+                                          </p:stCondLst>
+                                        </p:cTn>
+                                        <p:tgtEl>
+                                          <p:spTgt spid="3">
+                                            <p:txEl>
+                                              <p:pRg st="0" end="0"/>
+                                            </p:txEl>
+                                          </p:spTgt>
+                                        </p:tgtEl>
+                                        <p:attrNameLst>
+                                          <p:attrName>style.visibility</p:attrName>
+                                        </p:attrNameLst>
+                                      </p:cBhvr>
+                                      <p:to>
+                                        <p:strVal val="visible"/>
+                                      </p:to>
+                                    </p:set>
+                                  </p:childTnLst>
+                                </p:cTn>
+                              </p:par>
+                              <p:par>
+                                <p:cTn id="7" presetID="1" presetClass="entr" presetSubtype="0" fill="hold" grpId="0" nodeType="withEffect">
+                                  <p:stCondLst>
+                                    <p:cond delay="0"/>
+                                  </p:stCondLst>
+                                  <p:childTnLst>
+                                    <p:set>
+                                      <p:cBhvr>
+                                        <p:cTn id="8" dur="1" fill="hold">
+                                          <p:stCondLst>
+                                            <p:cond delay="0"/>
+                                          </p:stCondLst>
+                                        </p:cTn>
+                                        <p:tgtEl>
+                                          <p:spTgt spid="3">
+                                            <p:txEl>
+                                              <p:pRg st="1" end="1"/>
+                                            </p:txEl>
+                                          </p:spTgt>
+                                        </p:tgtEl>
+                                        <p:attrNameLst>
+                                          <p:attrName>style.visibility</p:attrName>
+                                        </p:attrNameLst>
+                                      </p:cBhvr>
+                                      <p:to>
+                                        <p:strVal val="visible"/>
+                                      </p:to>
+                                    </p:set>
+                                  </p:childTnLst>
+                                </p:cTn>
+                              </p:par>
+                            </p:childTnLst>
+                          </p:cTn>
+                        </p:par>
+                      </p:childTnLst>
+                    </p:cTn>
+                  </p:par>
+                  <p:par>
+                    <p:cTn id="9" fill="hold">
+                      <p:stCondLst>
+                        <p:cond delay="indefinite"/>
+                      </p:stCondLst>
+                      <p:childTnLst>
+                        <p:par>
+                          <p:cTn id="10" fill="hold">
+                            <p:stCondLst>
+                              <p:cond delay="0"/>
+                            </p:stCondLst>
+                            <p:childTnLst>
+                              <p:par>
+                                <p:cTn id="11" presetID="1" presetClass="entr" presetSubtype="0" fill="hold" grpId="0" nodeType="clickEffect">
+                                  <p:stCondLst>
+                                    <p:cond delay="0"/>
+                                  </p:stCondLst>
+                                  <p:childTnLst>
+                                    <p:set>
+                                      <p:cBhvr>
+                                        <p:cTn id="12" dur="1" fill="hold">
+                                          <p:stCondLst>
+                                            <p:cond delay="0"/>
+                                          </p:stCondLst>
+                                        </p:cTn>
+                                        <p:tgtEl>
+                                          <p:spTgt spid="3">
+                                            <p:txEl>
+                                              <p:pRg st="2" end="2"/>
+                                            </p:txEl>
+                                          </p:spTgt>
+                                        </p:tgtEl>
+                                        <p:attrNameLst>
+                                          <p:attrName>style.visibility</p:attrName>
+                                        </p:attrNameLst>
+                                      </p:cBhvr>
+                                      <p:to>
+                                        <p:strVal val="visible"/>
+                                      </p:to>
+                                    </p:set>
+                                  </p:childTnLst>
+                                </p:cTn>
+                              </p:par>
+                            </p:childTnLst>
+                          </p:cTn>
+                        </p:par>
+                      </p:childTnLst>
+                    </p:cTn>
+                  </p:par>
+                </p:childTnLst>
+              </p:cTn>
+              <p:prevCondLst>
+                <p:cond evt="onPrev" delay="0">
+                  <p:tgtEl>
+                    <p:sldTgt/>
+                  </p:tgtEl>
+                </p:cond>
+              </p:prevCondLst>
+              <p:nextCondLst>
+                <p:cond evt="onNext" delay="0">
+                  <p:tgtEl>
+                    <p:sldTgt/>
+                  </p:tgtEl>
+                </p:cond>
+              </p:nextCondLst>
+            </p:seq>
+          </p:childTnLst>
+        </p:cTn>
+      </p:par>
+    </p:tnLst>
+    <p:bldLst>
+      <p:bldP spid="3" grpId="0" build="p"/>
+    </p:bldLst>
+  </p:timing>
 </p:sld>
 </file>
 
 <file path=ppt/slides/slide15.xml><?xml version="1.0" encoding="utf-8"?>
 <p:sld xmlns:a="http://schemas.openxmlformats.org/drawingml/2006/main" xmlns:r="http://schemas.openxmlformats.org/officeDocument/2006/relationships" xmlns:p="http://schemas.openxmlformats.org/presentationml/2006/main">
   <p:cSld>
-    <p:bg>
-      <p:bgPr>
-        <a:solidFill>
-          <a:schemeClr val="bg1"/>
-        </a:solidFill>
-        <a:effectLst/>
-      </p:bgPr>
-    </p:bg>
     <p:spTree>
       <p:nvGrpSpPr>
         <p:cNvPr id="1" name=""/>
@@ -5493,7 +6018,7 @@
           <p:cNvPr id="2" name="Title 1">
             <a:extLst>
               <a:ext uri="{FF2B5EF4-FFF2-40B4-BE49-F238E27FC236}">
-                <a16:creationId xmlns:a16="http://schemas.microsoft.com/office/drawing/2014/main" id="{26B71D39-F8B3-BA4B-BD53-14217512D400}"/>
+                <a16:creationId xmlns:a16="http://schemas.microsoft.com/office/drawing/2014/main" id="{C522F631-8558-C043-AC76-2D3D17524C55}"/>
               </a:ext>
             </a:extLst>
           </p:cNvPr>
@@ -5504,27 +6029,14 @@
             <p:ph type="title"/>
           </p:nvPr>
         </p:nvSpPr>
-        <p:spPr>
-          <a:xfrm>
-            <a:off x="1175512" y="870132"/>
-            <a:ext cx="9792208" cy="1527078"/>
-          </a:xfrm>
-        </p:spPr>
+        <p:spPr/>
         <p:txBody>
-          <a:bodyPr>
-            <a:normAutofit/>
-          </a:bodyPr>
+          <a:bodyPr/>
           <a:lstStyle/>
           <a:p>
             <a:r>
-              <a:rPr lang="en-US" dirty="0">
-                <a:solidFill>
-                  <a:schemeClr val="tx2">
-                    <a:lumMod val="75000"/>
-                  </a:schemeClr>
-                </a:solidFill>
-              </a:rPr>
-              <a:t>Slice</a:t>
+              <a:rPr lang="en-US" dirty="0"/>
+              <a:t>Rearrange items in list</a:t>
             </a:r>
           </a:p>
         </p:txBody>
@@ -5534,7 +6046,7 @@
           <p:cNvPr id="3" name="Content Placeholder 2">
             <a:extLst>
               <a:ext uri="{FF2B5EF4-FFF2-40B4-BE49-F238E27FC236}">
-                <a16:creationId xmlns:a16="http://schemas.microsoft.com/office/drawing/2014/main" id="{204C6412-B433-3544-8165-31AF19C08C61}"/>
+                <a16:creationId xmlns:a16="http://schemas.microsoft.com/office/drawing/2014/main" id="{CA15C2E3-559D-BB4A-9FF0-0880ED2C4B10}"/>
               </a:ext>
             </a:extLst>
           </p:cNvPr>
@@ -5545,778 +6057,209 @@
             <p:ph idx="1"/>
           </p:nvPr>
         </p:nvSpPr>
-        <p:spPr>
-          <a:xfrm>
-            <a:off x="842481" y="2533995"/>
-            <a:ext cx="10125239" cy="3955967"/>
-          </a:xfrm>
-        </p:spPr>
+        <p:spPr/>
         <p:txBody>
           <a:bodyPr>
-            <a:normAutofit fontScale="47500" lnSpcReduction="20000"/>
+            <a:normAutofit/>
           </a:bodyPr>
           <a:lstStyle/>
           <a:p>
             <a:r>
-              <a:rPr lang="en-US" dirty="0">
-                <a:solidFill>
-                  <a:schemeClr val="tx2">
-                    <a:lumMod val="75000"/>
-                  </a:schemeClr>
-                </a:solidFill>
-              </a:rPr>
-              <a:t>You can take a </a:t>
-            </a:r>
-            <a:r>
-              <a:rPr lang="en-US" b="1" dirty="0">
-                <a:solidFill>
-                  <a:schemeClr val="tx2">
-                    <a:lumMod val="75000"/>
-                  </a:schemeClr>
-                </a:solidFill>
-              </a:rPr>
-              <a:t>slice</a:t>
-            </a:r>
-            <a:r>
-              <a:rPr lang="en-US" dirty="0">
-                <a:solidFill>
-                  <a:schemeClr val="tx2">
-                    <a:lumMod val="75000"/>
-                  </a:schemeClr>
-                </a:solidFill>
-              </a:rPr>
-              <a:t> out of any sequence container</a:t>
-            </a:r>
-          </a:p>
-          <a:p>
-            <a:r>
-              <a:rPr lang="en-US" dirty="0">
-                <a:solidFill>
-                  <a:schemeClr val="tx2">
-                    <a:lumMod val="75000"/>
-                  </a:schemeClr>
-                </a:solidFill>
-              </a:rPr>
-              <a:t>A </a:t>
-            </a:r>
-            <a:r>
-              <a:rPr lang="en-US" b="1" dirty="0">
-                <a:solidFill>
-                  <a:schemeClr val="tx2">
-                    <a:lumMod val="75000"/>
-                  </a:schemeClr>
-                </a:solidFill>
-              </a:rPr>
-              <a:t>slice</a:t>
-            </a:r>
-            <a:r>
-              <a:rPr lang="en-US" dirty="0">
-                <a:solidFill>
-                  <a:schemeClr val="tx2">
-                    <a:lumMod val="75000"/>
-                  </a:schemeClr>
-                </a:solidFill>
-              </a:rPr>
-              <a:t> is also a </a:t>
-            </a:r>
-            <a:r>
-              <a:rPr lang="en-US" b="1" dirty="0">
-                <a:solidFill>
-                  <a:schemeClr val="tx2">
-                    <a:lumMod val="75000"/>
-                  </a:schemeClr>
-                </a:solidFill>
-              </a:rPr>
-              <a:t>sequence</a:t>
-            </a:r>
-          </a:p>
-          <a:p>
-            <a:r>
-              <a:rPr lang="en-US" dirty="0">
-                <a:solidFill>
-                  <a:schemeClr val="tx2">
-                    <a:lumMod val="75000"/>
-                  </a:schemeClr>
-                </a:solidFill>
-              </a:rPr>
-              <a:t>Notation</a:t>
-            </a:r>
-          </a:p>
-          <a:p>
-            <a:r>
-              <a:rPr lang="en-US" b="1" dirty="0">
-                <a:solidFill>
-                  <a:schemeClr val="tx2">
-                    <a:lumMod val="75000"/>
-                  </a:schemeClr>
-                </a:solidFill>
+              <a:rPr lang="en-US" b="1" dirty="0" err="1">
                 <a:latin typeface="Consolas" panose="020B0609020204030204" pitchFamily="49" charset="0"/>
                 <a:cs typeface="Consolas" panose="020B0609020204030204" pitchFamily="49" charset="0"/>
               </a:rPr>
-              <a:t>[ begin: end: step ]	</a:t>
+              <a:t>list.sort</a:t>
             </a:r>
             <a:r>
               <a:rPr lang="en-US" b="1" dirty="0">
-                <a:solidFill>
-                  <a:srgbClr val="7030A0"/>
-                </a:solidFill>
                 <a:latin typeface="Consolas" panose="020B0609020204030204" pitchFamily="49" charset="0"/>
                 <a:cs typeface="Consolas" panose="020B0609020204030204" pitchFamily="49" charset="0"/>
               </a:rPr>
-              <a:t># By default, step=1</a:t>
-            </a:r>
-          </a:p>
-          <a:p>
-            <a:r>
-              <a:rPr lang="en-US" dirty="0">
-                <a:solidFill>
-                  <a:schemeClr val="tx2">
-                    <a:lumMod val="75000"/>
-                  </a:schemeClr>
-                </a:solidFill>
-                <a:latin typeface="Consolas" panose="020B0609020204030204" pitchFamily="49" charset="0"/>
-                <a:cs typeface="Consolas" panose="020B0609020204030204" pitchFamily="49" charset="0"/>
-              </a:rPr>
-              <a:t>animals = [ “cat”, “goat”, “cow”, “mouse” ]</a:t>
-            </a:r>
-          </a:p>
-          <a:p>
-            <a:r>
-              <a:rPr lang="en-US" dirty="0">
-                <a:solidFill>
-                  <a:schemeClr val="tx2">
-                    <a:lumMod val="75000"/>
-                  </a:schemeClr>
-                </a:solidFill>
-                <a:latin typeface="Consolas" panose="020B0609020204030204" pitchFamily="49" charset="0"/>
-                <a:cs typeface="Consolas" panose="020B0609020204030204" pitchFamily="49" charset="0"/>
-              </a:rPr>
-              <a:t>animals[:2]	</a:t>
-            </a:r>
-            <a:r>
-              <a:rPr lang="en-US" dirty="0">
-                <a:solidFill>
-                  <a:srgbClr val="7030A0"/>
-                </a:solidFill>
-                <a:latin typeface="Consolas" panose="020B0609020204030204" pitchFamily="49" charset="0"/>
-                <a:cs typeface="Consolas" panose="020B0609020204030204" pitchFamily="49" charset="0"/>
-              </a:rPr>
-              <a:t># same as animals[0:2]</a:t>
-            </a:r>
-          </a:p>
-          <a:p>
-            <a:r>
-              <a:rPr lang="en-US" dirty="0">
-                <a:solidFill>
-                  <a:schemeClr val="tx2">
-                    <a:lumMod val="75000"/>
-                  </a:schemeClr>
-                </a:solidFill>
-                <a:latin typeface="Consolas" panose="020B0609020204030204" pitchFamily="49" charset="0"/>
-                <a:cs typeface="Consolas" panose="020B0609020204030204" pitchFamily="49" charset="0"/>
-              </a:rPr>
-              <a:t>animals[2:]	</a:t>
-            </a:r>
-            <a:r>
-              <a:rPr lang="en-US" dirty="0">
-                <a:solidFill>
-                  <a:srgbClr val="7030A0"/>
-                </a:solidFill>
-                <a:latin typeface="Consolas" panose="020B0609020204030204" pitchFamily="49" charset="0"/>
-                <a:cs typeface="Consolas" panose="020B0609020204030204" pitchFamily="49" charset="0"/>
-              </a:rPr>
-              <a:t># same as animals[2:4]</a:t>
-            </a:r>
-          </a:p>
-          <a:p>
-            <a:r>
-              <a:rPr lang="en-US" dirty="0">
-                <a:solidFill>
-                  <a:schemeClr val="tx2">
-                    <a:lumMod val="75000"/>
-                  </a:schemeClr>
-                </a:solidFill>
-                <a:latin typeface="Consolas" panose="020B0609020204030204" pitchFamily="49" charset="0"/>
-                <a:cs typeface="Consolas" panose="020B0609020204030204" pitchFamily="49" charset="0"/>
-              </a:rPr>
-              <a:t>animals[1:3]</a:t>
-            </a:r>
-          </a:p>
-          <a:p>
-            <a:r>
-              <a:rPr lang="en-US" dirty="0">
-                <a:solidFill>
-                  <a:schemeClr val="tx2">
-                    <a:lumMod val="75000"/>
-                  </a:schemeClr>
-                </a:solidFill>
-                <a:latin typeface="Consolas" panose="020B0609020204030204" pitchFamily="49" charset="0"/>
-                <a:cs typeface="Consolas" panose="020B0609020204030204" pitchFamily="49" charset="0"/>
-              </a:rPr>
-              <a:t>animals[-1:0]</a:t>
-            </a:r>
-          </a:p>
-          <a:p>
-            <a:r>
-              <a:rPr lang="en-US" dirty="0">
-                <a:solidFill>
-                  <a:schemeClr val="tx2">
-                    <a:lumMod val="75000"/>
-                  </a:schemeClr>
-                </a:solidFill>
-                <a:latin typeface="Consolas" panose="020B0609020204030204" pitchFamily="49" charset="0"/>
-                <a:cs typeface="Consolas" panose="020B0609020204030204" pitchFamily="49" charset="0"/>
-              </a:rPr>
-              <a:t>animals[0::2]</a:t>
-            </a:r>
-          </a:p>
-          <a:p>
-            <a:r>
-              <a:rPr lang="en-US" dirty="0">
-                <a:solidFill>
-                  <a:schemeClr val="tx2">
-                    <a:lumMod val="75000"/>
-                  </a:schemeClr>
-                </a:solidFill>
-                <a:latin typeface="Consolas" panose="020B0609020204030204" pitchFamily="49" charset="0"/>
-                <a:cs typeface="Consolas" panose="020B0609020204030204" pitchFamily="49" charset="0"/>
-              </a:rPr>
-              <a:t>animals[0:2:2]</a:t>
-            </a:r>
-          </a:p>
-          <a:p>
-            <a:r>
-              <a:rPr lang="en-US" dirty="0">
-                <a:solidFill>
-                  <a:schemeClr val="tx2">
-                    <a:lumMod val="75000"/>
-                  </a:schemeClr>
-                </a:solidFill>
-                <a:latin typeface="Consolas" panose="020B0609020204030204" pitchFamily="49" charset="0"/>
-                <a:cs typeface="Consolas" panose="020B0609020204030204" pitchFamily="49" charset="0"/>
-              </a:rPr>
-              <a:t>animals[-1::-1]</a:t>
-            </a:r>
-          </a:p>
-          <a:p>
-            <a:endParaRPr lang="en-US" dirty="0">
-              <a:solidFill>
-                <a:schemeClr val="tx2">
-                  <a:lumMod val="75000"/>
-                </a:schemeClr>
-              </a:solidFill>
-            </a:endParaRPr>
-          </a:p>
-          <a:p>
-            <a:r>
-              <a:rPr lang="en-US" dirty="0">
-                <a:solidFill>
-                  <a:schemeClr val="tx2">
-                    <a:lumMod val="75000"/>
-                  </a:schemeClr>
-                </a:solidFill>
-              </a:rPr>
-              <a:t>More at https://</a:t>
-            </a:r>
-            <a:r>
-              <a:rPr lang="en-US" dirty="0" err="1">
-                <a:solidFill>
-                  <a:schemeClr val="tx2">
-                    <a:lumMod val="75000"/>
-                  </a:schemeClr>
-                </a:solidFill>
-              </a:rPr>
-              <a:t>docs.python.org</a:t>
-            </a:r>
-            <a:r>
-              <a:rPr lang="en-US" dirty="0">
-                <a:solidFill>
-                  <a:schemeClr val="tx2">
-                    <a:lumMod val="75000"/>
-                  </a:schemeClr>
-                </a:solidFill>
-              </a:rPr>
-              <a:t>/2.3/</a:t>
-            </a:r>
-            <a:r>
-              <a:rPr lang="en-US" dirty="0" err="1">
-                <a:solidFill>
-                  <a:schemeClr val="tx2">
-                    <a:lumMod val="75000"/>
-                  </a:schemeClr>
-                </a:solidFill>
-              </a:rPr>
-              <a:t>whatsnew</a:t>
-            </a:r>
-            <a:r>
-              <a:rPr lang="en-US" dirty="0">
-                <a:solidFill>
-                  <a:schemeClr val="tx2">
-                    <a:lumMod val="75000"/>
-                  </a:schemeClr>
-                </a:solidFill>
-              </a:rPr>
-              <a:t>/section-</a:t>
-            </a:r>
-            <a:r>
-              <a:rPr lang="en-US" dirty="0" err="1">
-                <a:solidFill>
-                  <a:schemeClr val="tx2">
-                    <a:lumMod val="75000"/>
-                  </a:schemeClr>
-                </a:solidFill>
-              </a:rPr>
-              <a:t>slices.html</a:t>
-            </a:r>
-            <a:endParaRPr lang="en-US" dirty="0">
-              <a:solidFill>
-                <a:schemeClr val="tx2">
-                  <a:lumMod val="75000"/>
-                </a:schemeClr>
-              </a:solidFill>
-            </a:endParaRPr>
-          </a:p>
-          <a:p>
-            <a:endParaRPr lang="en-US" dirty="0">
-              <a:solidFill>
-                <a:schemeClr val="tx2">
-                  <a:lumMod val="75000"/>
-                </a:schemeClr>
-              </a:solidFill>
-            </a:endParaRPr>
+              <a:t>(key=None, reverse=False)</a:t>
+            </a:r>
+            <a:r>
+              <a:rPr lang="en-US" dirty="0"/>
+              <a:t> Sort the items of the list in place (the arguments can be used for sort customization, see sorted() for their explanation).</a:t>
+            </a:r>
+          </a:p>
+          <a:p>
+            <a:endParaRPr lang="en-US" dirty="0"/>
+          </a:p>
+          <a:p>
+            <a:endParaRPr lang="en-US" dirty="0"/>
+          </a:p>
+          <a:p>
+            <a:endParaRPr lang="en-US" dirty="0"/>
+          </a:p>
+          <a:p>
+            <a:pPr marL="0" indent="0">
+              <a:buNone/>
+            </a:pPr>
+            <a:endParaRPr lang="en-US" dirty="0"/>
+          </a:p>
+          <a:p>
+            <a:pPr marL="0" indent="0">
+              <a:buNone/>
+            </a:pPr>
+            <a:endParaRPr lang="en-US" dirty="0"/>
+          </a:p>
+          <a:p>
+            <a:pPr marL="0" indent="0">
+              <a:buNone/>
+            </a:pPr>
+            <a:r>
+              <a:rPr lang="en-US" sz="1600" dirty="0">
+                <a:solidFill>
+                  <a:srgbClr val="D06A22"/>
+                </a:solidFill>
+              </a:rPr>
+              <a:t># If you want to learn how to sort, come to the next course “Python Intermediate”!</a:t>
+            </a:r>
           </a:p>
         </p:txBody>
       </p:sp>
-      <p:sp>
-        <p:nvSpPr>
-          <p:cNvPr id="4" name="Rectangle 3">
-            <a:extLst>
-              <a:ext uri="{FF2B5EF4-FFF2-40B4-BE49-F238E27FC236}">
-                <a16:creationId xmlns:a16="http://schemas.microsoft.com/office/drawing/2014/main" id="{0FD57966-9D7E-4A40-98C3-34836F111928}"/>
-              </a:ext>
-            </a:extLst>
-          </p:cNvPr>
-          <p:cNvSpPr/>
-          <p:nvPr/>
-        </p:nvSpPr>
-        <p:spPr>
-          <a:xfrm>
-            <a:off x="5303520" y="1113183"/>
-            <a:ext cx="310101" cy="310100"/>
-          </a:xfrm>
-          <a:prstGeom prst="rect">
-            <a:avLst/>
-          </a:prstGeom>
-        </p:spPr>
-        <p:style>
-          <a:lnRef idx="2">
-            <a:schemeClr val="accent1">
-              <a:shade val="50000"/>
-            </a:schemeClr>
-          </a:lnRef>
-          <a:fillRef idx="1">
-            <a:schemeClr val="accent1"/>
-          </a:fillRef>
-          <a:effectRef idx="0">
-            <a:schemeClr val="accent1"/>
-          </a:effectRef>
-          <a:fontRef idx="minor">
-            <a:schemeClr val="lt1"/>
-          </a:fontRef>
-        </p:style>
-        <p:txBody>
-          <a:bodyPr rtlCol="0" anchor="ctr"/>
-          <a:lstStyle/>
-          <a:p>
-            <a:pPr algn="ctr"/>
-            <a:endParaRPr lang="en-US"/>
-          </a:p>
-        </p:txBody>
-      </p:sp>
-      <p:sp>
-        <p:nvSpPr>
-          <p:cNvPr id="7" name="Rectangle 6">
-            <a:extLst>
-              <a:ext uri="{FF2B5EF4-FFF2-40B4-BE49-F238E27FC236}">
-                <a16:creationId xmlns:a16="http://schemas.microsoft.com/office/drawing/2014/main" id="{2A6D0333-10D7-7D47-99BA-CF6308C14819}"/>
-              </a:ext>
-            </a:extLst>
-          </p:cNvPr>
-          <p:cNvSpPr/>
-          <p:nvPr/>
-        </p:nvSpPr>
-        <p:spPr>
-          <a:xfrm>
-            <a:off x="5631069" y="1113183"/>
-            <a:ext cx="310101" cy="310100"/>
-          </a:xfrm>
-          <a:prstGeom prst="rect">
-            <a:avLst/>
-          </a:prstGeom>
-        </p:spPr>
-        <p:style>
-          <a:lnRef idx="2">
-            <a:schemeClr val="accent1">
-              <a:shade val="50000"/>
-            </a:schemeClr>
-          </a:lnRef>
-          <a:fillRef idx="1">
-            <a:schemeClr val="accent1"/>
-          </a:fillRef>
-          <a:effectRef idx="0">
-            <a:schemeClr val="accent1"/>
-          </a:effectRef>
-          <a:fontRef idx="minor">
-            <a:schemeClr val="lt1"/>
-          </a:fontRef>
-        </p:style>
-        <p:txBody>
-          <a:bodyPr rtlCol="0" anchor="ctr"/>
-          <a:lstStyle/>
-          <a:p>
-            <a:pPr algn="ctr"/>
-            <a:endParaRPr lang="en-US"/>
-          </a:p>
-        </p:txBody>
-      </p:sp>
-      <p:sp>
-        <p:nvSpPr>
-          <p:cNvPr id="9" name="Rectangle 8">
-            <a:extLst>
-              <a:ext uri="{FF2B5EF4-FFF2-40B4-BE49-F238E27FC236}">
-                <a16:creationId xmlns:a16="http://schemas.microsoft.com/office/drawing/2014/main" id="{AC25FDCE-0AA0-2249-9E5D-2C3A689E0C3B}"/>
-              </a:ext>
-            </a:extLst>
-          </p:cNvPr>
-          <p:cNvSpPr/>
-          <p:nvPr/>
-        </p:nvSpPr>
-        <p:spPr>
-          <a:xfrm>
-            <a:off x="5952212" y="1113183"/>
-            <a:ext cx="310101" cy="310100"/>
-          </a:xfrm>
-          <a:prstGeom prst="rect">
-            <a:avLst/>
-          </a:prstGeom>
-        </p:spPr>
-        <p:style>
-          <a:lnRef idx="2">
-            <a:schemeClr val="accent1">
-              <a:shade val="50000"/>
-            </a:schemeClr>
-          </a:lnRef>
-          <a:fillRef idx="1">
-            <a:schemeClr val="accent1"/>
-          </a:fillRef>
-          <a:effectRef idx="0">
-            <a:schemeClr val="accent1"/>
-          </a:effectRef>
-          <a:fontRef idx="minor">
-            <a:schemeClr val="lt1"/>
-          </a:fontRef>
-        </p:style>
-        <p:txBody>
-          <a:bodyPr rtlCol="0" anchor="ctr"/>
-          <a:lstStyle/>
-          <a:p>
-            <a:pPr algn="ctr"/>
-            <a:endParaRPr lang="en-US"/>
-          </a:p>
-        </p:txBody>
-      </p:sp>
-      <p:sp>
-        <p:nvSpPr>
-          <p:cNvPr id="11" name="Rectangle 10">
-            <a:extLst>
-              <a:ext uri="{FF2B5EF4-FFF2-40B4-BE49-F238E27FC236}">
-                <a16:creationId xmlns:a16="http://schemas.microsoft.com/office/drawing/2014/main" id="{DC0BC824-7ED5-CD48-BB7C-D374C892F42F}"/>
-              </a:ext>
-            </a:extLst>
-          </p:cNvPr>
-          <p:cNvSpPr/>
-          <p:nvPr/>
-        </p:nvSpPr>
-        <p:spPr>
-          <a:xfrm>
-            <a:off x="6273558" y="1113183"/>
-            <a:ext cx="310101" cy="310100"/>
-          </a:xfrm>
-          <a:prstGeom prst="rect">
-            <a:avLst/>
-          </a:prstGeom>
-        </p:spPr>
-        <p:style>
-          <a:lnRef idx="2">
-            <a:schemeClr val="accent1">
-              <a:shade val="50000"/>
-            </a:schemeClr>
-          </a:lnRef>
-          <a:fillRef idx="1">
-            <a:schemeClr val="accent1"/>
-          </a:fillRef>
-          <a:effectRef idx="0">
-            <a:schemeClr val="accent1"/>
-          </a:effectRef>
-          <a:fontRef idx="minor">
-            <a:schemeClr val="lt1"/>
-          </a:fontRef>
-        </p:style>
-        <p:txBody>
-          <a:bodyPr rtlCol="0" anchor="ctr"/>
-          <a:lstStyle/>
-          <a:p>
-            <a:pPr algn="ctr"/>
-            <a:endParaRPr lang="en-US"/>
-          </a:p>
-        </p:txBody>
-      </p:sp>
-      <p:sp>
-        <p:nvSpPr>
-          <p:cNvPr id="12" name="Rectangle 11">
-            <a:extLst>
-              <a:ext uri="{FF2B5EF4-FFF2-40B4-BE49-F238E27FC236}">
-                <a16:creationId xmlns:a16="http://schemas.microsoft.com/office/drawing/2014/main" id="{E16B9D10-85D3-3541-B135-A5DD1545FE19}"/>
-              </a:ext>
-            </a:extLst>
-          </p:cNvPr>
-          <p:cNvSpPr/>
-          <p:nvPr/>
-        </p:nvSpPr>
-        <p:spPr>
-          <a:xfrm>
-            <a:off x="6578819" y="1113183"/>
-            <a:ext cx="310101" cy="310100"/>
-          </a:xfrm>
-          <a:prstGeom prst="rect">
-            <a:avLst/>
-          </a:prstGeom>
-        </p:spPr>
-        <p:style>
-          <a:lnRef idx="2">
-            <a:schemeClr val="accent1">
-              <a:shade val="50000"/>
-            </a:schemeClr>
-          </a:lnRef>
-          <a:fillRef idx="1">
-            <a:schemeClr val="accent1"/>
-          </a:fillRef>
-          <a:effectRef idx="0">
-            <a:schemeClr val="accent1"/>
-          </a:effectRef>
-          <a:fontRef idx="minor">
-            <a:schemeClr val="lt1"/>
-          </a:fontRef>
-        </p:style>
-        <p:txBody>
-          <a:bodyPr rtlCol="0" anchor="ctr"/>
-          <a:lstStyle/>
-          <a:p>
-            <a:pPr algn="ctr"/>
-            <a:endParaRPr lang="en-US"/>
-          </a:p>
-        </p:txBody>
-      </p:sp>
-      <p:cxnSp>
-        <p:nvCxnSpPr>
-          <p:cNvPr id="6" name="Straight Connector 5">
-            <a:extLst>
-              <a:ext uri="{FF2B5EF4-FFF2-40B4-BE49-F238E27FC236}">
-                <a16:creationId xmlns:a16="http://schemas.microsoft.com/office/drawing/2014/main" id="{777CF7AE-C336-464E-B3D6-272A79D9BCC1}"/>
-              </a:ext>
-            </a:extLst>
-          </p:cNvPr>
-          <p:cNvCxnSpPr>
-            <a:cxnSpLocks/>
-          </p:cNvCxnSpPr>
-          <p:nvPr/>
-        </p:nvCxnSpPr>
-        <p:spPr>
-          <a:xfrm flipV="1">
-            <a:off x="5786119" y="1844703"/>
-            <a:ext cx="642489" cy="7951"/>
-          </a:xfrm>
-          <a:prstGeom prst="line">
-            <a:avLst/>
-          </a:prstGeom>
-        </p:spPr>
-        <p:style>
-          <a:lnRef idx="1">
-            <a:schemeClr val="accent1"/>
-          </a:lnRef>
-          <a:fillRef idx="0">
-            <a:schemeClr val="accent1"/>
-          </a:fillRef>
-          <a:effectRef idx="0">
-            <a:schemeClr val="accent1"/>
-          </a:effectRef>
-          <a:fontRef idx="minor">
-            <a:schemeClr val="tx1"/>
-          </a:fontRef>
-        </p:style>
-      </p:cxnSp>
-      <p:cxnSp>
-        <p:nvCxnSpPr>
-          <p:cNvPr id="14" name="Straight Connector 13">
-            <a:extLst>
-              <a:ext uri="{FF2B5EF4-FFF2-40B4-BE49-F238E27FC236}">
-                <a16:creationId xmlns:a16="http://schemas.microsoft.com/office/drawing/2014/main" id="{0C165DC7-57E6-4041-AEB8-17935B478914}"/>
-              </a:ext>
-            </a:extLst>
-          </p:cNvPr>
-          <p:cNvCxnSpPr>
-            <a:endCxn id="7" idx="2"/>
-          </p:cNvCxnSpPr>
-          <p:nvPr/>
-        </p:nvCxnSpPr>
-        <p:spPr>
-          <a:xfrm flipV="1">
-            <a:off x="5786119" y="1423283"/>
-            <a:ext cx="1" cy="437322"/>
-          </a:xfrm>
-          <a:prstGeom prst="line">
-            <a:avLst/>
-          </a:prstGeom>
-          <a:ln>
-            <a:tailEnd type="triangle"/>
-          </a:ln>
-        </p:spPr>
-        <p:style>
-          <a:lnRef idx="1">
-            <a:schemeClr val="accent1"/>
-          </a:lnRef>
-          <a:fillRef idx="0">
-            <a:schemeClr val="accent1"/>
-          </a:fillRef>
-          <a:effectRef idx="0">
-            <a:schemeClr val="accent1"/>
-          </a:effectRef>
-          <a:fontRef idx="minor">
-            <a:schemeClr val="tx1"/>
-          </a:fontRef>
-        </p:style>
-      </p:cxnSp>
-      <p:cxnSp>
-        <p:nvCxnSpPr>
-          <p:cNvPr id="15" name="Straight Connector 14">
-            <a:extLst>
-              <a:ext uri="{FF2B5EF4-FFF2-40B4-BE49-F238E27FC236}">
-                <a16:creationId xmlns:a16="http://schemas.microsoft.com/office/drawing/2014/main" id="{A3E772D8-674F-9549-9D85-DFAB57C8BC46}"/>
-              </a:ext>
-            </a:extLst>
-          </p:cNvPr>
-          <p:cNvCxnSpPr>
-            <a:cxnSpLocks/>
-            <a:endCxn id="11" idx="2"/>
-          </p:cNvCxnSpPr>
-          <p:nvPr/>
-        </p:nvCxnSpPr>
-        <p:spPr>
-          <a:xfrm flipV="1">
-            <a:off x="6423769" y="1423283"/>
-            <a:ext cx="4840" cy="429372"/>
-          </a:xfrm>
-          <a:prstGeom prst="line">
-            <a:avLst/>
-          </a:prstGeom>
-          <a:ln>
-            <a:tailEnd type="triangle"/>
-          </a:ln>
-        </p:spPr>
-        <p:style>
-          <a:lnRef idx="1">
-            <a:schemeClr val="accent1"/>
-          </a:lnRef>
-          <a:fillRef idx="0">
-            <a:schemeClr val="accent1"/>
-          </a:fillRef>
-          <a:effectRef idx="0">
-            <a:schemeClr val="accent1"/>
-          </a:effectRef>
-          <a:fontRef idx="minor">
-            <a:schemeClr val="tx1"/>
-          </a:fontRef>
-        </p:style>
-      </p:cxnSp>
-      <p:sp>
-        <p:nvSpPr>
-          <p:cNvPr id="19" name="TextBox 18">
-            <a:extLst>
-              <a:ext uri="{FF2B5EF4-FFF2-40B4-BE49-F238E27FC236}">
-                <a16:creationId xmlns:a16="http://schemas.microsoft.com/office/drawing/2014/main" id="{D6E71321-14DE-E446-8D1A-C3134845FC52}"/>
-              </a:ext>
-            </a:extLst>
-          </p:cNvPr>
-          <p:cNvSpPr txBox="1"/>
-          <p:nvPr/>
-        </p:nvSpPr>
-        <p:spPr>
-          <a:xfrm>
-            <a:off x="5613621" y="1876507"/>
-            <a:ext cx="967443" cy="246221"/>
-          </a:xfrm>
-          <a:prstGeom prst="rect">
-            <a:avLst/>
-          </a:prstGeom>
-          <a:noFill/>
-        </p:spPr>
-        <p:txBody>
-          <a:bodyPr wrap="square" rtlCol="0">
-            <a:spAutoFit/>
-          </a:bodyPr>
-          <a:lstStyle/>
-          <a:p>
-            <a:r>
-              <a:rPr lang="en-US" sz="1000" dirty="0">
-                <a:solidFill>
-                  <a:srgbClr val="7030A0"/>
-                </a:solidFill>
-              </a:rPr>
-              <a:t>This is a slice</a:t>
-            </a:r>
-          </a:p>
-        </p:txBody>
-      </p:sp>
-      <p:pic>
-        <p:nvPicPr>
-          <p:cNvPr id="5" name="Picture 4">
-            <a:extLst>
-              <a:ext uri="{FF2B5EF4-FFF2-40B4-BE49-F238E27FC236}">
-                <a16:creationId xmlns:a16="http://schemas.microsoft.com/office/drawing/2014/main" id="{85505793-13DF-974D-AE09-B285C8EA3647}"/>
-              </a:ext>
-            </a:extLst>
-          </p:cNvPr>
-          <p:cNvPicPr>
-            <a:picLocks noChangeAspect="1"/>
-          </p:cNvPicPr>
-          <p:nvPr/>
-        </p:nvPicPr>
-        <p:blipFill>
-          <a:blip r:embed="rId2"/>
-          <a:stretch>
-            <a:fillRect/>
-          </a:stretch>
-        </p:blipFill>
-        <p:spPr>
-          <a:xfrm>
-            <a:off x="0" y="0"/>
-            <a:ext cx="12192000" cy="6858000"/>
-          </a:xfrm>
-          <a:prstGeom prst="rect">
-            <a:avLst/>
-          </a:prstGeom>
-        </p:spPr>
-      </p:pic>
     </p:spTree>
     <p:extLst>
       <p:ext uri="{BB962C8B-B14F-4D97-AF65-F5344CB8AC3E}">
-        <p14:creationId xmlns:p14="http://schemas.microsoft.com/office/powerpoint/2010/main" val="3444255333"/>
+        <p14:creationId xmlns:p14="http://schemas.microsoft.com/office/powerpoint/2010/main" val="1987826514"/>
       </p:ext>
     </p:extLst>
   </p:cSld>
   <p:clrMapOvr>
     <a:masterClrMapping/>
   </p:clrMapOvr>
+  <p:timing>
+    <p:tnLst>
+      <p:par>
+        <p:cTn id="1" dur="indefinite" restart="never" nodeType="tmRoot">
+          <p:childTnLst>
+            <p:seq concurrent="1" nextAc="seek">
+              <p:cTn id="2" dur="indefinite" nodeType="mainSeq">
+                <p:childTnLst>
+                  <p:par>
+                    <p:cTn id="3" fill="hold">
+                      <p:stCondLst>
+                        <p:cond delay="indefinite"/>
+                      </p:stCondLst>
+                      <p:childTnLst>
+                        <p:par>
+                          <p:cTn id="4" fill="hold">
+                            <p:stCondLst>
+                              <p:cond delay="0"/>
+                            </p:stCondLst>
+                            <p:childTnLst>
+                              <p:par>
+                                <p:cTn id="5" presetID="1" presetClass="entr" presetSubtype="0" fill="hold" grpId="0" nodeType="clickEffect">
+                                  <p:stCondLst>
+                                    <p:cond delay="0"/>
+                                  </p:stCondLst>
+                                  <p:childTnLst>
+                                    <p:set>
+                                      <p:cBhvr>
+                                        <p:cTn id="6" dur="1" fill="hold">
+                                          <p:stCondLst>
+                                            <p:cond delay="0"/>
+                                          </p:stCondLst>
+                                        </p:cTn>
+                                        <p:tgtEl>
+                                          <p:spTgt spid="3">
+                                            <p:txEl>
+                                              <p:pRg st="0" end="0"/>
+                                            </p:txEl>
+                                          </p:spTgt>
+                                        </p:tgtEl>
+                                        <p:attrNameLst>
+                                          <p:attrName>style.visibility</p:attrName>
+                                        </p:attrNameLst>
+                                      </p:cBhvr>
+                                      <p:to>
+                                        <p:strVal val="visible"/>
+                                      </p:to>
+                                    </p:set>
+                                  </p:childTnLst>
+                                </p:cTn>
+                              </p:par>
+                            </p:childTnLst>
+                          </p:cTn>
+                        </p:par>
+                      </p:childTnLst>
+                    </p:cTn>
+                  </p:par>
+                  <p:par>
+                    <p:cTn id="7" fill="hold">
+                      <p:stCondLst>
+                        <p:cond delay="indefinite"/>
+                      </p:stCondLst>
+                      <p:childTnLst>
+                        <p:par>
+                          <p:cTn id="8" fill="hold">
+                            <p:stCondLst>
+                              <p:cond delay="0"/>
+                            </p:stCondLst>
+                            <p:childTnLst>
+                              <p:par>
+                                <p:cTn id="9" presetID="1" presetClass="entr" presetSubtype="0" fill="hold" grpId="0" nodeType="clickEffect">
+                                  <p:stCondLst>
+                                    <p:cond delay="0"/>
+                                  </p:stCondLst>
+                                  <p:childTnLst>
+                                    <p:set>
+                                      <p:cBhvr>
+                                        <p:cTn id="10" dur="1" fill="hold">
+                                          <p:stCondLst>
+                                            <p:cond delay="0"/>
+                                          </p:stCondLst>
+                                        </p:cTn>
+                                        <p:tgtEl>
+                                          <p:spTgt spid="3">
+                                            <p:txEl>
+                                              <p:pRg st="6" end="6"/>
+                                            </p:txEl>
+                                          </p:spTgt>
+                                        </p:tgtEl>
+                                        <p:attrNameLst>
+                                          <p:attrName>style.visibility</p:attrName>
+                                        </p:attrNameLst>
+                                      </p:cBhvr>
+                                      <p:to>
+                                        <p:strVal val="visible"/>
+                                      </p:to>
+                                    </p:set>
+                                  </p:childTnLst>
+                                </p:cTn>
+                              </p:par>
+                            </p:childTnLst>
+                          </p:cTn>
+                        </p:par>
+                      </p:childTnLst>
+                    </p:cTn>
+                  </p:par>
+                </p:childTnLst>
+              </p:cTn>
+              <p:prevCondLst>
+                <p:cond evt="onPrev" delay="0">
+                  <p:tgtEl>
+                    <p:sldTgt/>
+                  </p:tgtEl>
+                </p:cond>
+              </p:prevCondLst>
+              <p:nextCondLst>
+                <p:cond evt="onNext" delay="0">
+                  <p:tgtEl>
+                    <p:sldTgt/>
+                  </p:tgtEl>
+                </p:cond>
+              </p:nextCondLst>
+            </p:seq>
+          </p:childTnLst>
+        </p:cTn>
+      </p:par>
+    </p:tnLst>
+    <p:bldLst>
+      <p:bldP spid="3" grpId="0" build="p"/>
+    </p:bldLst>
+  </p:timing>
 </p:sld>
 </file>
 
@@ -6347,316 +6290,31 @@
       </p:grpSpPr>
       <p:sp>
         <p:nvSpPr>
-          <p:cNvPr id="22" name="Title 1">
-            <a:extLst>
-              <a:ext uri="{FF2B5EF4-FFF2-40B4-BE49-F238E27FC236}">
-                <a16:creationId xmlns:a16="http://schemas.microsoft.com/office/drawing/2014/main" id="{38499B02-D638-1D4E-898C-4757178DA3B2}"/>
-              </a:ext>
-            </a:extLst>
-          </p:cNvPr>
-          <p:cNvSpPr txBox="1">
-            <a:spLocks/>
+          <p:cNvPr id="2" name="Title 1">
+            <a:extLst>
+              <a:ext uri="{FF2B5EF4-FFF2-40B4-BE49-F238E27FC236}">
+                <a16:creationId xmlns:a16="http://schemas.microsoft.com/office/drawing/2014/main" id="{8A0C4925-0255-B248-A451-7499C188DE07}"/>
+              </a:ext>
+            </a:extLst>
+          </p:cNvPr>
+          <p:cNvSpPr>
+            <a:spLocks noGrp="1"/>
           </p:cNvSpPr>
-          <p:nvPr/>
+          <p:nvPr>
+            <p:ph type="title"/>
+          </p:nvPr>
         </p:nvSpPr>
         <p:spPr>
           <a:xfrm>
-            <a:off x="1175512" y="870132"/>
+            <a:off x="1199896" y="2236595"/>
             <a:ext cx="9792208" cy="1527078"/>
           </a:xfrm>
-          <a:prstGeom prst="rect">
-            <a:avLst/>
-          </a:prstGeom>
         </p:spPr>
         <p:txBody>
-          <a:bodyPr vert="horz" lIns="91440" tIns="45720" rIns="91440" bIns="45720" rtlCol="0" anchor="ctr">
-            <a:normAutofit/>
+          <a:bodyPr>
+            <a:normAutofit fontScale="90000"/>
           </a:bodyPr>
-          <a:lstStyle>
-            <a:lvl1pPr algn="l" defTabSz="914400" rtl="0" eaLnBrk="1" latinLnBrk="0" hangingPunct="1">
-              <a:lnSpc>
-                <a:spcPct val="90000"/>
-              </a:lnSpc>
-              <a:spcBef>
-                <a:spcPct val="0"/>
-              </a:spcBef>
-              <a:buNone/>
-              <a:defRPr lang="en-US" sz="4800" kern="1200" cap="none" spc="0" baseline="0" dirty="0">
-                <a:solidFill>
-                  <a:schemeClr val="tx1">
-                    <a:lumMod val="85000"/>
-                    <a:lumOff val="15000"/>
-                  </a:schemeClr>
-                </a:solidFill>
-                <a:effectLst/>
-                <a:latin typeface="+mj-lt"/>
-                <a:ea typeface="+mn-ea"/>
-                <a:cs typeface="+mn-cs"/>
-              </a:defRPr>
-            </a:lvl1pPr>
-          </a:lstStyle>
-          <a:p>
-            <a:r>
-              <a:rPr lang="en-GB" dirty="0">
-                <a:solidFill>
-                  <a:schemeClr val="tx2">
-                    <a:lumMod val="75000"/>
-                  </a:schemeClr>
-                </a:solidFill>
-              </a:rPr>
-              <a:t>Slice</a:t>
-            </a:r>
-          </a:p>
-        </p:txBody>
-      </p:sp>
-      <p:sp>
-        <p:nvSpPr>
-          <p:cNvPr id="29" name="Content Placeholder 2">
-            <a:extLst>
-              <a:ext uri="{FF2B5EF4-FFF2-40B4-BE49-F238E27FC236}">
-                <a16:creationId xmlns:a16="http://schemas.microsoft.com/office/drawing/2014/main" id="{2BB26CF4-E90A-6B40-AD3F-DABFF9D8007E}"/>
-              </a:ext>
-            </a:extLst>
-          </p:cNvPr>
-          <p:cNvSpPr txBox="1">
-            <a:spLocks/>
-          </p:cNvSpPr>
-          <p:nvPr/>
-        </p:nvSpPr>
-        <p:spPr>
-          <a:xfrm>
-            <a:off x="994881" y="2710248"/>
-            <a:ext cx="10125239" cy="3955967"/>
-          </a:xfrm>
-          <a:prstGeom prst="rect">
-            <a:avLst/>
-          </a:prstGeom>
-        </p:spPr>
-        <p:txBody>
-          <a:bodyPr vert="horz" lIns="91440" tIns="45720" rIns="91440" bIns="45720" rtlCol="0">
-            <a:normAutofit fontScale="85000" lnSpcReduction="20000"/>
-          </a:bodyPr>
-          <a:lstStyle>
-            <a:lvl1pPr marL="182880" indent="-182880" algn="l" defTabSz="914400" rtl="0" eaLnBrk="1" latinLnBrk="0" hangingPunct="1">
-              <a:lnSpc>
-                <a:spcPct val="100000"/>
-              </a:lnSpc>
-              <a:spcBef>
-                <a:spcPts val="900"/>
-              </a:spcBef>
-              <a:spcAft>
-                <a:spcPts val="0"/>
-              </a:spcAft>
-              <a:buClr>
-                <a:schemeClr val="tx1">
-                  <a:lumMod val="85000"/>
-                  <a:lumOff val="15000"/>
-                </a:schemeClr>
-              </a:buClr>
-              <a:buFont typeface="Garamond" pitchFamily="18" charset="0"/>
-              <a:buChar char="◦"/>
-              <a:defRPr sz="1800" kern="1200">
-                <a:solidFill>
-                  <a:schemeClr val="tx1"/>
-                </a:solidFill>
-                <a:latin typeface="+mn-lt"/>
-                <a:ea typeface="+mn-ea"/>
-                <a:cs typeface="+mn-cs"/>
-              </a:defRPr>
-            </a:lvl1pPr>
-            <a:lvl2pPr marL="457200" indent="-182880" algn="l" defTabSz="914400" rtl="0" eaLnBrk="1" latinLnBrk="0" hangingPunct="1">
-              <a:lnSpc>
-                <a:spcPct val="100000"/>
-              </a:lnSpc>
-              <a:spcBef>
-                <a:spcPts val="500"/>
-              </a:spcBef>
-              <a:buClr>
-                <a:schemeClr val="tx1">
-                  <a:lumMod val="85000"/>
-                  <a:lumOff val="15000"/>
-                </a:schemeClr>
-              </a:buClr>
-              <a:buFont typeface="Garamond" pitchFamily="18" charset="0"/>
-              <a:buChar char="◦"/>
-              <a:defRPr sz="1600" kern="1200">
-                <a:solidFill>
-                  <a:schemeClr val="tx1"/>
-                </a:solidFill>
-                <a:latin typeface="+mn-lt"/>
-                <a:ea typeface="+mn-ea"/>
-                <a:cs typeface="+mn-cs"/>
-              </a:defRPr>
-            </a:lvl2pPr>
-            <a:lvl3pPr marL="731520" indent="-182880" algn="l" defTabSz="914400" rtl="0" eaLnBrk="1" latinLnBrk="0" hangingPunct="1">
-              <a:lnSpc>
-                <a:spcPct val="100000"/>
-              </a:lnSpc>
-              <a:spcBef>
-                <a:spcPts val="500"/>
-              </a:spcBef>
-              <a:buClr>
-                <a:schemeClr val="tx1">
-                  <a:lumMod val="85000"/>
-                  <a:lumOff val="15000"/>
-                </a:schemeClr>
-              </a:buClr>
-              <a:buFont typeface="Garamond" pitchFamily="18" charset="0"/>
-              <a:buChar char="◦"/>
-              <a:defRPr sz="1400" kern="1200">
-                <a:solidFill>
-                  <a:schemeClr val="tx1"/>
-                </a:solidFill>
-                <a:latin typeface="+mn-lt"/>
-                <a:ea typeface="+mn-ea"/>
-                <a:cs typeface="+mn-cs"/>
-              </a:defRPr>
-            </a:lvl3pPr>
-            <a:lvl4pPr marL="1005840" indent="-182880" algn="l" defTabSz="914400" rtl="0" eaLnBrk="1" latinLnBrk="0" hangingPunct="1">
-              <a:lnSpc>
-                <a:spcPct val="100000"/>
-              </a:lnSpc>
-              <a:spcBef>
-                <a:spcPts val="500"/>
-              </a:spcBef>
-              <a:buClr>
-                <a:schemeClr val="tx1">
-                  <a:lumMod val="85000"/>
-                  <a:lumOff val="15000"/>
-                </a:schemeClr>
-              </a:buClr>
-              <a:buFont typeface="Garamond" pitchFamily="18" charset="0"/>
-              <a:buChar char="◦"/>
-              <a:defRPr sz="1400" kern="1200">
-                <a:solidFill>
-                  <a:schemeClr val="tx1"/>
-                </a:solidFill>
-                <a:latin typeface="+mn-lt"/>
-                <a:ea typeface="+mn-ea"/>
-                <a:cs typeface="+mn-cs"/>
-              </a:defRPr>
-            </a:lvl4pPr>
-            <a:lvl5pPr marL="1280160" indent="-182880" algn="l" defTabSz="914400" rtl="0" eaLnBrk="1" latinLnBrk="0" hangingPunct="1">
-              <a:lnSpc>
-                <a:spcPct val="100000"/>
-              </a:lnSpc>
-              <a:spcBef>
-                <a:spcPts val="500"/>
-              </a:spcBef>
-              <a:buClr>
-                <a:schemeClr val="tx1">
-                  <a:lumMod val="85000"/>
-                  <a:lumOff val="15000"/>
-                </a:schemeClr>
-              </a:buClr>
-              <a:buFont typeface="Garamond" pitchFamily="18" charset="0"/>
-              <a:buChar char="◦"/>
-              <a:defRPr sz="1400" kern="1200">
-                <a:solidFill>
-                  <a:schemeClr val="tx1"/>
-                </a:solidFill>
-                <a:latin typeface="+mn-lt"/>
-                <a:ea typeface="+mn-ea"/>
-                <a:cs typeface="+mn-cs"/>
-              </a:defRPr>
-            </a:lvl5pPr>
-            <a:lvl6pPr marL="1600000" indent="-228600" algn="l" defTabSz="914400" rtl="0" eaLnBrk="1" latinLnBrk="0" hangingPunct="1">
-              <a:lnSpc>
-                <a:spcPct val="100000"/>
-              </a:lnSpc>
-              <a:spcBef>
-                <a:spcPts val="500"/>
-              </a:spcBef>
-              <a:buClr>
-                <a:schemeClr val="tx1">
-                  <a:lumMod val="85000"/>
-                  <a:lumOff val="15000"/>
-                </a:schemeClr>
-              </a:buClr>
-              <a:buFont typeface="Garamond" pitchFamily="18" charset="0"/>
-              <a:buChar char="◦"/>
-              <a:defRPr sz="1400" kern="1200">
-                <a:solidFill>
-                  <a:schemeClr val="tx1"/>
-                </a:solidFill>
-                <a:latin typeface="+mn-lt"/>
-                <a:ea typeface="+mn-ea"/>
-                <a:cs typeface="+mn-cs"/>
-              </a:defRPr>
-            </a:lvl6pPr>
-            <a:lvl7pPr marL="1900000" indent="-228600" algn="l" defTabSz="914400" rtl="0" eaLnBrk="1" latinLnBrk="0" hangingPunct="1">
-              <a:lnSpc>
-                <a:spcPct val="100000"/>
-              </a:lnSpc>
-              <a:spcBef>
-                <a:spcPts val="500"/>
-              </a:spcBef>
-              <a:buClr>
-                <a:schemeClr val="tx1">
-                  <a:lumMod val="85000"/>
-                  <a:lumOff val="15000"/>
-                </a:schemeClr>
-              </a:buClr>
-              <a:buFont typeface="Garamond" pitchFamily="18" charset="0"/>
-              <a:buChar char="◦"/>
-              <a:defRPr sz="1400" kern="1200">
-                <a:solidFill>
-                  <a:schemeClr val="tx1"/>
-                </a:solidFill>
-                <a:latin typeface="+mn-lt"/>
-                <a:ea typeface="+mn-ea"/>
-                <a:cs typeface="+mn-cs"/>
-              </a:defRPr>
-            </a:lvl7pPr>
-            <a:lvl8pPr marL="2200000" indent="-228600" algn="l" defTabSz="914400" rtl="0" eaLnBrk="1" latinLnBrk="0" hangingPunct="1">
-              <a:lnSpc>
-                <a:spcPct val="100000"/>
-              </a:lnSpc>
-              <a:spcBef>
-                <a:spcPts val="500"/>
-              </a:spcBef>
-              <a:buClr>
-                <a:schemeClr val="tx1">
-                  <a:lumMod val="85000"/>
-                  <a:lumOff val="15000"/>
-                </a:schemeClr>
-              </a:buClr>
-              <a:buFont typeface="Garamond" pitchFamily="18" charset="0"/>
-              <a:buChar char="◦"/>
-              <a:defRPr sz="1400" kern="1200">
-                <a:solidFill>
-                  <a:schemeClr val="tx1"/>
-                </a:solidFill>
-                <a:latin typeface="+mn-lt"/>
-                <a:ea typeface="+mn-ea"/>
-                <a:cs typeface="+mn-cs"/>
-              </a:defRPr>
-            </a:lvl8pPr>
-            <a:lvl9pPr marL="2500000" indent="-228600" algn="l" defTabSz="914400" rtl="0" eaLnBrk="1" latinLnBrk="0" hangingPunct="1">
-              <a:lnSpc>
-                <a:spcPct val="100000"/>
-              </a:lnSpc>
-              <a:spcBef>
-                <a:spcPts val="500"/>
-              </a:spcBef>
-              <a:buClr>
-                <a:schemeClr val="tx1">
-                  <a:lumMod val="85000"/>
-                  <a:lumOff val="15000"/>
-                </a:schemeClr>
-              </a:buClr>
-              <a:buFont typeface="Garamond" pitchFamily="18" charset="0"/>
-              <a:buChar char="◦"/>
-              <a:defRPr sz="1400" kern="1200">
-                <a:solidFill>
-                  <a:schemeClr val="tx1"/>
-                </a:solidFill>
-                <a:latin typeface="+mn-lt"/>
-                <a:ea typeface="+mn-ea"/>
-                <a:cs typeface="+mn-cs"/>
-              </a:defRPr>
-            </a:lvl9pPr>
-          </a:lstStyle>
+          <a:lstStyle/>
           <a:p>
             <a:r>
               <a:rPr lang="en-US" dirty="0">
@@ -6666,7 +6324,7 @@
                   </a:schemeClr>
                 </a:solidFill>
               </a:rPr>
-              <a:t>You can take a </a:t>
+              <a:t>There are many more things you can do with a </a:t>
             </a:r>
             <a:r>
               <a:rPr lang="en-US" b="1" dirty="0">
@@ -6676,169 +6334,95 @@
                   </a:schemeClr>
                 </a:solidFill>
               </a:rPr>
-              <a:t>slice</a:t>
-            </a:r>
-            <a:r>
-              <a:rPr lang="en-US" dirty="0">
-                <a:solidFill>
-                  <a:schemeClr val="tx2">
-                    <a:lumMod val="75000"/>
-                  </a:schemeClr>
-                </a:solidFill>
-              </a:rPr>
-              <a:t> out of any sequence container</a:t>
-            </a:r>
-          </a:p>
-          <a:p>
-            <a:r>
-              <a:rPr lang="en-US" dirty="0">
-                <a:solidFill>
-                  <a:schemeClr val="tx2">
-                    <a:lumMod val="75000"/>
-                  </a:schemeClr>
-                </a:solidFill>
-              </a:rPr>
-              <a:t>Notation</a:t>
-            </a:r>
-          </a:p>
-          <a:p>
-            <a:r>
+              <a:t>list</a:t>
+            </a:r>
+            <a:br>
               <a:rPr lang="en-US" b="1" dirty="0">
                 <a:solidFill>
                   <a:schemeClr val="tx2">
                     <a:lumMod val="75000"/>
                   </a:schemeClr>
                 </a:solidFill>
-                <a:latin typeface="Consolas" panose="020B0609020204030204" pitchFamily="49" charset="0"/>
-                <a:cs typeface="Consolas" panose="020B0609020204030204" pitchFamily="49" charset="0"/>
-              </a:rPr>
-              <a:t>[ begin, end, step ]	</a:t>
-            </a:r>
-            <a:r>
+              </a:rPr>
+            </a:br>
+            <a:br>
               <a:rPr lang="en-US" b="1" dirty="0">
                 <a:solidFill>
-                  <a:srgbClr val="7030A0"/>
-                </a:solidFill>
-                <a:latin typeface="Consolas" panose="020B0609020204030204" pitchFamily="49" charset="0"/>
-                <a:cs typeface="Consolas" panose="020B0609020204030204" pitchFamily="49" charset="0"/>
-              </a:rPr>
-              <a:t># By default, step=1</a:t>
-            </a:r>
-          </a:p>
-          <a:p>
-            <a:r>
-              <a:rPr lang="en-US" dirty="0">
-                <a:solidFill>
-                  <a:schemeClr val="tx2">
-                    <a:lumMod val="75000"/>
-                  </a:schemeClr>
-                </a:solidFill>
-                <a:latin typeface="Consolas" panose="020B0609020204030204" pitchFamily="49" charset="0"/>
-                <a:cs typeface="Consolas" panose="020B0609020204030204" pitchFamily="49" charset="0"/>
-              </a:rPr>
-              <a:t>animals = [ “cat”, “goat”, “cow”, “mouse” ]</a:t>
-            </a:r>
-          </a:p>
-          <a:p>
-            <a:r>
-              <a:rPr lang="en-US" dirty="0">
-                <a:solidFill>
-                  <a:schemeClr val="tx2">
-                    <a:lumMod val="75000"/>
-                  </a:schemeClr>
-                </a:solidFill>
-                <a:latin typeface="Consolas" panose="020B0609020204030204" pitchFamily="49" charset="0"/>
-                <a:cs typeface="Consolas" panose="020B0609020204030204" pitchFamily="49" charset="0"/>
-              </a:rPr>
-              <a:t>animals[:2]	# [cat, goat]</a:t>
-            </a:r>
-          </a:p>
-          <a:p>
-            <a:r>
-              <a:rPr lang="en-US" dirty="0">
-                <a:solidFill>
-                  <a:schemeClr val="tx2">
-                    <a:lumMod val="75000"/>
-                  </a:schemeClr>
-                </a:solidFill>
-                <a:latin typeface="Consolas" panose="020B0609020204030204" pitchFamily="49" charset="0"/>
-                <a:cs typeface="Consolas" panose="020B0609020204030204" pitchFamily="49" charset="0"/>
-              </a:rPr>
-              <a:t>animals[2:]	# [cow, mouse]</a:t>
-            </a:r>
-          </a:p>
-          <a:p>
-            <a:r>
-              <a:rPr lang="en-US" dirty="0">
-                <a:solidFill>
-                  <a:schemeClr val="tx2">
-                    <a:lumMod val="75000"/>
-                  </a:schemeClr>
-                </a:solidFill>
-                <a:latin typeface="Consolas" panose="020B0609020204030204" pitchFamily="49" charset="0"/>
-                <a:cs typeface="Consolas" panose="020B0609020204030204" pitchFamily="49" charset="0"/>
-              </a:rPr>
-              <a:t>animals[1:3]	# [goat, cow]</a:t>
-            </a:r>
-          </a:p>
-          <a:p>
-            <a:r>
-              <a:rPr lang="en-US" dirty="0">
-                <a:solidFill>
-                  <a:schemeClr val="tx2">
-                    <a:lumMod val="75000"/>
-                  </a:schemeClr>
-                </a:solidFill>
-                <a:latin typeface="Consolas" panose="020B0609020204030204" pitchFamily="49" charset="0"/>
-                <a:cs typeface="Consolas" panose="020B0609020204030204" pitchFamily="49" charset="0"/>
-              </a:rPr>
-              <a:t>animals[-1:0]	# []</a:t>
-            </a:r>
-          </a:p>
-          <a:p>
-            <a:r>
-              <a:rPr lang="en-US" dirty="0">
-                <a:solidFill>
-                  <a:schemeClr val="tx2">
-                    <a:lumMod val="75000"/>
-                  </a:schemeClr>
-                </a:solidFill>
-                <a:latin typeface="Consolas" panose="020B0609020204030204" pitchFamily="49" charset="0"/>
-                <a:cs typeface="Consolas" panose="020B0609020204030204" pitchFamily="49" charset="0"/>
-              </a:rPr>
-              <a:t>animals[0::2]	# [cat, cow]</a:t>
-            </a:r>
-          </a:p>
-          <a:p>
-            <a:r>
-              <a:rPr lang="en-US" dirty="0">
-                <a:solidFill>
-                  <a:schemeClr val="tx2">
-                    <a:lumMod val="75000"/>
-                  </a:schemeClr>
-                </a:solidFill>
-                <a:latin typeface="Consolas" panose="020B0609020204030204" pitchFamily="49" charset="0"/>
-                <a:cs typeface="Consolas" panose="020B0609020204030204" pitchFamily="49" charset="0"/>
-              </a:rPr>
-              <a:t>animals[0:2:2]	# [cat]</a:t>
-            </a:r>
-          </a:p>
-          <a:p>
-            <a:r>
-              <a:rPr lang="en-US" dirty="0">
-                <a:solidFill>
-                  <a:schemeClr val="tx2">
-                    <a:lumMod val="75000"/>
-                  </a:schemeClr>
-                </a:solidFill>
-                <a:latin typeface="Consolas" panose="020B0609020204030204" pitchFamily="49" charset="0"/>
-                <a:cs typeface="Consolas" panose="020B0609020204030204" pitchFamily="49" charset="0"/>
-              </a:rPr>
-              <a:t>animals[-1::-1]	# [mouse, cow, goat, cat]</a:t>
-            </a:r>
-          </a:p>
-          <a:p>
-            <a:endParaRPr lang="en-US" dirty="0">
+                  <a:schemeClr val="tx2">
+                    <a:lumMod val="75000"/>
+                  </a:schemeClr>
+                </a:solidFill>
+              </a:rPr>
+            </a:br>
+            <a:r>
+              <a:rPr lang="en-US" i="1" dirty="0">
+                <a:solidFill>
+                  <a:schemeClr val="tx2">
+                    <a:lumMod val="75000"/>
+                  </a:schemeClr>
+                </a:solidFill>
+              </a:rPr>
+              <a:t>Play with the code to get a grasp on this data structure</a:t>
+            </a:r>
+            <a:br>
+              <a:rPr lang="en-US" i="1" dirty="0">
+                <a:solidFill>
+                  <a:schemeClr val="tx2">
+                    <a:lumMod val="75000"/>
+                  </a:schemeClr>
+                </a:solidFill>
+              </a:rPr>
+            </a:br>
+            <a:br>
+              <a:rPr lang="en-US" i="1" dirty="0">
+                <a:solidFill>
+                  <a:schemeClr val="tx2">
+                    <a:lumMod val="75000"/>
+                  </a:schemeClr>
+                </a:solidFill>
+              </a:rPr>
+            </a:br>
+            <a:r>
+              <a:rPr lang="en-US" i="1" dirty="0">
+                <a:solidFill>
+                  <a:schemeClr val="tx2">
+                    <a:lumMod val="75000"/>
+                  </a:schemeClr>
+                </a:solidFill>
+              </a:rPr>
+              <a:t>Read through https://</a:t>
+            </a:r>
+            <a:r>
+              <a:rPr lang="en-US" i="1" dirty="0" err="1">
+                <a:solidFill>
+                  <a:schemeClr val="tx2">
+                    <a:lumMod val="75000"/>
+                  </a:schemeClr>
+                </a:solidFill>
+              </a:rPr>
+              <a:t>docs.python.org</a:t>
+            </a:r>
+            <a:r>
+              <a:rPr lang="en-US" i="1" dirty="0">
+                <a:solidFill>
+                  <a:schemeClr val="tx2">
+                    <a:lumMod val="75000"/>
+                  </a:schemeClr>
+                </a:solidFill>
+              </a:rPr>
+              <a:t>/3/tutorial/</a:t>
+            </a:r>
+            <a:r>
+              <a:rPr lang="en-US" i="1" dirty="0" err="1">
+                <a:solidFill>
+                  <a:schemeClr val="tx2">
+                    <a:lumMod val="75000"/>
+                  </a:schemeClr>
+                </a:solidFill>
+              </a:rPr>
+              <a:t>datastructures.html</a:t>
+            </a:r>
+            <a:endParaRPr lang="en-US" i="1" dirty="0">
               <a:solidFill>
                 <a:schemeClr val="tx2">
                   <a:lumMod val="75000"/>
@@ -6846,90 +6430,12 @@
               </a:solidFill>
             </a:endParaRPr>
           </a:p>
-          <a:p>
-            <a:r>
-              <a:rPr lang="en-US" dirty="0">
-                <a:solidFill>
-                  <a:schemeClr val="tx2">
-                    <a:lumMod val="75000"/>
-                  </a:schemeClr>
-                </a:solidFill>
-              </a:rPr>
-              <a:t>More at https://</a:t>
-            </a:r>
-            <a:r>
-              <a:rPr lang="en-US" dirty="0" err="1">
-                <a:solidFill>
-                  <a:schemeClr val="tx2">
-                    <a:lumMod val="75000"/>
-                  </a:schemeClr>
-                </a:solidFill>
-              </a:rPr>
-              <a:t>docs.python.org</a:t>
-            </a:r>
-            <a:r>
-              <a:rPr lang="en-US" dirty="0">
-                <a:solidFill>
-                  <a:schemeClr val="tx2">
-                    <a:lumMod val="75000"/>
-                  </a:schemeClr>
-                </a:solidFill>
-              </a:rPr>
-              <a:t>/2.3/</a:t>
-            </a:r>
-            <a:r>
-              <a:rPr lang="en-US" dirty="0" err="1">
-                <a:solidFill>
-                  <a:schemeClr val="tx2">
-                    <a:lumMod val="75000"/>
-                  </a:schemeClr>
-                </a:solidFill>
-              </a:rPr>
-              <a:t>whatsnew</a:t>
-            </a:r>
-            <a:r>
-              <a:rPr lang="en-US" dirty="0">
-                <a:solidFill>
-                  <a:schemeClr val="tx2">
-                    <a:lumMod val="75000"/>
-                  </a:schemeClr>
-                </a:solidFill>
-              </a:rPr>
-              <a:t>/section-</a:t>
-            </a:r>
-            <a:r>
-              <a:rPr lang="en-US" dirty="0" err="1">
-                <a:solidFill>
-                  <a:schemeClr val="tx2">
-                    <a:lumMod val="75000"/>
-                  </a:schemeClr>
-                </a:solidFill>
-              </a:rPr>
-              <a:t>slices.html</a:t>
-            </a:r>
-            <a:endParaRPr lang="en-US" dirty="0">
-              <a:solidFill>
-                <a:schemeClr val="tx2">
-                  <a:lumMod val="75000"/>
-                </a:schemeClr>
-              </a:solidFill>
-            </a:endParaRPr>
-          </a:p>
-          <a:p>
-            <a:endParaRPr lang="en-US" dirty="0">
-              <a:solidFill>
-                <a:schemeClr val="tx2">
-                  <a:lumMod val="75000"/>
-                </a:schemeClr>
-              </a:solidFill>
-            </a:endParaRPr>
-          </a:p>
         </p:txBody>
       </p:sp>
     </p:spTree>
     <p:extLst>
       <p:ext uri="{BB962C8B-B14F-4D97-AF65-F5344CB8AC3E}">
-        <p14:creationId xmlns:p14="http://schemas.microsoft.com/office/powerpoint/2010/main" val="3355056417"/>
+        <p14:creationId xmlns:p14="http://schemas.microsoft.com/office/powerpoint/2010/main" val="591654942"/>
       </p:ext>
     </p:extLst>
   </p:cSld>
@@ -6969,7 +6475,7 @@
           <p:cNvPr id="2" name="Title 1">
             <a:extLst>
               <a:ext uri="{FF2B5EF4-FFF2-40B4-BE49-F238E27FC236}">
-                <a16:creationId xmlns:a16="http://schemas.microsoft.com/office/drawing/2014/main" id="{0266283C-FE1F-7843-9D53-1C6756B608D7}"/>
+                <a16:creationId xmlns:a16="http://schemas.microsoft.com/office/drawing/2014/main" id="{26B71D39-F8B3-BA4B-BD53-14217512D400}"/>
               </a:ext>
             </a:extLst>
           </p:cNvPr>
@@ -7000,7 +6506,7 @@
                   </a:schemeClr>
                 </a:solidFill>
               </a:rPr>
-              <a:t>Exercises	</a:t>
+              <a:t>Slice</a:t>
             </a:r>
           </a:p>
         </p:txBody>
@@ -7010,7 +6516,7 @@
           <p:cNvPr id="3" name="Content Placeholder 2">
             <a:extLst>
               <a:ext uri="{FF2B5EF4-FFF2-40B4-BE49-F238E27FC236}">
-                <a16:creationId xmlns:a16="http://schemas.microsoft.com/office/drawing/2014/main" id="{10AF0CFD-4A84-724D-9E78-004B2F3DD17D}"/>
+                <a16:creationId xmlns:a16="http://schemas.microsoft.com/office/drawing/2014/main" id="{204C6412-B433-3544-8165-31AF19C08C61}"/>
               </a:ext>
             </a:extLst>
           </p:cNvPr>
@@ -7023,13 +6529,13 @@
         </p:nvSpPr>
         <p:spPr>
           <a:xfrm>
-            <a:off x="1175512" y="2557849"/>
-            <a:ext cx="9995696" cy="3748060"/>
+            <a:off x="705679" y="2305879"/>
+            <a:ext cx="10262042" cy="4184084"/>
           </a:xfrm>
         </p:spPr>
         <p:txBody>
           <a:bodyPr>
-            <a:normAutofit fontScale="55000" lnSpcReduction="20000"/>
+            <a:normAutofit fontScale="92500" lnSpcReduction="20000"/>
           </a:bodyPr>
           <a:lstStyle/>
           <a:p>
@@ -7041,11 +6547,18 @@
                   </a:schemeClr>
                 </a:solidFill>
               </a:rPr>
-              <a:t>Create a list of all months in a year. </a:t>
-            </a:r>
-          </a:p>
-          <a:p>
-            <a:pPr lvl="1"/>
+              <a:t>You can take a </a:t>
+            </a:r>
+            <a:r>
+              <a:rPr lang="en-US" b="1" dirty="0">
+                <a:solidFill>
+                  <a:schemeClr val="tx2">
+                    <a:lumMod val="75000"/>
+                  </a:schemeClr>
+                </a:solidFill>
+              </a:rPr>
+              <a:t>slice</a:t>
+            </a:r>
             <a:r>
               <a:rPr lang="en-US" dirty="0">
                 <a:solidFill>
@@ -7054,11 +6567,10 @@
                   </a:schemeClr>
                 </a:solidFill>
               </a:rPr>
-              <a:t>Print its size</a:t>
-            </a:r>
-          </a:p>
-          <a:p>
-            <a:pPr lvl="1"/>
+              <a:t> out of any sequence container</a:t>
+            </a:r>
+          </a:p>
+          <a:p>
             <a:r>
               <a:rPr lang="en-US" dirty="0">
                 <a:solidFill>
@@ -7067,11 +6579,18 @@
                   </a:schemeClr>
                 </a:solidFill>
               </a:rPr>
-              <a:t>Use indexing to print middle months</a:t>
-            </a:r>
-          </a:p>
-          <a:p>
-            <a:pPr lvl="1"/>
+              <a:t>A </a:t>
+            </a:r>
+            <a:r>
+              <a:rPr lang="en-US" b="1" dirty="0">
+                <a:solidFill>
+                  <a:schemeClr val="tx2">
+                    <a:lumMod val="75000"/>
+                  </a:schemeClr>
+                </a:solidFill>
+              </a:rPr>
+              <a:t>slice</a:t>
+            </a:r>
             <a:r>
               <a:rPr lang="en-US" dirty="0">
                 <a:solidFill>
@@ -7080,11 +6599,20 @@
                   </a:schemeClr>
                 </a:solidFill>
               </a:rPr>
-              <a:t>Reverse the list</a:t>
-            </a:r>
-          </a:p>
-          <a:p>
-            <a:pPr lvl="1"/>
+              <a:t> is also a </a:t>
+            </a:r>
+            <a:r>
+              <a:rPr lang="en-US" b="1" dirty="0">
+                <a:solidFill>
+                  <a:schemeClr val="tx2">
+                    <a:lumMod val="75000"/>
+                  </a:schemeClr>
+                </a:solidFill>
+              </a:rPr>
+              <a:t>sequence</a:t>
+            </a:r>
+          </a:p>
+          <a:p>
             <a:r>
               <a:rPr lang="en-US" dirty="0">
                 <a:solidFill>
@@ -7093,11 +6621,18 @@
                   </a:schemeClr>
                 </a:solidFill>
               </a:rPr>
-              <a:t>Iterate over the list and capitalize each entry</a:t>
-            </a:r>
-          </a:p>
-          <a:p>
-            <a:pPr lvl="1"/>
+              <a:t>A </a:t>
+            </a:r>
+            <a:r>
+              <a:rPr lang="en-US" b="1" dirty="0">
+                <a:solidFill>
+                  <a:schemeClr val="tx2">
+                    <a:lumMod val="75000"/>
+                  </a:schemeClr>
+                </a:solidFill>
+              </a:rPr>
+              <a:t>slice</a:t>
+            </a:r>
             <a:r>
               <a:rPr lang="en-US" dirty="0">
                 <a:solidFill>
@@ -7106,10 +6641,18 @@
                   </a:schemeClr>
                 </a:solidFill>
               </a:rPr>
-              <a:t>Print months representing the start of a quarter (Use slicing)</a:t>
-            </a:r>
-          </a:p>
-          <a:p>
+              <a:t> is </a:t>
+            </a:r>
+            <a:r>
+              <a:rPr lang="en-US" b="1" dirty="0">
+                <a:solidFill>
+                  <a:schemeClr val="tx2">
+                    <a:lumMod val="75000"/>
+                  </a:schemeClr>
+                </a:solidFill>
+              </a:rPr>
+              <a:t>copy</a:t>
+            </a:r>
             <a:r>
               <a:rPr lang="en-US" dirty="0">
                 <a:solidFill>
@@ -7118,11 +6661,19 @@
                   </a:schemeClr>
                 </a:solidFill>
               </a:rPr>
-              <a:t>Create a list of first 5 even numbers and another list of first 5 odd numbers. Join these lists into a third list. </a:t>
-            </a:r>
-          </a:p>
-          <a:p>
-            <a:pPr lvl="1"/>
+              <a:t> of the original and not its reference</a:t>
+            </a:r>
+          </a:p>
+          <a:p>
+            <a:endParaRPr lang="en-US" dirty="0">
+              <a:solidFill>
+                <a:schemeClr val="tx2">
+                  <a:lumMod val="75000"/>
+                </a:schemeClr>
+              </a:solidFill>
+            </a:endParaRPr>
+          </a:p>
+          <a:p>
             <a:r>
               <a:rPr lang="en-US" dirty="0">
                 <a:solidFill>
@@ -7131,97 +6682,609 @@
                   </a:schemeClr>
                 </a:solidFill>
               </a:rPr>
-              <a:t>Print only the odd numbers in the third list using slicing</a:t>
-            </a:r>
-          </a:p>
-          <a:p>
-            <a:pPr lvl="1"/>
+              <a:t>Notation</a:t>
+            </a:r>
+          </a:p>
+          <a:p>
+            <a:pPr marL="0" indent="0">
+              <a:buNone/>
+            </a:pPr>
+            <a:r>
+              <a:rPr lang="en-US" b="1" dirty="0">
+                <a:solidFill>
+                  <a:schemeClr val="tx2">
+                    <a:lumMod val="75000"/>
+                  </a:schemeClr>
+                </a:solidFill>
+                <a:latin typeface="Consolas" panose="020B0609020204030204" pitchFamily="49" charset="0"/>
+                <a:cs typeface="Consolas" panose="020B0609020204030204" pitchFamily="49" charset="0"/>
+              </a:rPr>
+              <a:t>[ begin: end: step ]	</a:t>
+            </a:r>
+            <a:r>
+              <a:rPr lang="en-US" b="1" dirty="0">
+                <a:solidFill>
+                  <a:srgbClr val="D06A22"/>
+                </a:solidFill>
+                <a:latin typeface="Consolas" panose="020B0609020204030204" pitchFamily="49" charset="0"/>
+                <a:cs typeface="Consolas" panose="020B0609020204030204" pitchFamily="49" charset="0"/>
+              </a:rPr>
+              <a:t># By default, step=1</a:t>
+            </a:r>
+          </a:p>
+          <a:p>
+            <a:pPr marL="0" indent="0">
+              <a:buNone/>
+            </a:pPr>
+            <a:r>
+              <a:rPr lang="en-US" b="1" dirty="0"/>
+              <a:t>begin </a:t>
+            </a:r>
+            <a:r>
+              <a:rPr lang="en-US" dirty="0"/>
+              <a:t>is included, </a:t>
+            </a:r>
+            <a:r>
+              <a:rPr lang="en-US" b="1" dirty="0"/>
+              <a:t>end </a:t>
+            </a:r>
+            <a:r>
+              <a:rPr lang="en-US" dirty="0"/>
+              <a:t>is excluded</a:t>
+            </a:r>
+            <a:endParaRPr lang="en-US" b="1" dirty="0">
+              <a:solidFill>
+                <a:schemeClr val="tx2">
+                  <a:lumMod val="75000"/>
+                </a:schemeClr>
+              </a:solidFill>
+            </a:endParaRPr>
+          </a:p>
+          <a:p>
+            <a:endParaRPr lang="en-US" dirty="0">
+              <a:solidFill>
+                <a:schemeClr val="tx2">
+                  <a:lumMod val="75000"/>
+                </a:schemeClr>
+              </a:solidFill>
+            </a:endParaRPr>
+          </a:p>
+          <a:p>
+            <a:endParaRPr lang="en-US" dirty="0"/>
+          </a:p>
+          <a:p>
+            <a:pPr marL="0" indent="0">
+              <a:buNone/>
+            </a:pPr>
             <a:r>
               <a:rPr lang="en-US" dirty="0">
                 <a:solidFill>
-                  <a:schemeClr val="tx2">
-                    <a:lumMod val="75000"/>
-                  </a:schemeClr>
-                </a:solidFill>
-              </a:rPr>
-              <a:t>Print every fourth number in the third list using slicing</a:t>
-            </a:r>
-          </a:p>
-          <a:p>
-            <a:pPr lvl="1"/>
+                  <a:srgbClr val="D06A22"/>
+                </a:solidFill>
+              </a:rPr>
+              <a:t># More at https://</a:t>
+            </a:r>
+            <a:r>
+              <a:rPr lang="en-US" dirty="0" err="1">
+                <a:solidFill>
+                  <a:srgbClr val="D06A22"/>
+                </a:solidFill>
+              </a:rPr>
+              <a:t>docs.python.org</a:t>
+            </a:r>
             <a:r>
               <a:rPr lang="en-US" dirty="0">
                 <a:solidFill>
-                  <a:schemeClr val="tx2">
-                    <a:lumMod val="75000"/>
-                  </a:schemeClr>
-                </a:solidFill>
-              </a:rPr>
-              <a:t>Sort this list so that the number are sorted in increasing order.</a:t>
-            </a:r>
-          </a:p>
-          <a:p>
-            <a:pPr lvl="1"/>
+                  <a:srgbClr val="D06A22"/>
+                </a:solidFill>
+              </a:rPr>
+              <a:t>/2.3/</a:t>
+            </a:r>
+            <a:r>
+              <a:rPr lang="en-US" dirty="0" err="1">
+                <a:solidFill>
+                  <a:srgbClr val="D06A22"/>
+                </a:solidFill>
+              </a:rPr>
+              <a:t>whatsnew</a:t>
+            </a:r>
             <a:r>
               <a:rPr lang="en-US" dirty="0">
                 <a:solidFill>
-                  <a:schemeClr val="tx2">
-                    <a:lumMod val="75000"/>
-                  </a:schemeClr>
-                </a:solidFill>
-              </a:rPr>
-              <a:t>Search whether the number 8 exists in this list</a:t>
-            </a:r>
-          </a:p>
-          <a:p>
-            <a:pPr lvl="1"/>
+                  <a:srgbClr val="D06A22"/>
+                </a:solidFill>
+              </a:rPr>
+              <a:t>/section-</a:t>
+            </a:r>
+            <a:r>
+              <a:rPr lang="en-US" dirty="0" err="1">
+                <a:solidFill>
+                  <a:srgbClr val="D06A22"/>
+                </a:solidFill>
+              </a:rPr>
+              <a:t>slices.html</a:t>
+            </a:r>
+            <a:endParaRPr lang="en-US" dirty="0">
+              <a:solidFill>
+                <a:srgbClr val="D06A22"/>
+              </a:solidFill>
+            </a:endParaRPr>
+          </a:p>
+          <a:p>
+            <a:endParaRPr lang="en-US" dirty="0">
+              <a:solidFill>
+                <a:schemeClr val="tx2">
+                  <a:lumMod val="75000"/>
+                </a:schemeClr>
+              </a:solidFill>
+            </a:endParaRPr>
+          </a:p>
+        </p:txBody>
+      </p:sp>
+      <p:sp>
+        <p:nvSpPr>
+          <p:cNvPr id="4" name="Rectangle 3">
+            <a:extLst>
+              <a:ext uri="{FF2B5EF4-FFF2-40B4-BE49-F238E27FC236}">
+                <a16:creationId xmlns:a16="http://schemas.microsoft.com/office/drawing/2014/main" id="{0FD57966-9D7E-4A40-98C3-34836F111928}"/>
+              </a:ext>
+            </a:extLst>
+          </p:cNvPr>
+          <p:cNvSpPr/>
+          <p:nvPr/>
+        </p:nvSpPr>
+        <p:spPr>
+          <a:xfrm>
+            <a:off x="8706460" y="1213316"/>
+            <a:ext cx="310101" cy="310100"/>
+          </a:xfrm>
+          <a:prstGeom prst="rect">
+            <a:avLst/>
+          </a:prstGeom>
+        </p:spPr>
+        <p:style>
+          <a:lnRef idx="2">
+            <a:schemeClr val="accent1">
+              <a:shade val="50000"/>
+            </a:schemeClr>
+          </a:lnRef>
+          <a:fillRef idx="1">
+            <a:schemeClr val="accent1"/>
+          </a:fillRef>
+          <a:effectRef idx="0">
+            <a:schemeClr val="accent1"/>
+          </a:effectRef>
+          <a:fontRef idx="minor">
+            <a:schemeClr val="lt1"/>
+          </a:fontRef>
+        </p:style>
+        <p:txBody>
+          <a:bodyPr rtlCol="0" anchor="ctr"/>
+          <a:lstStyle/>
+          <a:p>
+            <a:pPr algn="ctr"/>
+            <a:endParaRPr lang="en-US"/>
+          </a:p>
+        </p:txBody>
+      </p:sp>
+      <p:sp>
+        <p:nvSpPr>
+          <p:cNvPr id="7" name="Rectangle 6">
+            <a:extLst>
+              <a:ext uri="{FF2B5EF4-FFF2-40B4-BE49-F238E27FC236}">
+                <a16:creationId xmlns:a16="http://schemas.microsoft.com/office/drawing/2014/main" id="{2A6D0333-10D7-7D47-99BA-CF6308C14819}"/>
+              </a:ext>
+            </a:extLst>
+          </p:cNvPr>
+          <p:cNvSpPr/>
+          <p:nvPr/>
+        </p:nvSpPr>
+        <p:spPr>
+          <a:xfrm>
+            <a:off x="9034009" y="1213316"/>
+            <a:ext cx="310101" cy="310100"/>
+          </a:xfrm>
+          <a:prstGeom prst="rect">
+            <a:avLst/>
+          </a:prstGeom>
+        </p:spPr>
+        <p:style>
+          <a:lnRef idx="2">
+            <a:schemeClr val="accent1">
+              <a:shade val="50000"/>
+            </a:schemeClr>
+          </a:lnRef>
+          <a:fillRef idx="1">
+            <a:schemeClr val="accent1"/>
+          </a:fillRef>
+          <a:effectRef idx="0">
+            <a:schemeClr val="accent1"/>
+          </a:effectRef>
+          <a:fontRef idx="minor">
+            <a:schemeClr val="lt1"/>
+          </a:fontRef>
+        </p:style>
+        <p:txBody>
+          <a:bodyPr rtlCol="0" anchor="ctr"/>
+          <a:lstStyle/>
+          <a:p>
+            <a:pPr algn="ctr"/>
+            <a:endParaRPr lang="en-US"/>
+          </a:p>
+        </p:txBody>
+      </p:sp>
+      <p:sp>
+        <p:nvSpPr>
+          <p:cNvPr id="9" name="Rectangle 8">
+            <a:extLst>
+              <a:ext uri="{FF2B5EF4-FFF2-40B4-BE49-F238E27FC236}">
+                <a16:creationId xmlns:a16="http://schemas.microsoft.com/office/drawing/2014/main" id="{AC25FDCE-0AA0-2249-9E5D-2C3A689E0C3B}"/>
+              </a:ext>
+            </a:extLst>
+          </p:cNvPr>
+          <p:cNvSpPr/>
+          <p:nvPr/>
+        </p:nvSpPr>
+        <p:spPr>
+          <a:xfrm>
+            <a:off x="9355152" y="1213316"/>
+            <a:ext cx="310101" cy="310100"/>
+          </a:xfrm>
+          <a:prstGeom prst="rect">
+            <a:avLst/>
+          </a:prstGeom>
+        </p:spPr>
+        <p:style>
+          <a:lnRef idx="2">
+            <a:schemeClr val="accent1">
+              <a:shade val="50000"/>
+            </a:schemeClr>
+          </a:lnRef>
+          <a:fillRef idx="1">
+            <a:schemeClr val="accent1"/>
+          </a:fillRef>
+          <a:effectRef idx="0">
+            <a:schemeClr val="accent1"/>
+          </a:effectRef>
+          <a:fontRef idx="minor">
+            <a:schemeClr val="lt1"/>
+          </a:fontRef>
+        </p:style>
+        <p:txBody>
+          <a:bodyPr rtlCol="0" anchor="ctr"/>
+          <a:lstStyle/>
+          <a:p>
+            <a:pPr algn="ctr"/>
+            <a:endParaRPr lang="en-US"/>
+          </a:p>
+        </p:txBody>
+      </p:sp>
+      <p:sp>
+        <p:nvSpPr>
+          <p:cNvPr id="11" name="Rectangle 10">
+            <a:extLst>
+              <a:ext uri="{FF2B5EF4-FFF2-40B4-BE49-F238E27FC236}">
+                <a16:creationId xmlns:a16="http://schemas.microsoft.com/office/drawing/2014/main" id="{DC0BC824-7ED5-CD48-BB7C-D374C892F42F}"/>
+              </a:ext>
+            </a:extLst>
+          </p:cNvPr>
+          <p:cNvSpPr/>
+          <p:nvPr/>
+        </p:nvSpPr>
+        <p:spPr>
+          <a:xfrm>
+            <a:off x="9676498" y="1213316"/>
+            <a:ext cx="310101" cy="310100"/>
+          </a:xfrm>
+          <a:prstGeom prst="rect">
+            <a:avLst/>
+          </a:prstGeom>
+        </p:spPr>
+        <p:style>
+          <a:lnRef idx="2">
+            <a:schemeClr val="accent1">
+              <a:shade val="50000"/>
+            </a:schemeClr>
+          </a:lnRef>
+          <a:fillRef idx="1">
+            <a:schemeClr val="accent1"/>
+          </a:fillRef>
+          <a:effectRef idx="0">
+            <a:schemeClr val="accent1"/>
+          </a:effectRef>
+          <a:fontRef idx="minor">
+            <a:schemeClr val="lt1"/>
+          </a:fontRef>
+        </p:style>
+        <p:txBody>
+          <a:bodyPr rtlCol="0" anchor="ctr"/>
+          <a:lstStyle/>
+          <a:p>
+            <a:pPr algn="ctr"/>
+            <a:endParaRPr lang="en-US"/>
+          </a:p>
+        </p:txBody>
+      </p:sp>
+      <p:sp>
+        <p:nvSpPr>
+          <p:cNvPr id="12" name="Rectangle 11">
+            <a:extLst>
+              <a:ext uri="{FF2B5EF4-FFF2-40B4-BE49-F238E27FC236}">
+                <a16:creationId xmlns:a16="http://schemas.microsoft.com/office/drawing/2014/main" id="{E16B9D10-85D3-3541-B135-A5DD1545FE19}"/>
+              </a:ext>
+            </a:extLst>
+          </p:cNvPr>
+          <p:cNvSpPr/>
+          <p:nvPr/>
+        </p:nvSpPr>
+        <p:spPr>
+          <a:xfrm>
+            <a:off x="9981759" y="1213316"/>
+            <a:ext cx="310101" cy="310100"/>
+          </a:xfrm>
+          <a:prstGeom prst="rect">
+            <a:avLst/>
+          </a:prstGeom>
+        </p:spPr>
+        <p:style>
+          <a:lnRef idx="2">
+            <a:schemeClr val="accent1">
+              <a:shade val="50000"/>
+            </a:schemeClr>
+          </a:lnRef>
+          <a:fillRef idx="1">
+            <a:schemeClr val="accent1"/>
+          </a:fillRef>
+          <a:effectRef idx="0">
+            <a:schemeClr val="accent1"/>
+          </a:effectRef>
+          <a:fontRef idx="minor">
+            <a:schemeClr val="lt1"/>
+          </a:fontRef>
+        </p:style>
+        <p:txBody>
+          <a:bodyPr rtlCol="0" anchor="ctr"/>
+          <a:lstStyle/>
+          <a:p>
+            <a:pPr algn="ctr"/>
+            <a:endParaRPr lang="en-US"/>
+          </a:p>
+        </p:txBody>
+      </p:sp>
+      <p:cxnSp>
+        <p:nvCxnSpPr>
+          <p:cNvPr id="6" name="Straight Connector 5">
+            <a:extLst>
+              <a:ext uri="{FF2B5EF4-FFF2-40B4-BE49-F238E27FC236}">
+                <a16:creationId xmlns:a16="http://schemas.microsoft.com/office/drawing/2014/main" id="{777CF7AE-C336-464E-B3D6-272A79D9BCC1}"/>
+              </a:ext>
+            </a:extLst>
+          </p:cNvPr>
+          <p:cNvCxnSpPr>
+            <a:cxnSpLocks/>
+          </p:cNvCxnSpPr>
+          <p:nvPr/>
+        </p:nvCxnSpPr>
+        <p:spPr>
+          <a:xfrm flipV="1">
+            <a:off x="9189059" y="1944836"/>
+            <a:ext cx="642489" cy="7951"/>
+          </a:xfrm>
+          <a:prstGeom prst="line">
+            <a:avLst/>
+          </a:prstGeom>
+        </p:spPr>
+        <p:style>
+          <a:lnRef idx="1">
+            <a:schemeClr val="accent1"/>
+          </a:lnRef>
+          <a:fillRef idx="0">
+            <a:schemeClr val="accent1"/>
+          </a:fillRef>
+          <a:effectRef idx="0">
+            <a:schemeClr val="accent1"/>
+          </a:effectRef>
+          <a:fontRef idx="minor">
+            <a:schemeClr val="tx1"/>
+          </a:fontRef>
+        </p:style>
+      </p:cxnSp>
+      <p:cxnSp>
+        <p:nvCxnSpPr>
+          <p:cNvPr id="14" name="Straight Connector 13">
+            <a:extLst>
+              <a:ext uri="{FF2B5EF4-FFF2-40B4-BE49-F238E27FC236}">
+                <a16:creationId xmlns:a16="http://schemas.microsoft.com/office/drawing/2014/main" id="{0C165DC7-57E6-4041-AEB8-17935B478914}"/>
+              </a:ext>
+            </a:extLst>
+          </p:cNvPr>
+          <p:cNvCxnSpPr>
+            <a:endCxn id="7" idx="2"/>
+          </p:cNvCxnSpPr>
+          <p:nvPr/>
+        </p:nvCxnSpPr>
+        <p:spPr>
+          <a:xfrm flipV="1">
+            <a:off x="9189059" y="1523416"/>
+            <a:ext cx="1" cy="437322"/>
+          </a:xfrm>
+          <a:prstGeom prst="line">
+            <a:avLst/>
+          </a:prstGeom>
+          <a:ln>
+            <a:tailEnd type="triangle"/>
+          </a:ln>
+        </p:spPr>
+        <p:style>
+          <a:lnRef idx="1">
+            <a:schemeClr val="accent1"/>
+          </a:lnRef>
+          <a:fillRef idx="0">
+            <a:schemeClr val="accent1"/>
+          </a:fillRef>
+          <a:effectRef idx="0">
+            <a:schemeClr val="accent1"/>
+          </a:effectRef>
+          <a:fontRef idx="minor">
+            <a:schemeClr val="tx1"/>
+          </a:fontRef>
+        </p:style>
+      </p:cxnSp>
+      <p:cxnSp>
+        <p:nvCxnSpPr>
+          <p:cNvPr id="15" name="Straight Connector 14">
+            <a:extLst>
+              <a:ext uri="{FF2B5EF4-FFF2-40B4-BE49-F238E27FC236}">
+                <a16:creationId xmlns:a16="http://schemas.microsoft.com/office/drawing/2014/main" id="{A3E772D8-674F-9549-9D85-DFAB57C8BC46}"/>
+              </a:ext>
+            </a:extLst>
+          </p:cNvPr>
+          <p:cNvCxnSpPr>
+            <a:cxnSpLocks/>
+            <a:endCxn id="11" idx="2"/>
+          </p:cNvCxnSpPr>
+          <p:nvPr/>
+        </p:nvCxnSpPr>
+        <p:spPr>
+          <a:xfrm flipV="1">
+            <a:off x="9826709" y="1523416"/>
+            <a:ext cx="4840" cy="429372"/>
+          </a:xfrm>
+          <a:prstGeom prst="line">
+            <a:avLst/>
+          </a:prstGeom>
+          <a:ln>
+            <a:tailEnd type="triangle"/>
+          </a:ln>
+        </p:spPr>
+        <p:style>
+          <a:lnRef idx="1">
+            <a:schemeClr val="accent1"/>
+          </a:lnRef>
+          <a:fillRef idx="0">
+            <a:schemeClr val="accent1"/>
+          </a:fillRef>
+          <a:effectRef idx="0">
+            <a:schemeClr val="accent1"/>
+          </a:effectRef>
+          <a:fontRef idx="minor">
+            <a:schemeClr val="tx1"/>
+          </a:fontRef>
+        </p:style>
+      </p:cxnSp>
+      <p:sp>
+        <p:nvSpPr>
+          <p:cNvPr id="19" name="TextBox 18">
+            <a:extLst>
+              <a:ext uri="{FF2B5EF4-FFF2-40B4-BE49-F238E27FC236}">
+                <a16:creationId xmlns:a16="http://schemas.microsoft.com/office/drawing/2014/main" id="{D6E71321-14DE-E446-8D1A-C3134845FC52}"/>
+              </a:ext>
+            </a:extLst>
+          </p:cNvPr>
+          <p:cNvSpPr txBox="1"/>
+          <p:nvPr/>
+        </p:nvSpPr>
+        <p:spPr>
+          <a:xfrm>
+            <a:off x="8861510" y="1967325"/>
+            <a:ext cx="2427395" cy="338554"/>
+          </a:xfrm>
+          <a:prstGeom prst="rect">
+            <a:avLst/>
+          </a:prstGeom>
+          <a:noFill/>
+        </p:spPr>
+        <p:txBody>
+          <a:bodyPr wrap="square" rtlCol="0">
+            <a:spAutoFit/>
+          </a:bodyPr>
+          <a:lstStyle/>
+          <a:p>
+            <a:r>
+              <a:rPr lang="en-US" sz="1600" dirty="0">
+                <a:solidFill>
+                  <a:srgbClr val="D06A22"/>
+                </a:solidFill>
+              </a:rPr>
+              <a:t>This is a slice</a:t>
+            </a:r>
+          </a:p>
+        </p:txBody>
+      </p:sp>
+      <p:sp>
+        <p:nvSpPr>
+          <p:cNvPr id="8" name="TextBox 7">
+            <a:extLst>
+              <a:ext uri="{FF2B5EF4-FFF2-40B4-BE49-F238E27FC236}">
+                <a16:creationId xmlns:a16="http://schemas.microsoft.com/office/drawing/2014/main" id="{747D6517-BD8E-4445-B8D5-32DD1C5139D6}"/>
+              </a:ext>
+            </a:extLst>
+          </p:cNvPr>
+          <p:cNvSpPr txBox="1"/>
+          <p:nvPr/>
+        </p:nvSpPr>
+        <p:spPr>
+          <a:xfrm>
+            <a:off x="8816371" y="880120"/>
+            <a:ext cx="705642" cy="369332"/>
+          </a:xfrm>
+          <a:prstGeom prst="rect">
+            <a:avLst/>
+          </a:prstGeom>
+          <a:noFill/>
+        </p:spPr>
+        <p:txBody>
+          <a:bodyPr wrap="none" rtlCol="0">
+            <a:spAutoFit/>
+          </a:bodyPr>
+          <a:lstStyle/>
+          <a:p>
             <a:r>
               <a:rPr lang="en-US" dirty="0">
                 <a:solidFill>
-                  <a:schemeClr val="tx2">
-                    <a:lumMod val="75000"/>
-                  </a:schemeClr>
-                </a:solidFill>
-              </a:rPr>
-              <a:t>Search whether the number 101 exists in this list</a:t>
-            </a:r>
-          </a:p>
+                  <a:srgbClr val="D06A22"/>
+                </a:solidFill>
+              </a:rPr>
+              <a:t>begin</a:t>
+            </a:r>
+          </a:p>
+        </p:txBody>
+      </p:sp>
+      <p:sp>
+        <p:nvSpPr>
+          <p:cNvPr id="16" name="TextBox 15">
+            <a:extLst>
+              <a:ext uri="{FF2B5EF4-FFF2-40B4-BE49-F238E27FC236}">
+                <a16:creationId xmlns:a16="http://schemas.microsoft.com/office/drawing/2014/main" id="{443B6B97-59FA-E649-85E3-3D18996EE83F}"/>
+              </a:ext>
+            </a:extLst>
+          </p:cNvPr>
+          <p:cNvSpPr txBox="1"/>
+          <p:nvPr/>
+        </p:nvSpPr>
+        <p:spPr>
+          <a:xfrm>
+            <a:off x="9882159" y="884214"/>
+            <a:ext cx="543739" cy="369332"/>
+          </a:xfrm>
+          <a:prstGeom prst="rect">
+            <a:avLst/>
+          </a:prstGeom>
+          <a:noFill/>
+        </p:spPr>
+        <p:txBody>
+          <a:bodyPr wrap="none" rtlCol="0">
+            <a:spAutoFit/>
+          </a:bodyPr>
+          <a:lstStyle/>
           <a:p>
             <a:r>
               <a:rPr lang="en-US" dirty="0">
                 <a:solidFill>
-                  <a:schemeClr val="tx2">
-                    <a:lumMod val="75000"/>
-                  </a:schemeClr>
-                </a:solidFill>
-              </a:rPr>
-              <a:t>Create a list of first 10 numbers</a:t>
-            </a:r>
-          </a:p>
-          <a:p>
-            <a:pPr lvl="1"/>
-            <a:r>
-              <a:rPr lang="en-US" dirty="0">
-                <a:solidFill>
-                  <a:schemeClr val="tx2">
-                    <a:lumMod val="75000"/>
-                  </a:schemeClr>
-                </a:solidFill>
-              </a:rPr>
-              <a:t>Remove all even numbers</a:t>
-            </a:r>
-          </a:p>
-          <a:p>
-            <a:pPr lvl="1"/>
-            <a:r>
-              <a:rPr lang="en-US" dirty="0">
-                <a:solidFill>
-                  <a:schemeClr val="tx2">
-                    <a:lumMod val="75000"/>
-                  </a:schemeClr>
-                </a:solidFill>
-              </a:rPr>
-              <a:t>Remove all odd numbers</a:t>
+                  <a:srgbClr val="D06A22"/>
+                </a:solidFill>
+              </a:rPr>
+              <a:t>end</a:t>
             </a:r>
           </a:p>
         </p:txBody>
@@ -7229,13 +7292,1827 @@
     </p:spTree>
     <p:extLst>
       <p:ext uri="{BB962C8B-B14F-4D97-AF65-F5344CB8AC3E}">
-        <p14:creationId xmlns:p14="http://schemas.microsoft.com/office/powerpoint/2010/main" val="828709380"/>
+        <p14:creationId xmlns:p14="http://schemas.microsoft.com/office/powerpoint/2010/main" val="3444255333"/>
       </p:ext>
     </p:extLst>
   </p:cSld>
   <p:clrMapOvr>
     <a:masterClrMapping/>
   </p:clrMapOvr>
+  <p:timing>
+    <p:tnLst>
+      <p:par>
+        <p:cTn id="1" dur="indefinite" restart="never" nodeType="tmRoot">
+          <p:childTnLst>
+            <p:seq concurrent="1" nextAc="seek">
+              <p:cTn id="2" dur="indefinite" nodeType="mainSeq">
+                <p:childTnLst>
+                  <p:par>
+                    <p:cTn id="3" fill="hold">
+                      <p:stCondLst>
+                        <p:cond delay="indefinite"/>
+                      </p:stCondLst>
+                      <p:childTnLst>
+                        <p:par>
+                          <p:cTn id="4" fill="hold">
+                            <p:stCondLst>
+                              <p:cond delay="0"/>
+                            </p:stCondLst>
+                            <p:childTnLst>
+                              <p:par>
+                                <p:cTn id="5" presetID="1" presetClass="entr" presetSubtype="0" fill="hold" grpId="0" nodeType="clickEffect">
+                                  <p:stCondLst>
+                                    <p:cond delay="0"/>
+                                  </p:stCondLst>
+                                  <p:childTnLst>
+                                    <p:set>
+                                      <p:cBhvr>
+                                        <p:cTn id="6" dur="1" fill="hold">
+                                          <p:stCondLst>
+                                            <p:cond delay="0"/>
+                                          </p:stCondLst>
+                                        </p:cTn>
+                                        <p:tgtEl>
+                                          <p:spTgt spid="3">
+                                            <p:txEl>
+                                              <p:pRg st="0" end="0"/>
+                                            </p:txEl>
+                                          </p:spTgt>
+                                        </p:tgtEl>
+                                        <p:attrNameLst>
+                                          <p:attrName>style.visibility</p:attrName>
+                                        </p:attrNameLst>
+                                      </p:cBhvr>
+                                      <p:to>
+                                        <p:strVal val="visible"/>
+                                      </p:to>
+                                    </p:set>
+                                  </p:childTnLst>
+                                </p:cTn>
+                              </p:par>
+                            </p:childTnLst>
+                          </p:cTn>
+                        </p:par>
+                      </p:childTnLst>
+                    </p:cTn>
+                  </p:par>
+                  <p:par>
+                    <p:cTn id="7" fill="hold">
+                      <p:stCondLst>
+                        <p:cond delay="indefinite"/>
+                      </p:stCondLst>
+                      <p:childTnLst>
+                        <p:par>
+                          <p:cTn id="8" fill="hold">
+                            <p:stCondLst>
+                              <p:cond delay="0"/>
+                            </p:stCondLst>
+                            <p:childTnLst>
+                              <p:par>
+                                <p:cTn id="9" presetID="1" presetClass="entr" presetSubtype="0" fill="hold" grpId="0" nodeType="clickEffect">
+                                  <p:stCondLst>
+                                    <p:cond delay="0"/>
+                                  </p:stCondLst>
+                                  <p:childTnLst>
+                                    <p:set>
+                                      <p:cBhvr>
+                                        <p:cTn id="10" dur="1" fill="hold">
+                                          <p:stCondLst>
+                                            <p:cond delay="0"/>
+                                          </p:stCondLst>
+                                        </p:cTn>
+                                        <p:tgtEl>
+                                          <p:spTgt spid="3">
+                                            <p:txEl>
+                                              <p:pRg st="1" end="1"/>
+                                            </p:txEl>
+                                          </p:spTgt>
+                                        </p:tgtEl>
+                                        <p:attrNameLst>
+                                          <p:attrName>style.visibility</p:attrName>
+                                        </p:attrNameLst>
+                                      </p:cBhvr>
+                                      <p:to>
+                                        <p:strVal val="visible"/>
+                                      </p:to>
+                                    </p:set>
+                                  </p:childTnLst>
+                                </p:cTn>
+                              </p:par>
+                            </p:childTnLst>
+                          </p:cTn>
+                        </p:par>
+                      </p:childTnLst>
+                    </p:cTn>
+                  </p:par>
+                  <p:par>
+                    <p:cTn id="11" fill="hold">
+                      <p:stCondLst>
+                        <p:cond delay="indefinite"/>
+                      </p:stCondLst>
+                      <p:childTnLst>
+                        <p:par>
+                          <p:cTn id="12" fill="hold">
+                            <p:stCondLst>
+                              <p:cond delay="0"/>
+                            </p:stCondLst>
+                            <p:childTnLst>
+                              <p:par>
+                                <p:cTn id="13" presetID="1" presetClass="entr" presetSubtype="0" fill="hold" grpId="0" nodeType="clickEffect">
+                                  <p:stCondLst>
+                                    <p:cond delay="0"/>
+                                  </p:stCondLst>
+                                  <p:childTnLst>
+                                    <p:set>
+                                      <p:cBhvr>
+                                        <p:cTn id="14" dur="1" fill="hold">
+                                          <p:stCondLst>
+                                            <p:cond delay="0"/>
+                                          </p:stCondLst>
+                                        </p:cTn>
+                                        <p:tgtEl>
+                                          <p:spTgt spid="3">
+                                            <p:txEl>
+                                              <p:pRg st="2" end="2"/>
+                                            </p:txEl>
+                                          </p:spTgt>
+                                        </p:tgtEl>
+                                        <p:attrNameLst>
+                                          <p:attrName>style.visibility</p:attrName>
+                                        </p:attrNameLst>
+                                      </p:cBhvr>
+                                      <p:to>
+                                        <p:strVal val="visible"/>
+                                      </p:to>
+                                    </p:set>
+                                  </p:childTnLst>
+                                </p:cTn>
+                              </p:par>
+                            </p:childTnLst>
+                          </p:cTn>
+                        </p:par>
+                      </p:childTnLst>
+                    </p:cTn>
+                  </p:par>
+                  <p:par>
+                    <p:cTn id="15" fill="hold">
+                      <p:stCondLst>
+                        <p:cond delay="indefinite"/>
+                      </p:stCondLst>
+                      <p:childTnLst>
+                        <p:par>
+                          <p:cTn id="16" fill="hold">
+                            <p:stCondLst>
+                              <p:cond delay="0"/>
+                            </p:stCondLst>
+                            <p:childTnLst>
+                              <p:par>
+                                <p:cTn id="17" presetID="1" presetClass="entr" presetSubtype="0" fill="hold" grpId="0" nodeType="clickEffect">
+                                  <p:stCondLst>
+                                    <p:cond delay="0"/>
+                                  </p:stCondLst>
+                                  <p:childTnLst>
+                                    <p:set>
+                                      <p:cBhvr>
+                                        <p:cTn id="18" dur="1" fill="hold">
+                                          <p:stCondLst>
+                                            <p:cond delay="0"/>
+                                          </p:stCondLst>
+                                        </p:cTn>
+                                        <p:tgtEl>
+                                          <p:spTgt spid="3">
+                                            <p:txEl>
+                                              <p:pRg st="4" end="4"/>
+                                            </p:txEl>
+                                          </p:spTgt>
+                                        </p:tgtEl>
+                                        <p:attrNameLst>
+                                          <p:attrName>style.visibility</p:attrName>
+                                        </p:attrNameLst>
+                                      </p:cBhvr>
+                                      <p:to>
+                                        <p:strVal val="visible"/>
+                                      </p:to>
+                                    </p:set>
+                                  </p:childTnLst>
+                                </p:cTn>
+                              </p:par>
+                            </p:childTnLst>
+                          </p:cTn>
+                        </p:par>
+                      </p:childTnLst>
+                    </p:cTn>
+                  </p:par>
+                  <p:par>
+                    <p:cTn id="19" fill="hold">
+                      <p:stCondLst>
+                        <p:cond delay="indefinite"/>
+                      </p:stCondLst>
+                      <p:childTnLst>
+                        <p:par>
+                          <p:cTn id="20" fill="hold">
+                            <p:stCondLst>
+                              <p:cond delay="0"/>
+                            </p:stCondLst>
+                            <p:childTnLst>
+                              <p:par>
+                                <p:cTn id="21" presetID="1" presetClass="entr" presetSubtype="0" fill="hold" grpId="0" nodeType="clickEffect">
+                                  <p:stCondLst>
+                                    <p:cond delay="0"/>
+                                  </p:stCondLst>
+                                  <p:childTnLst>
+                                    <p:set>
+                                      <p:cBhvr>
+                                        <p:cTn id="22" dur="1" fill="hold">
+                                          <p:stCondLst>
+                                            <p:cond delay="0"/>
+                                          </p:stCondLst>
+                                        </p:cTn>
+                                        <p:tgtEl>
+                                          <p:spTgt spid="3">
+                                            <p:txEl>
+                                              <p:pRg st="5" end="5"/>
+                                            </p:txEl>
+                                          </p:spTgt>
+                                        </p:tgtEl>
+                                        <p:attrNameLst>
+                                          <p:attrName>style.visibility</p:attrName>
+                                        </p:attrNameLst>
+                                      </p:cBhvr>
+                                      <p:to>
+                                        <p:strVal val="visible"/>
+                                      </p:to>
+                                    </p:set>
+                                  </p:childTnLst>
+                                </p:cTn>
+                              </p:par>
+                            </p:childTnLst>
+                          </p:cTn>
+                        </p:par>
+                      </p:childTnLst>
+                    </p:cTn>
+                  </p:par>
+                  <p:par>
+                    <p:cTn id="23" fill="hold">
+                      <p:stCondLst>
+                        <p:cond delay="indefinite"/>
+                      </p:stCondLst>
+                      <p:childTnLst>
+                        <p:par>
+                          <p:cTn id="24" fill="hold">
+                            <p:stCondLst>
+                              <p:cond delay="0"/>
+                            </p:stCondLst>
+                            <p:childTnLst>
+                              <p:par>
+                                <p:cTn id="25" presetID="1" presetClass="entr" presetSubtype="0" fill="hold" grpId="0" nodeType="clickEffect">
+                                  <p:stCondLst>
+                                    <p:cond delay="0"/>
+                                  </p:stCondLst>
+                                  <p:childTnLst>
+                                    <p:set>
+                                      <p:cBhvr>
+                                        <p:cTn id="26" dur="1" fill="hold">
+                                          <p:stCondLst>
+                                            <p:cond delay="0"/>
+                                          </p:stCondLst>
+                                        </p:cTn>
+                                        <p:tgtEl>
+                                          <p:spTgt spid="3">
+                                            <p:txEl>
+                                              <p:pRg st="6" end="6"/>
+                                            </p:txEl>
+                                          </p:spTgt>
+                                        </p:tgtEl>
+                                        <p:attrNameLst>
+                                          <p:attrName>style.visibility</p:attrName>
+                                        </p:attrNameLst>
+                                      </p:cBhvr>
+                                      <p:to>
+                                        <p:strVal val="visible"/>
+                                      </p:to>
+                                    </p:set>
+                                  </p:childTnLst>
+                                </p:cTn>
+                              </p:par>
+                            </p:childTnLst>
+                          </p:cTn>
+                        </p:par>
+                      </p:childTnLst>
+                    </p:cTn>
+                  </p:par>
+                  <p:par>
+                    <p:cTn id="27" fill="hold">
+                      <p:stCondLst>
+                        <p:cond delay="indefinite"/>
+                      </p:stCondLst>
+                      <p:childTnLst>
+                        <p:par>
+                          <p:cTn id="28" fill="hold">
+                            <p:stCondLst>
+                              <p:cond delay="0"/>
+                            </p:stCondLst>
+                            <p:childTnLst>
+                              <p:par>
+                                <p:cTn id="29" presetID="1" presetClass="entr" presetSubtype="0" fill="hold" grpId="0" nodeType="clickEffect">
+                                  <p:stCondLst>
+                                    <p:cond delay="0"/>
+                                  </p:stCondLst>
+                                  <p:childTnLst>
+                                    <p:set>
+                                      <p:cBhvr>
+                                        <p:cTn id="30" dur="1" fill="hold">
+                                          <p:stCondLst>
+                                            <p:cond delay="0"/>
+                                          </p:stCondLst>
+                                        </p:cTn>
+                                        <p:tgtEl>
+                                          <p:spTgt spid="3">
+                                            <p:txEl>
+                                              <p:pRg st="9" end="9"/>
+                                            </p:txEl>
+                                          </p:spTgt>
+                                        </p:tgtEl>
+                                        <p:attrNameLst>
+                                          <p:attrName>style.visibility</p:attrName>
+                                        </p:attrNameLst>
+                                      </p:cBhvr>
+                                      <p:to>
+                                        <p:strVal val="visible"/>
+                                      </p:to>
+                                    </p:set>
+                                  </p:childTnLst>
+                                </p:cTn>
+                              </p:par>
+                            </p:childTnLst>
+                          </p:cTn>
+                        </p:par>
+                      </p:childTnLst>
+                    </p:cTn>
+                  </p:par>
+                </p:childTnLst>
+              </p:cTn>
+              <p:prevCondLst>
+                <p:cond evt="onPrev" delay="0">
+                  <p:tgtEl>
+                    <p:sldTgt/>
+                  </p:tgtEl>
+                </p:cond>
+              </p:prevCondLst>
+              <p:nextCondLst>
+                <p:cond evt="onNext" delay="0">
+                  <p:tgtEl>
+                    <p:sldTgt/>
+                  </p:tgtEl>
+                </p:cond>
+              </p:nextCondLst>
+            </p:seq>
+          </p:childTnLst>
+        </p:cTn>
+      </p:par>
+    </p:tnLst>
+    <p:bldLst>
+      <p:bldP spid="3" grpId="0" build="p"/>
+    </p:bldLst>
+  </p:timing>
+</p:sld>
+</file>
+
+<file path=ppt/slides/slide18.xml><?xml version="1.0" encoding="utf-8"?>
+<p:sld xmlns:a="http://schemas.openxmlformats.org/drawingml/2006/main" xmlns:r="http://schemas.openxmlformats.org/officeDocument/2006/relationships" xmlns:p="http://schemas.openxmlformats.org/presentationml/2006/main">
+  <p:cSld>
+    <p:spTree>
+      <p:nvGrpSpPr>
+        <p:cNvPr id="1" name=""/>
+        <p:cNvGrpSpPr/>
+        <p:nvPr/>
+      </p:nvGrpSpPr>
+      <p:grpSpPr>
+        <a:xfrm>
+          <a:off x="0" y="0"/>
+          <a:ext cx="0" cy="0"/>
+          <a:chOff x="0" y="0"/>
+          <a:chExt cx="0" cy="0"/>
+        </a:xfrm>
+      </p:grpSpPr>
+      <p:sp>
+        <p:nvSpPr>
+          <p:cNvPr id="2" name="Title 1">
+            <a:extLst>
+              <a:ext uri="{FF2B5EF4-FFF2-40B4-BE49-F238E27FC236}">
+                <a16:creationId xmlns:a16="http://schemas.microsoft.com/office/drawing/2014/main" id="{F7316A7B-88B5-784E-B0A2-204763618CAD}"/>
+              </a:ext>
+            </a:extLst>
+          </p:cNvPr>
+          <p:cNvSpPr>
+            <a:spLocks noGrp="1"/>
+          </p:cNvSpPr>
+          <p:nvPr>
+            <p:ph type="title"/>
+          </p:nvPr>
+        </p:nvSpPr>
+        <p:spPr/>
+        <p:txBody>
+          <a:bodyPr/>
+          <a:lstStyle/>
+          <a:p>
+            <a:r>
+              <a:rPr lang="en-GB" dirty="0"/>
+              <a:t>animals = [ "cat", "goat", "cow", "mouse" ]</a:t>
+            </a:r>
+            <a:endParaRPr lang="en-US" dirty="0"/>
+          </a:p>
+        </p:txBody>
+      </p:sp>
+      <p:sp>
+        <p:nvSpPr>
+          <p:cNvPr id="3" name="Content Placeholder 2">
+            <a:extLst>
+              <a:ext uri="{FF2B5EF4-FFF2-40B4-BE49-F238E27FC236}">
+                <a16:creationId xmlns:a16="http://schemas.microsoft.com/office/drawing/2014/main" id="{6FE722EB-F87B-6142-85FB-CF8801B03B3B}"/>
+              </a:ext>
+            </a:extLst>
+          </p:cNvPr>
+          <p:cNvSpPr>
+            <a:spLocks noGrp="1"/>
+          </p:cNvSpPr>
+          <p:nvPr>
+            <p:ph idx="1"/>
+          </p:nvPr>
+        </p:nvSpPr>
+        <p:spPr/>
+        <p:txBody>
+          <a:bodyPr>
+            <a:normAutofit/>
+          </a:bodyPr>
+          <a:lstStyle/>
+          <a:p>
+            <a:pPr marL="0" indent="0">
+              <a:buNone/>
+            </a:pPr>
+            <a:r>
+              <a:rPr lang="en-GB" dirty="0">
+                <a:latin typeface="Consolas" panose="020B0609020204030204" pitchFamily="49" charset="0"/>
+                <a:cs typeface="Consolas" panose="020B0609020204030204" pitchFamily="49" charset="0"/>
+              </a:rPr>
+              <a:t>print(animals[:2])  # same as animals[0:2]</a:t>
+            </a:r>
+          </a:p>
+          <a:p>
+            <a:pPr marL="0" indent="0">
+              <a:buNone/>
+            </a:pPr>
+            <a:r>
+              <a:rPr lang="en-GB" dirty="0">
+                <a:latin typeface="Consolas" panose="020B0609020204030204" pitchFamily="49" charset="0"/>
+                <a:cs typeface="Consolas" panose="020B0609020204030204" pitchFamily="49" charset="0"/>
+              </a:rPr>
+              <a:t>['cat', 'goat’]</a:t>
+            </a:r>
+          </a:p>
+          <a:p>
+            <a:pPr marL="0" indent="0">
+              <a:buNone/>
+            </a:pPr>
+            <a:endParaRPr lang="en-GB" dirty="0">
+              <a:latin typeface="Consolas" panose="020B0609020204030204" pitchFamily="49" charset="0"/>
+              <a:cs typeface="Consolas" panose="020B0609020204030204" pitchFamily="49" charset="0"/>
+            </a:endParaRPr>
+          </a:p>
+          <a:p>
+            <a:pPr marL="0" indent="0">
+              <a:buNone/>
+            </a:pPr>
+            <a:r>
+              <a:rPr lang="en-GB" dirty="0">
+                <a:latin typeface="Consolas" panose="020B0609020204030204" pitchFamily="49" charset="0"/>
+                <a:cs typeface="Consolas" panose="020B0609020204030204" pitchFamily="49" charset="0"/>
+              </a:rPr>
+              <a:t>print(animals[2:])  # same as animals[2:4]</a:t>
+            </a:r>
+          </a:p>
+          <a:p>
+            <a:pPr marL="0" indent="0">
+              <a:buNone/>
+            </a:pPr>
+            <a:r>
+              <a:rPr lang="en-GB" dirty="0">
+                <a:latin typeface="Consolas" panose="020B0609020204030204" pitchFamily="49" charset="0"/>
+                <a:cs typeface="Consolas" panose="020B0609020204030204" pitchFamily="49" charset="0"/>
+              </a:rPr>
+              <a:t>['cow', 'mouse’]</a:t>
+            </a:r>
+          </a:p>
+          <a:p>
+            <a:pPr marL="0" indent="0">
+              <a:buNone/>
+            </a:pPr>
+            <a:endParaRPr lang="en-GB" dirty="0">
+              <a:latin typeface="Consolas" panose="020B0609020204030204" pitchFamily="49" charset="0"/>
+              <a:cs typeface="Consolas" panose="020B0609020204030204" pitchFamily="49" charset="0"/>
+            </a:endParaRPr>
+          </a:p>
+          <a:p>
+            <a:pPr marL="0" indent="0">
+              <a:buNone/>
+            </a:pPr>
+            <a:r>
+              <a:rPr lang="en-GB" dirty="0">
+                <a:latin typeface="Consolas" panose="020B0609020204030204" pitchFamily="49" charset="0"/>
+                <a:cs typeface="Consolas" panose="020B0609020204030204" pitchFamily="49" charset="0"/>
+              </a:rPr>
+              <a:t>print(animals[1:3])</a:t>
+            </a:r>
+          </a:p>
+          <a:p>
+            <a:pPr marL="0" indent="0">
+              <a:buNone/>
+            </a:pPr>
+            <a:r>
+              <a:rPr lang="en-GB" dirty="0">
+                <a:latin typeface="Consolas" panose="020B0609020204030204" pitchFamily="49" charset="0"/>
+                <a:cs typeface="Consolas" panose="020B0609020204030204" pitchFamily="49" charset="0"/>
+              </a:rPr>
+              <a:t>['goat', 'cow’]</a:t>
+            </a:r>
+          </a:p>
+          <a:p>
+            <a:pPr marL="0" indent="0">
+              <a:buNone/>
+            </a:pPr>
+            <a:endParaRPr lang="en-GB" dirty="0">
+              <a:latin typeface="Consolas" panose="020B0609020204030204" pitchFamily="49" charset="0"/>
+              <a:cs typeface="Consolas" panose="020B0609020204030204" pitchFamily="49" charset="0"/>
+            </a:endParaRPr>
+          </a:p>
+        </p:txBody>
+      </p:sp>
+    </p:spTree>
+    <p:extLst>
+      <p:ext uri="{BB962C8B-B14F-4D97-AF65-F5344CB8AC3E}">
+        <p14:creationId xmlns:p14="http://schemas.microsoft.com/office/powerpoint/2010/main" val="3101044320"/>
+      </p:ext>
+    </p:extLst>
+  </p:cSld>
+  <p:clrMapOvr>
+    <a:masterClrMapping/>
+  </p:clrMapOvr>
+  <p:timing>
+    <p:tnLst>
+      <p:par>
+        <p:cTn id="1" dur="indefinite" restart="never" nodeType="tmRoot">
+          <p:childTnLst>
+            <p:seq concurrent="1" nextAc="seek">
+              <p:cTn id="2" dur="indefinite" nodeType="mainSeq">
+                <p:childTnLst>
+                  <p:par>
+                    <p:cTn id="3" fill="hold">
+                      <p:stCondLst>
+                        <p:cond delay="indefinite"/>
+                      </p:stCondLst>
+                      <p:childTnLst>
+                        <p:par>
+                          <p:cTn id="4" fill="hold">
+                            <p:stCondLst>
+                              <p:cond delay="0"/>
+                            </p:stCondLst>
+                            <p:childTnLst>
+                              <p:par>
+                                <p:cTn id="5" presetID="1" presetClass="entr" presetSubtype="0" fill="hold" grpId="0" nodeType="clickEffect">
+                                  <p:stCondLst>
+                                    <p:cond delay="0"/>
+                                  </p:stCondLst>
+                                  <p:childTnLst>
+                                    <p:set>
+                                      <p:cBhvr>
+                                        <p:cTn id="6" dur="1" fill="hold">
+                                          <p:stCondLst>
+                                            <p:cond delay="0"/>
+                                          </p:stCondLst>
+                                        </p:cTn>
+                                        <p:tgtEl>
+                                          <p:spTgt spid="3">
+                                            <p:txEl>
+                                              <p:pRg st="0" end="0"/>
+                                            </p:txEl>
+                                          </p:spTgt>
+                                        </p:tgtEl>
+                                        <p:attrNameLst>
+                                          <p:attrName>style.visibility</p:attrName>
+                                        </p:attrNameLst>
+                                      </p:cBhvr>
+                                      <p:to>
+                                        <p:strVal val="visible"/>
+                                      </p:to>
+                                    </p:set>
+                                  </p:childTnLst>
+                                </p:cTn>
+                              </p:par>
+                            </p:childTnLst>
+                          </p:cTn>
+                        </p:par>
+                      </p:childTnLst>
+                    </p:cTn>
+                  </p:par>
+                  <p:par>
+                    <p:cTn id="7" fill="hold">
+                      <p:stCondLst>
+                        <p:cond delay="indefinite"/>
+                      </p:stCondLst>
+                      <p:childTnLst>
+                        <p:par>
+                          <p:cTn id="8" fill="hold">
+                            <p:stCondLst>
+                              <p:cond delay="0"/>
+                            </p:stCondLst>
+                            <p:childTnLst>
+                              <p:par>
+                                <p:cTn id="9" presetID="1" presetClass="entr" presetSubtype="0" fill="hold" grpId="0" nodeType="clickEffect">
+                                  <p:stCondLst>
+                                    <p:cond delay="0"/>
+                                  </p:stCondLst>
+                                  <p:childTnLst>
+                                    <p:set>
+                                      <p:cBhvr>
+                                        <p:cTn id="10" dur="1" fill="hold">
+                                          <p:stCondLst>
+                                            <p:cond delay="0"/>
+                                          </p:stCondLst>
+                                        </p:cTn>
+                                        <p:tgtEl>
+                                          <p:spTgt spid="3">
+                                            <p:txEl>
+                                              <p:pRg st="1" end="1"/>
+                                            </p:txEl>
+                                          </p:spTgt>
+                                        </p:tgtEl>
+                                        <p:attrNameLst>
+                                          <p:attrName>style.visibility</p:attrName>
+                                        </p:attrNameLst>
+                                      </p:cBhvr>
+                                      <p:to>
+                                        <p:strVal val="visible"/>
+                                      </p:to>
+                                    </p:set>
+                                  </p:childTnLst>
+                                </p:cTn>
+                              </p:par>
+                            </p:childTnLst>
+                          </p:cTn>
+                        </p:par>
+                      </p:childTnLst>
+                    </p:cTn>
+                  </p:par>
+                  <p:par>
+                    <p:cTn id="11" fill="hold">
+                      <p:stCondLst>
+                        <p:cond delay="indefinite"/>
+                      </p:stCondLst>
+                      <p:childTnLst>
+                        <p:par>
+                          <p:cTn id="12" fill="hold">
+                            <p:stCondLst>
+                              <p:cond delay="0"/>
+                            </p:stCondLst>
+                            <p:childTnLst>
+                              <p:par>
+                                <p:cTn id="13" presetID="1" presetClass="entr" presetSubtype="0" fill="hold" grpId="0" nodeType="clickEffect">
+                                  <p:stCondLst>
+                                    <p:cond delay="0"/>
+                                  </p:stCondLst>
+                                  <p:childTnLst>
+                                    <p:set>
+                                      <p:cBhvr>
+                                        <p:cTn id="14" dur="1" fill="hold">
+                                          <p:stCondLst>
+                                            <p:cond delay="0"/>
+                                          </p:stCondLst>
+                                        </p:cTn>
+                                        <p:tgtEl>
+                                          <p:spTgt spid="3">
+                                            <p:txEl>
+                                              <p:pRg st="3" end="3"/>
+                                            </p:txEl>
+                                          </p:spTgt>
+                                        </p:tgtEl>
+                                        <p:attrNameLst>
+                                          <p:attrName>style.visibility</p:attrName>
+                                        </p:attrNameLst>
+                                      </p:cBhvr>
+                                      <p:to>
+                                        <p:strVal val="visible"/>
+                                      </p:to>
+                                    </p:set>
+                                  </p:childTnLst>
+                                </p:cTn>
+                              </p:par>
+                            </p:childTnLst>
+                          </p:cTn>
+                        </p:par>
+                      </p:childTnLst>
+                    </p:cTn>
+                  </p:par>
+                  <p:par>
+                    <p:cTn id="15" fill="hold">
+                      <p:stCondLst>
+                        <p:cond delay="indefinite"/>
+                      </p:stCondLst>
+                      <p:childTnLst>
+                        <p:par>
+                          <p:cTn id="16" fill="hold">
+                            <p:stCondLst>
+                              <p:cond delay="0"/>
+                            </p:stCondLst>
+                            <p:childTnLst>
+                              <p:par>
+                                <p:cTn id="17" presetID="1" presetClass="entr" presetSubtype="0" fill="hold" grpId="0" nodeType="clickEffect">
+                                  <p:stCondLst>
+                                    <p:cond delay="0"/>
+                                  </p:stCondLst>
+                                  <p:childTnLst>
+                                    <p:set>
+                                      <p:cBhvr>
+                                        <p:cTn id="18" dur="1" fill="hold">
+                                          <p:stCondLst>
+                                            <p:cond delay="0"/>
+                                          </p:stCondLst>
+                                        </p:cTn>
+                                        <p:tgtEl>
+                                          <p:spTgt spid="3">
+                                            <p:txEl>
+                                              <p:pRg st="4" end="4"/>
+                                            </p:txEl>
+                                          </p:spTgt>
+                                        </p:tgtEl>
+                                        <p:attrNameLst>
+                                          <p:attrName>style.visibility</p:attrName>
+                                        </p:attrNameLst>
+                                      </p:cBhvr>
+                                      <p:to>
+                                        <p:strVal val="visible"/>
+                                      </p:to>
+                                    </p:set>
+                                  </p:childTnLst>
+                                </p:cTn>
+                              </p:par>
+                            </p:childTnLst>
+                          </p:cTn>
+                        </p:par>
+                      </p:childTnLst>
+                    </p:cTn>
+                  </p:par>
+                  <p:par>
+                    <p:cTn id="19" fill="hold">
+                      <p:stCondLst>
+                        <p:cond delay="indefinite"/>
+                      </p:stCondLst>
+                      <p:childTnLst>
+                        <p:par>
+                          <p:cTn id="20" fill="hold">
+                            <p:stCondLst>
+                              <p:cond delay="0"/>
+                            </p:stCondLst>
+                            <p:childTnLst>
+                              <p:par>
+                                <p:cTn id="21" presetID="1" presetClass="entr" presetSubtype="0" fill="hold" grpId="0" nodeType="clickEffect">
+                                  <p:stCondLst>
+                                    <p:cond delay="0"/>
+                                  </p:stCondLst>
+                                  <p:childTnLst>
+                                    <p:set>
+                                      <p:cBhvr>
+                                        <p:cTn id="22" dur="1" fill="hold">
+                                          <p:stCondLst>
+                                            <p:cond delay="0"/>
+                                          </p:stCondLst>
+                                        </p:cTn>
+                                        <p:tgtEl>
+                                          <p:spTgt spid="3">
+                                            <p:txEl>
+                                              <p:pRg st="6" end="6"/>
+                                            </p:txEl>
+                                          </p:spTgt>
+                                        </p:tgtEl>
+                                        <p:attrNameLst>
+                                          <p:attrName>style.visibility</p:attrName>
+                                        </p:attrNameLst>
+                                      </p:cBhvr>
+                                      <p:to>
+                                        <p:strVal val="visible"/>
+                                      </p:to>
+                                    </p:set>
+                                  </p:childTnLst>
+                                </p:cTn>
+                              </p:par>
+                            </p:childTnLst>
+                          </p:cTn>
+                        </p:par>
+                      </p:childTnLst>
+                    </p:cTn>
+                  </p:par>
+                  <p:par>
+                    <p:cTn id="23" fill="hold">
+                      <p:stCondLst>
+                        <p:cond delay="indefinite"/>
+                      </p:stCondLst>
+                      <p:childTnLst>
+                        <p:par>
+                          <p:cTn id="24" fill="hold">
+                            <p:stCondLst>
+                              <p:cond delay="0"/>
+                            </p:stCondLst>
+                            <p:childTnLst>
+                              <p:par>
+                                <p:cTn id="25" presetID="1" presetClass="entr" presetSubtype="0" fill="hold" grpId="0" nodeType="clickEffect">
+                                  <p:stCondLst>
+                                    <p:cond delay="0"/>
+                                  </p:stCondLst>
+                                  <p:childTnLst>
+                                    <p:set>
+                                      <p:cBhvr>
+                                        <p:cTn id="26" dur="1" fill="hold">
+                                          <p:stCondLst>
+                                            <p:cond delay="0"/>
+                                          </p:stCondLst>
+                                        </p:cTn>
+                                        <p:tgtEl>
+                                          <p:spTgt spid="3">
+                                            <p:txEl>
+                                              <p:pRg st="7" end="7"/>
+                                            </p:txEl>
+                                          </p:spTgt>
+                                        </p:tgtEl>
+                                        <p:attrNameLst>
+                                          <p:attrName>style.visibility</p:attrName>
+                                        </p:attrNameLst>
+                                      </p:cBhvr>
+                                      <p:to>
+                                        <p:strVal val="visible"/>
+                                      </p:to>
+                                    </p:set>
+                                  </p:childTnLst>
+                                </p:cTn>
+                              </p:par>
+                            </p:childTnLst>
+                          </p:cTn>
+                        </p:par>
+                      </p:childTnLst>
+                    </p:cTn>
+                  </p:par>
+                  <p:par>
+                    <p:cTn id="27" fill="hold">
+                      <p:stCondLst>
+                        <p:cond delay="indefinite"/>
+                      </p:stCondLst>
+                      <p:childTnLst>
+                        <p:par>
+                          <p:cTn id="28" fill="hold">
+                            <p:stCondLst>
+                              <p:cond delay="0"/>
+                            </p:stCondLst>
+                            <p:childTnLst>
+                              <p:par>
+                                <p:cTn id="29" presetID="1" presetClass="entr" presetSubtype="0" fill="hold" grpId="1" nodeType="clickEffect">
+                                  <p:stCondLst>
+                                    <p:cond delay="0"/>
+                                  </p:stCondLst>
+                                  <p:childTnLst>
+                                    <p:set>
+                                      <p:cBhvr>
+                                        <p:cTn id="30" dur="1" fill="hold">
+                                          <p:stCondLst>
+                                            <p:cond delay="0"/>
+                                          </p:stCondLst>
+                                        </p:cTn>
+                                        <p:tgtEl>
+                                          <p:spTgt spid="3">
+                                            <p:txEl>
+                                              <p:pRg st="0" end="0"/>
+                                            </p:txEl>
+                                          </p:spTgt>
+                                        </p:tgtEl>
+                                        <p:attrNameLst>
+                                          <p:attrName>style.visibility</p:attrName>
+                                        </p:attrNameLst>
+                                      </p:cBhvr>
+                                      <p:to>
+                                        <p:strVal val="visible"/>
+                                      </p:to>
+                                    </p:set>
+                                  </p:childTnLst>
+                                </p:cTn>
+                              </p:par>
+                            </p:childTnLst>
+                          </p:cTn>
+                        </p:par>
+                      </p:childTnLst>
+                    </p:cTn>
+                  </p:par>
+                  <p:par>
+                    <p:cTn id="31" fill="hold">
+                      <p:stCondLst>
+                        <p:cond delay="indefinite"/>
+                      </p:stCondLst>
+                      <p:childTnLst>
+                        <p:par>
+                          <p:cTn id="32" fill="hold">
+                            <p:stCondLst>
+                              <p:cond delay="0"/>
+                            </p:stCondLst>
+                            <p:childTnLst>
+                              <p:par>
+                                <p:cTn id="33" presetID="1" presetClass="entr" presetSubtype="0" fill="hold" grpId="1" nodeType="clickEffect">
+                                  <p:stCondLst>
+                                    <p:cond delay="0"/>
+                                  </p:stCondLst>
+                                  <p:childTnLst>
+                                    <p:set>
+                                      <p:cBhvr>
+                                        <p:cTn id="34" dur="1" fill="hold">
+                                          <p:stCondLst>
+                                            <p:cond delay="0"/>
+                                          </p:stCondLst>
+                                        </p:cTn>
+                                        <p:tgtEl>
+                                          <p:spTgt spid="3">
+                                            <p:txEl>
+                                              <p:pRg st="1" end="1"/>
+                                            </p:txEl>
+                                          </p:spTgt>
+                                        </p:tgtEl>
+                                        <p:attrNameLst>
+                                          <p:attrName>style.visibility</p:attrName>
+                                        </p:attrNameLst>
+                                      </p:cBhvr>
+                                      <p:to>
+                                        <p:strVal val="visible"/>
+                                      </p:to>
+                                    </p:set>
+                                  </p:childTnLst>
+                                </p:cTn>
+                              </p:par>
+                            </p:childTnLst>
+                          </p:cTn>
+                        </p:par>
+                      </p:childTnLst>
+                    </p:cTn>
+                  </p:par>
+                  <p:par>
+                    <p:cTn id="35" fill="hold">
+                      <p:stCondLst>
+                        <p:cond delay="indefinite"/>
+                      </p:stCondLst>
+                      <p:childTnLst>
+                        <p:par>
+                          <p:cTn id="36" fill="hold">
+                            <p:stCondLst>
+                              <p:cond delay="0"/>
+                            </p:stCondLst>
+                            <p:childTnLst>
+                              <p:par>
+                                <p:cTn id="37" presetID="1" presetClass="entr" presetSubtype="0" fill="hold" grpId="1" nodeType="clickEffect">
+                                  <p:stCondLst>
+                                    <p:cond delay="0"/>
+                                  </p:stCondLst>
+                                  <p:childTnLst>
+                                    <p:set>
+                                      <p:cBhvr>
+                                        <p:cTn id="38" dur="1" fill="hold">
+                                          <p:stCondLst>
+                                            <p:cond delay="0"/>
+                                          </p:stCondLst>
+                                        </p:cTn>
+                                        <p:tgtEl>
+                                          <p:spTgt spid="3">
+                                            <p:txEl>
+                                              <p:pRg st="3" end="3"/>
+                                            </p:txEl>
+                                          </p:spTgt>
+                                        </p:tgtEl>
+                                        <p:attrNameLst>
+                                          <p:attrName>style.visibility</p:attrName>
+                                        </p:attrNameLst>
+                                      </p:cBhvr>
+                                      <p:to>
+                                        <p:strVal val="visible"/>
+                                      </p:to>
+                                    </p:set>
+                                  </p:childTnLst>
+                                </p:cTn>
+                              </p:par>
+                            </p:childTnLst>
+                          </p:cTn>
+                        </p:par>
+                      </p:childTnLst>
+                    </p:cTn>
+                  </p:par>
+                  <p:par>
+                    <p:cTn id="39" fill="hold">
+                      <p:stCondLst>
+                        <p:cond delay="indefinite"/>
+                      </p:stCondLst>
+                      <p:childTnLst>
+                        <p:par>
+                          <p:cTn id="40" fill="hold">
+                            <p:stCondLst>
+                              <p:cond delay="0"/>
+                            </p:stCondLst>
+                            <p:childTnLst>
+                              <p:par>
+                                <p:cTn id="41" presetID="1" presetClass="entr" presetSubtype="0" fill="hold" grpId="1" nodeType="clickEffect">
+                                  <p:stCondLst>
+                                    <p:cond delay="0"/>
+                                  </p:stCondLst>
+                                  <p:childTnLst>
+                                    <p:set>
+                                      <p:cBhvr>
+                                        <p:cTn id="42" dur="1" fill="hold">
+                                          <p:stCondLst>
+                                            <p:cond delay="0"/>
+                                          </p:stCondLst>
+                                        </p:cTn>
+                                        <p:tgtEl>
+                                          <p:spTgt spid="3">
+                                            <p:txEl>
+                                              <p:pRg st="4" end="4"/>
+                                            </p:txEl>
+                                          </p:spTgt>
+                                        </p:tgtEl>
+                                        <p:attrNameLst>
+                                          <p:attrName>style.visibility</p:attrName>
+                                        </p:attrNameLst>
+                                      </p:cBhvr>
+                                      <p:to>
+                                        <p:strVal val="visible"/>
+                                      </p:to>
+                                    </p:set>
+                                  </p:childTnLst>
+                                </p:cTn>
+                              </p:par>
+                            </p:childTnLst>
+                          </p:cTn>
+                        </p:par>
+                      </p:childTnLst>
+                    </p:cTn>
+                  </p:par>
+                  <p:par>
+                    <p:cTn id="43" fill="hold">
+                      <p:stCondLst>
+                        <p:cond delay="indefinite"/>
+                      </p:stCondLst>
+                      <p:childTnLst>
+                        <p:par>
+                          <p:cTn id="44" fill="hold">
+                            <p:stCondLst>
+                              <p:cond delay="0"/>
+                            </p:stCondLst>
+                            <p:childTnLst>
+                              <p:par>
+                                <p:cTn id="45" presetID="1" presetClass="entr" presetSubtype="0" fill="hold" grpId="1" nodeType="clickEffect">
+                                  <p:stCondLst>
+                                    <p:cond delay="0"/>
+                                  </p:stCondLst>
+                                  <p:childTnLst>
+                                    <p:set>
+                                      <p:cBhvr>
+                                        <p:cTn id="46" dur="1" fill="hold">
+                                          <p:stCondLst>
+                                            <p:cond delay="0"/>
+                                          </p:stCondLst>
+                                        </p:cTn>
+                                        <p:tgtEl>
+                                          <p:spTgt spid="3">
+                                            <p:txEl>
+                                              <p:pRg st="6" end="6"/>
+                                            </p:txEl>
+                                          </p:spTgt>
+                                        </p:tgtEl>
+                                        <p:attrNameLst>
+                                          <p:attrName>style.visibility</p:attrName>
+                                        </p:attrNameLst>
+                                      </p:cBhvr>
+                                      <p:to>
+                                        <p:strVal val="visible"/>
+                                      </p:to>
+                                    </p:set>
+                                  </p:childTnLst>
+                                </p:cTn>
+                              </p:par>
+                            </p:childTnLst>
+                          </p:cTn>
+                        </p:par>
+                      </p:childTnLst>
+                    </p:cTn>
+                  </p:par>
+                  <p:par>
+                    <p:cTn id="47" fill="hold">
+                      <p:stCondLst>
+                        <p:cond delay="indefinite"/>
+                      </p:stCondLst>
+                      <p:childTnLst>
+                        <p:par>
+                          <p:cTn id="48" fill="hold">
+                            <p:stCondLst>
+                              <p:cond delay="0"/>
+                            </p:stCondLst>
+                            <p:childTnLst>
+                              <p:par>
+                                <p:cTn id="49" presetID="1" presetClass="entr" presetSubtype="0" fill="hold" grpId="1" nodeType="clickEffect">
+                                  <p:stCondLst>
+                                    <p:cond delay="0"/>
+                                  </p:stCondLst>
+                                  <p:childTnLst>
+                                    <p:set>
+                                      <p:cBhvr>
+                                        <p:cTn id="50" dur="1" fill="hold">
+                                          <p:stCondLst>
+                                            <p:cond delay="0"/>
+                                          </p:stCondLst>
+                                        </p:cTn>
+                                        <p:tgtEl>
+                                          <p:spTgt spid="3">
+                                            <p:txEl>
+                                              <p:pRg st="7" end="7"/>
+                                            </p:txEl>
+                                          </p:spTgt>
+                                        </p:tgtEl>
+                                        <p:attrNameLst>
+                                          <p:attrName>style.visibility</p:attrName>
+                                        </p:attrNameLst>
+                                      </p:cBhvr>
+                                      <p:to>
+                                        <p:strVal val="visible"/>
+                                      </p:to>
+                                    </p:set>
+                                  </p:childTnLst>
+                                </p:cTn>
+                              </p:par>
+                            </p:childTnLst>
+                          </p:cTn>
+                        </p:par>
+                      </p:childTnLst>
+                    </p:cTn>
+                  </p:par>
+                </p:childTnLst>
+              </p:cTn>
+              <p:prevCondLst>
+                <p:cond evt="onPrev" delay="0">
+                  <p:tgtEl>
+                    <p:sldTgt/>
+                  </p:tgtEl>
+                </p:cond>
+              </p:prevCondLst>
+              <p:nextCondLst>
+                <p:cond evt="onNext" delay="0">
+                  <p:tgtEl>
+                    <p:sldTgt/>
+                  </p:tgtEl>
+                </p:cond>
+              </p:nextCondLst>
+            </p:seq>
+          </p:childTnLst>
+        </p:cTn>
+      </p:par>
+    </p:tnLst>
+    <p:bldLst>
+      <p:bldP spid="3" grpId="0" build="p"/>
+      <p:bldP spid="3" grpId="1" build="p"/>
+    </p:bldLst>
+  </p:timing>
+</p:sld>
+</file>
+
+<file path=ppt/slides/slide19.xml><?xml version="1.0" encoding="utf-8"?>
+<p:sld xmlns:a="http://schemas.openxmlformats.org/drawingml/2006/main" xmlns:r="http://schemas.openxmlformats.org/officeDocument/2006/relationships" xmlns:p="http://schemas.openxmlformats.org/presentationml/2006/main">
+  <p:cSld>
+    <p:spTree>
+      <p:nvGrpSpPr>
+        <p:cNvPr id="1" name=""/>
+        <p:cNvGrpSpPr/>
+        <p:nvPr/>
+      </p:nvGrpSpPr>
+      <p:grpSpPr>
+        <a:xfrm>
+          <a:off x="0" y="0"/>
+          <a:ext cx="0" cy="0"/>
+          <a:chOff x="0" y="0"/>
+          <a:chExt cx="0" cy="0"/>
+        </a:xfrm>
+      </p:grpSpPr>
+      <p:sp>
+        <p:nvSpPr>
+          <p:cNvPr id="2" name="Title 1">
+            <a:extLst>
+              <a:ext uri="{FF2B5EF4-FFF2-40B4-BE49-F238E27FC236}">
+                <a16:creationId xmlns:a16="http://schemas.microsoft.com/office/drawing/2014/main" id="{78721B18-B383-8948-98F6-9C4004C4A14D}"/>
+              </a:ext>
+            </a:extLst>
+          </p:cNvPr>
+          <p:cNvSpPr>
+            <a:spLocks noGrp="1"/>
+          </p:cNvSpPr>
+          <p:nvPr>
+            <p:ph type="title"/>
+          </p:nvPr>
+        </p:nvSpPr>
+        <p:spPr/>
+        <p:txBody>
+          <a:bodyPr/>
+          <a:lstStyle/>
+          <a:p>
+            <a:r>
+              <a:rPr lang="en-GB" dirty="0"/>
+              <a:t>animals = [ "cat", "goat", "cow", "mouse" ]</a:t>
+            </a:r>
+            <a:endParaRPr lang="en-US" dirty="0"/>
+          </a:p>
+        </p:txBody>
+      </p:sp>
+      <p:sp>
+        <p:nvSpPr>
+          <p:cNvPr id="3" name="Content Placeholder 2">
+            <a:extLst>
+              <a:ext uri="{FF2B5EF4-FFF2-40B4-BE49-F238E27FC236}">
+                <a16:creationId xmlns:a16="http://schemas.microsoft.com/office/drawing/2014/main" id="{6E1C2B07-A758-CD40-A59D-8FEC8BC52D49}"/>
+              </a:ext>
+            </a:extLst>
+          </p:cNvPr>
+          <p:cNvSpPr>
+            <a:spLocks noGrp="1"/>
+          </p:cNvSpPr>
+          <p:nvPr>
+            <p:ph idx="1"/>
+          </p:nvPr>
+        </p:nvSpPr>
+        <p:spPr/>
+        <p:txBody>
+          <a:bodyPr>
+            <a:normAutofit fontScale="85000" lnSpcReduction="20000"/>
+          </a:bodyPr>
+          <a:lstStyle/>
+          <a:p>
+            <a:pPr marL="0" indent="0">
+              <a:buNone/>
+            </a:pPr>
+            <a:r>
+              <a:rPr lang="en-GB" dirty="0">
+                <a:latin typeface="Consolas" panose="020B0609020204030204" pitchFamily="49" charset="0"/>
+                <a:cs typeface="Consolas" panose="020B0609020204030204" pitchFamily="49" charset="0"/>
+              </a:rPr>
+              <a:t>print(animals[-1:0])</a:t>
+            </a:r>
+          </a:p>
+          <a:p>
+            <a:pPr marL="0" indent="0">
+              <a:buNone/>
+            </a:pPr>
+            <a:r>
+              <a:rPr lang="en-GB" dirty="0">
+                <a:latin typeface="Consolas" panose="020B0609020204030204" pitchFamily="49" charset="0"/>
+                <a:cs typeface="Consolas" panose="020B0609020204030204" pitchFamily="49" charset="0"/>
+              </a:rPr>
+              <a:t>[]</a:t>
+            </a:r>
+          </a:p>
+          <a:p>
+            <a:pPr marL="0" indent="0">
+              <a:buNone/>
+            </a:pPr>
+            <a:endParaRPr lang="en-GB" dirty="0">
+              <a:latin typeface="Consolas" panose="020B0609020204030204" pitchFamily="49" charset="0"/>
+              <a:cs typeface="Consolas" panose="020B0609020204030204" pitchFamily="49" charset="0"/>
+            </a:endParaRPr>
+          </a:p>
+          <a:p>
+            <a:pPr marL="0" indent="0">
+              <a:buNone/>
+            </a:pPr>
+            <a:r>
+              <a:rPr lang="en-GB" dirty="0">
+                <a:latin typeface="Consolas" panose="020B0609020204030204" pitchFamily="49" charset="0"/>
+                <a:cs typeface="Consolas" panose="020B0609020204030204" pitchFamily="49" charset="0"/>
+              </a:rPr>
+              <a:t>print(animals[0::2])</a:t>
+            </a:r>
+          </a:p>
+          <a:p>
+            <a:pPr marL="0" indent="0">
+              <a:buNone/>
+            </a:pPr>
+            <a:r>
+              <a:rPr lang="en-GB" dirty="0">
+                <a:latin typeface="Consolas" panose="020B0609020204030204" pitchFamily="49" charset="0"/>
+                <a:cs typeface="Consolas" panose="020B0609020204030204" pitchFamily="49" charset="0"/>
+              </a:rPr>
+              <a:t>['cat', 'cow’]</a:t>
+            </a:r>
+          </a:p>
+          <a:p>
+            <a:pPr marL="0" indent="0">
+              <a:buNone/>
+            </a:pPr>
+            <a:endParaRPr lang="en-GB" dirty="0">
+              <a:latin typeface="Consolas" panose="020B0609020204030204" pitchFamily="49" charset="0"/>
+              <a:cs typeface="Consolas" panose="020B0609020204030204" pitchFamily="49" charset="0"/>
+            </a:endParaRPr>
+          </a:p>
+          <a:p>
+            <a:pPr marL="0" indent="0">
+              <a:buNone/>
+            </a:pPr>
+            <a:r>
+              <a:rPr lang="en-GB" dirty="0">
+                <a:latin typeface="Consolas" panose="020B0609020204030204" pitchFamily="49" charset="0"/>
+                <a:cs typeface="Consolas" panose="020B0609020204030204" pitchFamily="49" charset="0"/>
+              </a:rPr>
+              <a:t>print(animals[0:2:2])</a:t>
+            </a:r>
+          </a:p>
+          <a:p>
+            <a:pPr marL="0" indent="0">
+              <a:buNone/>
+            </a:pPr>
+            <a:r>
+              <a:rPr lang="en-GB" dirty="0">
+                <a:latin typeface="Consolas" panose="020B0609020204030204" pitchFamily="49" charset="0"/>
+                <a:cs typeface="Consolas" panose="020B0609020204030204" pitchFamily="49" charset="0"/>
+              </a:rPr>
+              <a:t>['cat’]</a:t>
+            </a:r>
+          </a:p>
+          <a:p>
+            <a:pPr marL="0" indent="0">
+              <a:buNone/>
+            </a:pPr>
+            <a:endParaRPr lang="en-GB" dirty="0">
+              <a:latin typeface="Consolas" panose="020B0609020204030204" pitchFamily="49" charset="0"/>
+              <a:cs typeface="Consolas" panose="020B0609020204030204" pitchFamily="49" charset="0"/>
+            </a:endParaRPr>
+          </a:p>
+          <a:p>
+            <a:pPr marL="0" indent="0">
+              <a:buNone/>
+            </a:pPr>
+            <a:r>
+              <a:rPr lang="en-GB" dirty="0">
+                <a:latin typeface="Consolas" panose="020B0609020204030204" pitchFamily="49" charset="0"/>
+                <a:cs typeface="Consolas" panose="020B0609020204030204" pitchFamily="49" charset="0"/>
+              </a:rPr>
+              <a:t>print(animals[-1::-1])</a:t>
+            </a:r>
+          </a:p>
+          <a:p>
+            <a:pPr marL="0" indent="0">
+              <a:buNone/>
+            </a:pPr>
+            <a:r>
+              <a:rPr lang="en-GB" dirty="0">
+                <a:latin typeface="Consolas" panose="020B0609020204030204" pitchFamily="49" charset="0"/>
+                <a:cs typeface="Consolas" panose="020B0609020204030204" pitchFamily="49" charset="0"/>
+              </a:rPr>
+              <a:t>['mouse', 'cow', 'goat', 'cat']</a:t>
+            </a:r>
+          </a:p>
+          <a:p>
+            <a:endParaRPr lang="en-US" dirty="0"/>
+          </a:p>
+        </p:txBody>
+      </p:sp>
+    </p:spTree>
+    <p:extLst>
+      <p:ext uri="{BB962C8B-B14F-4D97-AF65-F5344CB8AC3E}">
+        <p14:creationId xmlns:p14="http://schemas.microsoft.com/office/powerpoint/2010/main" val="1635849709"/>
+      </p:ext>
+    </p:extLst>
+  </p:cSld>
+  <p:clrMapOvr>
+    <a:masterClrMapping/>
+  </p:clrMapOvr>
+  <p:timing>
+    <p:tnLst>
+      <p:par>
+        <p:cTn id="1" dur="indefinite" restart="never" nodeType="tmRoot">
+          <p:childTnLst>
+            <p:seq concurrent="1" nextAc="seek">
+              <p:cTn id="2" dur="indefinite" nodeType="mainSeq">
+                <p:childTnLst>
+                  <p:par>
+                    <p:cTn id="3" fill="hold">
+                      <p:stCondLst>
+                        <p:cond delay="indefinite"/>
+                      </p:stCondLst>
+                      <p:childTnLst>
+                        <p:par>
+                          <p:cTn id="4" fill="hold">
+                            <p:stCondLst>
+                              <p:cond delay="0"/>
+                            </p:stCondLst>
+                            <p:childTnLst>
+                              <p:par>
+                                <p:cTn id="5" presetID="1" presetClass="entr" presetSubtype="0" fill="hold" grpId="0" nodeType="clickEffect">
+                                  <p:stCondLst>
+                                    <p:cond delay="0"/>
+                                  </p:stCondLst>
+                                  <p:childTnLst>
+                                    <p:set>
+                                      <p:cBhvr>
+                                        <p:cTn id="6" dur="1" fill="hold">
+                                          <p:stCondLst>
+                                            <p:cond delay="0"/>
+                                          </p:stCondLst>
+                                        </p:cTn>
+                                        <p:tgtEl>
+                                          <p:spTgt spid="3">
+                                            <p:txEl>
+                                              <p:pRg st="0" end="0"/>
+                                            </p:txEl>
+                                          </p:spTgt>
+                                        </p:tgtEl>
+                                        <p:attrNameLst>
+                                          <p:attrName>style.visibility</p:attrName>
+                                        </p:attrNameLst>
+                                      </p:cBhvr>
+                                      <p:to>
+                                        <p:strVal val="visible"/>
+                                      </p:to>
+                                    </p:set>
+                                  </p:childTnLst>
+                                </p:cTn>
+                              </p:par>
+                            </p:childTnLst>
+                          </p:cTn>
+                        </p:par>
+                      </p:childTnLst>
+                    </p:cTn>
+                  </p:par>
+                  <p:par>
+                    <p:cTn id="7" fill="hold">
+                      <p:stCondLst>
+                        <p:cond delay="indefinite"/>
+                      </p:stCondLst>
+                      <p:childTnLst>
+                        <p:par>
+                          <p:cTn id="8" fill="hold">
+                            <p:stCondLst>
+                              <p:cond delay="0"/>
+                            </p:stCondLst>
+                            <p:childTnLst>
+                              <p:par>
+                                <p:cTn id="9" presetID="1" presetClass="entr" presetSubtype="0" fill="hold" grpId="0" nodeType="clickEffect">
+                                  <p:stCondLst>
+                                    <p:cond delay="0"/>
+                                  </p:stCondLst>
+                                  <p:childTnLst>
+                                    <p:set>
+                                      <p:cBhvr>
+                                        <p:cTn id="10" dur="1" fill="hold">
+                                          <p:stCondLst>
+                                            <p:cond delay="0"/>
+                                          </p:stCondLst>
+                                        </p:cTn>
+                                        <p:tgtEl>
+                                          <p:spTgt spid="3">
+                                            <p:txEl>
+                                              <p:pRg st="1" end="1"/>
+                                            </p:txEl>
+                                          </p:spTgt>
+                                        </p:tgtEl>
+                                        <p:attrNameLst>
+                                          <p:attrName>style.visibility</p:attrName>
+                                        </p:attrNameLst>
+                                      </p:cBhvr>
+                                      <p:to>
+                                        <p:strVal val="visible"/>
+                                      </p:to>
+                                    </p:set>
+                                  </p:childTnLst>
+                                </p:cTn>
+                              </p:par>
+                            </p:childTnLst>
+                          </p:cTn>
+                        </p:par>
+                      </p:childTnLst>
+                    </p:cTn>
+                  </p:par>
+                  <p:par>
+                    <p:cTn id="11" fill="hold">
+                      <p:stCondLst>
+                        <p:cond delay="indefinite"/>
+                      </p:stCondLst>
+                      <p:childTnLst>
+                        <p:par>
+                          <p:cTn id="12" fill="hold">
+                            <p:stCondLst>
+                              <p:cond delay="0"/>
+                            </p:stCondLst>
+                            <p:childTnLst>
+                              <p:par>
+                                <p:cTn id="13" presetID="1" presetClass="entr" presetSubtype="0" fill="hold" grpId="0" nodeType="clickEffect">
+                                  <p:stCondLst>
+                                    <p:cond delay="0"/>
+                                  </p:stCondLst>
+                                  <p:childTnLst>
+                                    <p:set>
+                                      <p:cBhvr>
+                                        <p:cTn id="14" dur="1" fill="hold">
+                                          <p:stCondLst>
+                                            <p:cond delay="0"/>
+                                          </p:stCondLst>
+                                        </p:cTn>
+                                        <p:tgtEl>
+                                          <p:spTgt spid="3">
+                                            <p:txEl>
+                                              <p:pRg st="3" end="3"/>
+                                            </p:txEl>
+                                          </p:spTgt>
+                                        </p:tgtEl>
+                                        <p:attrNameLst>
+                                          <p:attrName>style.visibility</p:attrName>
+                                        </p:attrNameLst>
+                                      </p:cBhvr>
+                                      <p:to>
+                                        <p:strVal val="visible"/>
+                                      </p:to>
+                                    </p:set>
+                                  </p:childTnLst>
+                                </p:cTn>
+                              </p:par>
+                            </p:childTnLst>
+                          </p:cTn>
+                        </p:par>
+                      </p:childTnLst>
+                    </p:cTn>
+                  </p:par>
+                  <p:par>
+                    <p:cTn id="15" fill="hold">
+                      <p:stCondLst>
+                        <p:cond delay="indefinite"/>
+                      </p:stCondLst>
+                      <p:childTnLst>
+                        <p:par>
+                          <p:cTn id="16" fill="hold">
+                            <p:stCondLst>
+                              <p:cond delay="0"/>
+                            </p:stCondLst>
+                            <p:childTnLst>
+                              <p:par>
+                                <p:cTn id="17" presetID="1" presetClass="entr" presetSubtype="0" fill="hold" grpId="0" nodeType="clickEffect">
+                                  <p:stCondLst>
+                                    <p:cond delay="0"/>
+                                  </p:stCondLst>
+                                  <p:childTnLst>
+                                    <p:set>
+                                      <p:cBhvr>
+                                        <p:cTn id="18" dur="1" fill="hold">
+                                          <p:stCondLst>
+                                            <p:cond delay="0"/>
+                                          </p:stCondLst>
+                                        </p:cTn>
+                                        <p:tgtEl>
+                                          <p:spTgt spid="3">
+                                            <p:txEl>
+                                              <p:pRg st="4" end="4"/>
+                                            </p:txEl>
+                                          </p:spTgt>
+                                        </p:tgtEl>
+                                        <p:attrNameLst>
+                                          <p:attrName>style.visibility</p:attrName>
+                                        </p:attrNameLst>
+                                      </p:cBhvr>
+                                      <p:to>
+                                        <p:strVal val="visible"/>
+                                      </p:to>
+                                    </p:set>
+                                  </p:childTnLst>
+                                </p:cTn>
+                              </p:par>
+                            </p:childTnLst>
+                          </p:cTn>
+                        </p:par>
+                      </p:childTnLst>
+                    </p:cTn>
+                  </p:par>
+                  <p:par>
+                    <p:cTn id="19" fill="hold">
+                      <p:stCondLst>
+                        <p:cond delay="indefinite"/>
+                      </p:stCondLst>
+                      <p:childTnLst>
+                        <p:par>
+                          <p:cTn id="20" fill="hold">
+                            <p:stCondLst>
+                              <p:cond delay="0"/>
+                            </p:stCondLst>
+                            <p:childTnLst>
+                              <p:par>
+                                <p:cTn id="21" presetID="1" presetClass="entr" presetSubtype="0" fill="hold" grpId="0" nodeType="clickEffect">
+                                  <p:stCondLst>
+                                    <p:cond delay="0"/>
+                                  </p:stCondLst>
+                                  <p:childTnLst>
+                                    <p:set>
+                                      <p:cBhvr>
+                                        <p:cTn id="22" dur="1" fill="hold">
+                                          <p:stCondLst>
+                                            <p:cond delay="0"/>
+                                          </p:stCondLst>
+                                        </p:cTn>
+                                        <p:tgtEl>
+                                          <p:spTgt spid="3">
+                                            <p:txEl>
+                                              <p:pRg st="6" end="6"/>
+                                            </p:txEl>
+                                          </p:spTgt>
+                                        </p:tgtEl>
+                                        <p:attrNameLst>
+                                          <p:attrName>style.visibility</p:attrName>
+                                        </p:attrNameLst>
+                                      </p:cBhvr>
+                                      <p:to>
+                                        <p:strVal val="visible"/>
+                                      </p:to>
+                                    </p:set>
+                                  </p:childTnLst>
+                                </p:cTn>
+                              </p:par>
+                            </p:childTnLst>
+                          </p:cTn>
+                        </p:par>
+                      </p:childTnLst>
+                    </p:cTn>
+                  </p:par>
+                  <p:par>
+                    <p:cTn id="23" fill="hold">
+                      <p:stCondLst>
+                        <p:cond delay="indefinite"/>
+                      </p:stCondLst>
+                      <p:childTnLst>
+                        <p:par>
+                          <p:cTn id="24" fill="hold">
+                            <p:stCondLst>
+                              <p:cond delay="0"/>
+                            </p:stCondLst>
+                            <p:childTnLst>
+                              <p:par>
+                                <p:cTn id="25" presetID="1" presetClass="entr" presetSubtype="0" fill="hold" grpId="0" nodeType="clickEffect">
+                                  <p:stCondLst>
+                                    <p:cond delay="0"/>
+                                  </p:stCondLst>
+                                  <p:childTnLst>
+                                    <p:set>
+                                      <p:cBhvr>
+                                        <p:cTn id="26" dur="1" fill="hold">
+                                          <p:stCondLst>
+                                            <p:cond delay="0"/>
+                                          </p:stCondLst>
+                                        </p:cTn>
+                                        <p:tgtEl>
+                                          <p:spTgt spid="3">
+                                            <p:txEl>
+                                              <p:pRg st="7" end="7"/>
+                                            </p:txEl>
+                                          </p:spTgt>
+                                        </p:tgtEl>
+                                        <p:attrNameLst>
+                                          <p:attrName>style.visibility</p:attrName>
+                                        </p:attrNameLst>
+                                      </p:cBhvr>
+                                      <p:to>
+                                        <p:strVal val="visible"/>
+                                      </p:to>
+                                    </p:set>
+                                  </p:childTnLst>
+                                </p:cTn>
+                              </p:par>
+                            </p:childTnLst>
+                          </p:cTn>
+                        </p:par>
+                      </p:childTnLst>
+                    </p:cTn>
+                  </p:par>
+                  <p:par>
+                    <p:cTn id="27" fill="hold">
+                      <p:stCondLst>
+                        <p:cond delay="indefinite"/>
+                      </p:stCondLst>
+                      <p:childTnLst>
+                        <p:par>
+                          <p:cTn id="28" fill="hold">
+                            <p:stCondLst>
+                              <p:cond delay="0"/>
+                            </p:stCondLst>
+                            <p:childTnLst>
+                              <p:par>
+                                <p:cTn id="29" presetID="1" presetClass="entr" presetSubtype="0" fill="hold" grpId="0" nodeType="clickEffect">
+                                  <p:stCondLst>
+                                    <p:cond delay="0"/>
+                                  </p:stCondLst>
+                                  <p:childTnLst>
+                                    <p:set>
+                                      <p:cBhvr>
+                                        <p:cTn id="30" dur="1" fill="hold">
+                                          <p:stCondLst>
+                                            <p:cond delay="0"/>
+                                          </p:stCondLst>
+                                        </p:cTn>
+                                        <p:tgtEl>
+                                          <p:spTgt spid="3">
+                                            <p:txEl>
+                                              <p:pRg st="9" end="9"/>
+                                            </p:txEl>
+                                          </p:spTgt>
+                                        </p:tgtEl>
+                                        <p:attrNameLst>
+                                          <p:attrName>style.visibility</p:attrName>
+                                        </p:attrNameLst>
+                                      </p:cBhvr>
+                                      <p:to>
+                                        <p:strVal val="visible"/>
+                                      </p:to>
+                                    </p:set>
+                                  </p:childTnLst>
+                                </p:cTn>
+                              </p:par>
+                            </p:childTnLst>
+                          </p:cTn>
+                        </p:par>
+                      </p:childTnLst>
+                    </p:cTn>
+                  </p:par>
+                  <p:par>
+                    <p:cTn id="31" fill="hold">
+                      <p:stCondLst>
+                        <p:cond delay="indefinite"/>
+                      </p:stCondLst>
+                      <p:childTnLst>
+                        <p:par>
+                          <p:cTn id="32" fill="hold">
+                            <p:stCondLst>
+                              <p:cond delay="0"/>
+                            </p:stCondLst>
+                            <p:childTnLst>
+                              <p:par>
+                                <p:cTn id="33" presetID="1" presetClass="entr" presetSubtype="0" fill="hold" grpId="0" nodeType="clickEffect">
+                                  <p:stCondLst>
+                                    <p:cond delay="0"/>
+                                  </p:stCondLst>
+                                  <p:childTnLst>
+                                    <p:set>
+                                      <p:cBhvr>
+                                        <p:cTn id="34" dur="1" fill="hold">
+                                          <p:stCondLst>
+                                            <p:cond delay="0"/>
+                                          </p:stCondLst>
+                                        </p:cTn>
+                                        <p:tgtEl>
+                                          <p:spTgt spid="3">
+                                            <p:txEl>
+                                              <p:pRg st="10" end="10"/>
+                                            </p:txEl>
+                                          </p:spTgt>
+                                        </p:tgtEl>
+                                        <p:attrNameLst>
+                                          <p:attrName>style.visibility</p:attrName>
+                                        </p:attrNameLst>
+                                      </p:cBhvr>
+                                      <p:to>
+                                        <p:strVal val="visible"/>
+                                      </p:to>
+                                    </p:set>
+                                  </p:childTnLst>
+                                </p:cTn>
+                              </p:par>
+                            </p:childTnLst>
+                          </p:cTn>
+                        </p:par>
+                      </p:childTnLst>
+                    </p:cTn>
+                  </p:par>
+                </p:childTnLst>
+              </p:cTn>
+              <p:prevCondLst>
+                <p:cond evt="onPrev" delay="0">
+                  <p:tgtEl>
+                    <p:sldTgt/>
+                  </p:tgtEl>
+                </p:cond>
+              </p:prevCondLst>
+              <p:nextCondLst>
+                <p:cond evt="onNext" delay="0">
+                  <p:tgtEl>
+                    <p:sldTgt/>
+                  </p:tgtEl>
+                </p:cond>
+              </p:nextCondLst>
+            </p:seq>
+          </p:childTnLst>
+        </p:cTn>
+      </p:par>
+    </p:tnLst>
+    <p:bldLst>
+      <p:bldP spid="3" grpId="0" build="p"/>
+    </p:bldLst>
+  </p:timing>
 </p:sld>
 </file>
 
@@ -7500,6 +9377,579 @@
     <p:extLst>
       <p:ext uri="{BB962C8B-B14F-4D97-AF65-F5344CB8AC3E}">
         <p14:creationId xmlns:p14="http://schemas.microsoft.com/office/powerpoint/2010/main" val="3751739052"/>
+      </p:ext>
+    </p:extLst>
+  </p:cSld>
+  <p:clrMapOvr>
+    <a:masterClrMapping/>
+  </p:clrMapOvr>
+  <p:timing>
+    <p:tnLst>
+      <p:par>
+        <p:cTn id="1" dur="indefinite" restart="never" nodeType="tmRoot">
+          <p:childTnLst>
+            <p:seq concurrent="1" nextAc="seek">
+              <p:cTn id="2" dur="indefinite" nodeType="mainSeq">
+                <p:childTnLst>
+                  <p:par>
+                    <p:cTn id="3" fill="hold">
+                      <p:stCondLst>
+                        <p:cond delay="indefinite"/>
+                      </p:stCondLst>
+                      <p:childTnLst>
+                        <p:par>
+                          <p:cTn id="4" fill="hold">
+                            <p:stCondLst>
+                              <p:cond delay="0"/>
+                            </p:stCondLst>
+                            <p:childTnLst>
+                              <p:par>
+                                <p:cTn id="5" presetID="1" presetClass="entr" presetSubtype="0" fill="hold" nodeType="clickEffect">
+                                  <p:stCondLst>
+                                    <p:cond delay="0"/>
+                                  </p:stCondLst>
+                                  <p:childTnLst>
+                                    <p:set>
+                                      <p:cBhvr>
+                                        <p:cTn id="6" dur="1" fill="hold">
+                                          <p:stCondLst>
+                                            <p:cond delay="0"/>
+                                          </p:stCondLst>
+                                        </p:cTn>
+                                        <p:tgtEl>
+                                          <p:spTgt spid="3">
+                                            <p:txEl>
+                                              <p:pRg st="7" end="7"/>
+                                            </p:txEl>
+                                          </p:spTgt>
+                                        </p:tgtEl>
+                                        <p:attrNameLst>
+                                          <p:attrName>style.visibility</p:attrName>
+                                        </p:attrNameLst>
+                                      </p:cBhvr>
+                                      <p:to>
+                                        <p:strVal val="visible"/>
+                                      </p:to>
+                                    </p:set>
+                                  </p:childTnLst>
+                                </p:cTn>
+                              </p:par>
+                              <p:par>
+                                <p:cTn id="7" presetID="1" presetClass="entr" presetSubtype="0" fill="hold" nodeType="withEffect">
+                                  <p:stCondLst>
+                                    <p:cond delay="0"/>
+                                  </p:stCondLst>
+                                  <p:childTnLst>
+                                    <p:set>
+                                      <p:cBhvr>
+                                        <p:cTn id="8" dur="1" fill="hold">
+                                          <p:stCondLst>
+                                            <p:cond delay="0"/>
+                                          </p:stCondLst>
+                                        </p:cTn>
+                                        <p:tgtEl>
+                                          <p:spTgt spid="3">
+                                            <p:txEl>
+                                              <p:pRg st="8" end="8"/>
+                                            </p:txEl>
+                                          </p:spTgt>
+                                        </p:tgtEl>
+                                        <p:attrNameLst>
+                                          <p:attrName>style.visibility</p:attrName>
+                                        </p:attrNameLst>
+                                      </p:cBhvr>
+                                      <p:to>
+                                        <p:strVal val="visible"/>
+                                      </p:to>
+                                    </p:set>
+                                  </p:childTnLst>
+                                </p:cTn>
+                              </p:par>
+                            </p:childTnLst>
+                          </p:cTn>
+                        </p:par>
+                      </p:childTnLst>
+                    </p:cTn>
+                  </p:par>
+                </p:childTnLst>
+              </p:cTn>
+              <p:prevCondLst>
+                <p:cond evt="onPrev" delay="0">
+                  <p:tgtEl>
+                    <p:sldTgt/>
+                  </p:tgtEl>
+                </p:cond>
+              </p:prevCondLst>
+              <p:nextCondLst>
+                <p:cond evt="onNext" delay="0">
+                  <p:tgtEl>
+                    <p:sldTgt/>
+                  </p:tgtEl>
+                </p:cond>
+              </p:nextCondLst>
+            </p:seq>
+          </p:childTnLst>
+        </p:cTn>
+      </p:par>
+    </p:tnLst>
+  </p:timing>
+</p:sld>
+</file>
+
+<file path=ppt/slides/slide20.xml><?xml version="1.0" encoding="utf-8"?>
+<p:sld xmlns:a="http://schemas.openxmlformats.org/drawingml/2006/main" xmlns:r="http://schemas.openxmlformats.org/officeDocument/2006/relationships" xmlns:p="http://schemas.openxmlformats.org/presentationml/2006/main">
+  <p:cSld>
+    <p:bg>
+      <p:bgPr>
+        <a:solidFill>
+          <a:schemeClr val="bg1"/>
+        </a:solidFill>
+        <a:effectLst/>
+      </p:bgPr>
+    </p:bg>
+    <p:spTree>
+      <p:nvGrpSpPr>
+        <p:cNvPr id="1" name=""/>
+        <p:cNvGrpSpPr/>
+        <p:nvPr/>
+      </p:nvGrpSpPr>
+      <p:grpSpPr>
+        <a:xfrm>
+          <a:off x="0" y="0"/>
+          <a:ext cx="0" cy="0"/>
+          <a:chOff x="0" y="0"/>
+          <a:chExt cx="0" cy="0"/>
+        </a:xfrm>
+      </p:grpSpPr>
+      <p:sp>
+        <p:nvSpPr>
+          <p:cNvPr id="2" name="Title 1">
+            <a:extLst>
+              <a:ext uri="{FF2B5EF4-FFF2-40B4-BE49-F238E27FC236}">
+                <a16:creationId xmlns:a16="http://schemas.microsoft.com/office/drawing/2014/main" id="{0266283C-FE1F-7843-9D53-1C6756B608D7}"/>
+              </a:ext>
+            </a:extLst>
+          </p:cNvPr>
+          <p:cNvSpPr>
+            <a:spLocks noGrp="1"/>
+          </p:cNvSpPr>
+          <p:nvPr>
+            <p:ph type="title"/>
+          </p:nvPr>
+        </p:nvSpPr>
+        <p:spPr>
+          <a:xfrm>
+            <a:off x="1175512" y="870132"/>
+            <a:ext cx="9792208" cy="1527078"/>
+          </a:xfrm>
+        </p:spPr>
+        <p:txBody>
+          <a:bodyPr>
+            <a:normAutofit/>
+          </a:bodyPr>
+          <a:lstStyle/>
+          <a:p>
+            <a:r>
+              <a:rPr lang="en-US" dirty="0">
+                <a:solidFill>
+                  <a:schemeClr val="tx2">
+                    <a:lumMod val="75000"/>
+                  </a:schemeClr>
+                </a:solidFill>
+              </a:rPr>
+              <a:t>Exercises	</a:t>
+            </a:r>
+          </a:p>
+        </p:txBody>
+      </p:sp>
+      <p:sp>
+        <p:nvSpPr>
+          <p:cNvPr id="3" name="Content Placeholder 2">
+            <a:extLst>
+              <a:ext uri="{FF2B5EF4-FFF2-40B4-BE49-F238E27FC236}">
+                <a16:creationId xmlns:a16="http://schemas.microsoft.com/office/drawing/2014/main" id="{10AF0CFD-4A84-724D-9E78-004B2F3DD17D}"/>
+              </a:ext>
+            </a:extLst>
+          </p:cNvPr>
+          <p:cNvSpPr>
+            <a:spLocks noGrp="1"/>
+          </p:cNvSpPr>
+          <p:nvPr>
+            <p:ph idx="1"/>
+          </p:nvPr>
+        </p:nvSpPr>
+        <p:spPr>
+          <a:xfrm>
+            <a:off x="1073426" y="2156791"/>
+            <a:ext cx="10097782" cy="4149118"/>
+          </a:xfrm>
+        </p:spPr>
+        <p:txBody>
+          <a:bodyPr>
+            <a:normAutofit fontScale="55000" lnSpcReduction="20000"/>
+          </a:bodyPr>
+          <a:lstStyle/>
+          <a:p>
+            <a:r>
+              <a:rPr lang="en-US" dirty="0">
+                <a:solidFill>
+                  <a:schemeClr val="tx2">
+                    <a:lumMod val="75000"/>
+                  </a:schemeClr>
+                </a:solidFill>
+              </a:rPr>
+              <a:t>Implement your own </a:t>
+            </a:r>
+            <a:r>
+              <a:rPr lang="en-US" dirty="0">
+                <a:solidFill>
+                  <a:schemeClr val="tx2">
+                    <a:lumMod val="75000"/>
+                  </a:schemeClr>
+                </a:solidFill>
+                <a:latin typeface="Consolas" panose="020B0609020204030204" pitchFamily="49" charset="0"/>
+                <a:cs typeface="Consolas" panose="020B0609020204030204" pitchFamily="49" charset="0"/>
+              </a:rPr>
+              <a:t>length(seq)</a:t>
+            </a:r>
+            <a:r>
+              <a:rPr lang="en-US" dirty="0">
+                <a:solidFill>
+                  <a:schemeClr val="tx2">
+                    <a:lumMod val="75000"/>
+                  </a:schemeClr>
+                </a:solidFill>
+              </a:rPr>
+              <a:t> function to calculate the number of individual items in sequence </a:t>
+            </a:r>
+            <a:r>
+              <a:rPr lang="en-US" i="1" dirty="0">
+                <a:solidFill>
+                  <a:schemeClr val="tx2">
+                    <a:lumMod val="75000"/>
+                  </a:schemeClr>
+                </a:solidFill>
+                <a:latin typeface="Consolas" panose="020B0609020204030204" pitchFamily="49" charset="0"/>
+                <a:cs typeface="Consolas" panose="020B0609020204030204" pitchFamily="49" charset="0"/>
+              </a:rPr>
+              <a:t>seq</a:t>
+            </a:r>
+          </a:p>
+          <a:p>
+            <a:r>
+              <a:rPr lang="en-US" dirty="0">
+                <a:solidFill>
+                  <a:schemeClr val="tx2">
+                    <a:lumMod val="75000"/>
+                  </a:schemeClr>
+                </a:solidFill>
+                <a:cs typeface="Consolas" panose="020B0609020204030204" pitchFamily="49" charset="0"/>
+              </a:rPr>
+              <a:t>Implement</a:t>
+            </a:r>
+            <a:r>
+              <a:rPr lang="en-US" dirty="0">
+                <a:solidFill>
+                  <a:schemeClr val="tx2">
+                    <a:lumMod val="75000"/>
+                  </a:schemeClr>
+                </a:solidFill>
+                <a:latin typeface="Consolas" panose="020B0609020204030204" pitchFamily="49" charset="0"/>
+                <a:cs typeface="Consolas" panose="020B0609020204030204" pitchFamily="49" charset="0"/>
+              </a:rPr>
+              <a:t> </a:t>
+            </a:r>
+            <a:r>
+              <a:rPr lang="en-US" dirty="0" err="1">
+                <a:solidFill>
+                  <a:schemeClr val="tx2">
+                    <a:lumMod val="75000"/>
+                  </a:schemeClr>
+                </a:solidFill>
+                <a:latin typeface="Consolas" panose="020B0609020204030204" pitchFamily="49" charset="0"/>
+                <a:cs typeface="Consolas" panose="020B0609020204030204" pitchFamily="49" charset="0"/>
+              </a:rPr>
+              <a:t>max_val</a:t>
+            </a:r>
+            <a:r>
+              <a:rPr lang="en-US" dirty="0">
+                <a:solidFill>
+                  <a:schemeClr val="tx2">
+                    <a:lumMod val="75000"/>
+                  </a:schemeClr>
+                </a:solidFill>
+                <a:latin typeface="Consolas" panose="020B0609020204030204" pitchFamily="49" charset="0"/>
+                <a:cs typeface="Consolas" panose="020B0609020204030204" pitchFamily="49" charset="0"/>
+              </a:rPr>
+              <a:t>(</a:t>
+            </a:r>
+            <a:r>
+              <a:rPr lang="en-US" dirty="0" err="1">
+                <a:solidFill>
+                  <a:schemeClr val="tx2">
+                    <a:lumMod val="75000"/>
+                  </a:schemeClr>
+                </a:solidFill>
+                <a:latin typeface="Consolas" panose="020B0609020204030204" pitchFamily="49" charset="0"/>
+                <a:cs typeface="Consolas" panose="020B0609020204030204" pitchFamily="49" charset="0"/>
+              </a:rPr>
+              <a:t>arg</a:t>
+            </a:r>
+            <a:r>
+              <a:rPr lang="en-US" dirty="0">
+                <a:solidFill>
+                  <a:schemeClr val="tx2">
+                    <a:lumMod val="75000"/>
+                  </a:schemeClr>
+                </a:solidFill>
+                <a:latin typeface="Consolas" panose="020B0609020204030204" pitchFamily="49" charset="0"/>
+                <a:cs typeface="Consolas" panose="020B0609020204030204" pitchFamily="49" charset="0"/>
+              </a:rPr>
+              <a:t>: </a:t>
+            </a:r>
+            <a:r>
+              <a:rPr lang="en-US" dirty="0">
+                <a:latin typeface="Consolas" panose="020B0609020204030204" pitchFamily="49" charset="0"/>
+                <a:cs typeface="Consolas" panose="020B0609020204030204" pitchFamily="49" charset="0"/>
+              </a:rPr>
+              <a:t>list) and </a:t>
+            </a:r>
+            <a:r>
+              <a:rPr lang="en-US" dirty="0" err="1">
+                <a:latin typeface="Consolas" panose="020B0609020204030204" pitchFamily="49" charset="0"/>
+                <a:cs typeface="Consolas" panose="020B0609020204030204" pitchFamily="49" charset="0"/>
+              </a:rPr>
+              <a:t>min_val</a:t>
+            </a:r>
+            <a:r>
+              <a:rPr lang="en-US" dirty="0">
+                <a:latin typeface="Consolas" panose="020B0609020204030204" pitchFamily="49" charset="0"/>
+                <a:cs typeface="Consolas" panose="020B0609020204030204" pitchFamily="49" charset="0"/>
+              </a:rPr>
+              <a:t>(</a:t>
+            </a:r>
+            <a:r>
+              <a:rPr lang="en-US" dirty="0" err="1">
+                <a:latin typeface="Consolas" panose="020B0609020204030204" pitchFamily="49" charset="0"/>
+                <a:cs typeface="Consolas" panose="020B0609020204030204" pitchFamily="49" charset="0"/>
+              </a:rPr>
+              <a:t>arg</a:t>
+            </a:r>
+            <a:r>
+              <a:rPr lang="en-US" dirty="0">
+                <a:latin typeface="Consolas" panose="020B0609020204030204" pitchFamily="49" charset="0"/>
+                <a:cs typeface="Consolas" panose="020B0609020204030204" pitchFamily="49" charset="0"/>
+              </a:rPr>
+              <a:t>: list)</a:t>
+            </a:r>
+            <a:endParaRPr lang="en-US" dirty="0">
+              <a:solidFill>
+                <a:schemeClr val="tx2">
+                  <a:lumMod val="75000"/>
+                </a:schemeClr>
+              </a:solidFill>
+              <a:latin typeface="Consolas" panose="020B0609020204030204" pitchFamily="49" charset="0"/>
+              <a:cs typeface="Consolas" panose="020B0609020204030204" pitchFamily="49" charset="0"/>
+            </a:endParaRPr>
+          </a:p>
+          <a:p>
+            <a:r>
+              <a:rPr lang="en-US" dirty="0">
+                <a:solidFill>
+                  <a:schemeClr val="tx2">
+                    <a:lumMod val="75000"/>
+                  </a:schemeClr>
+                </a:solidFill>
+              </a:rPr>
+              <a:t>Create a list of all months in a year. </a:t>
+            </a:r>
+          </a:p>
+          <a:p>
+            <a:pPr lvl="1"/>
+            <a:r>
+              <a:rPr lang="en-US" dirty="0">
+                <a:solidFill>
+                  <a:schemeClr val="tx2">
+                    <a:lumMod val="75000"/>
+                  </a:schemeClr>
+                </a:solidFill>
+              </a:rPr>
+              <a:t>Print its size</a:t>
+            </a:r>
+          </a:p>
+          <a:p>
+            <a:pPr lvl="1"/>
+            <a:r>
+              <a:rPr lang="en-US" dirty="0">
+                <a:solidFill>
+                  <a:schemeClr val="tx2">
+                    <a:lumMod val="75000"/>
+                  </a:schemeClr>
+                </a:solidFill>
+              </a:rPr>
+              <a:t>Use indexing to print middle months</a:t>
+            </a:r>
+          </a:p>
+          <a:p>
+            <a:pPr lvl="1"/>
+            <a:r>
+              <a:rPr lang="en-US" dirty="0">
+                <a:solidFill>
+                  <a:schemeClr val="tx2">
+                    <a:lumMod val="75000"/>
+                  </a:schemeClr>
+                </a:solidFill>
+              </a:rPr>
+              <a:t>Reverse the list</a:t>
+            </a:r>
+          </a:p>
+          <a:p>
+            <a:pPr lvl="1"/>
+            <a:r>
+              <a:rPr lang="en-US" dirty="0">
+                <a:solidFill>
+                  <a:schemeClr val="tx2">
+                    <a:lumMod val="75000"/>
+                  </a:schemeClr>
+                </a:solidFill>
+              </a:rPr>
+              <a:t>Iterate over the list and capitalize each entry</a:t>
+            </a:r>
+          </a:p>
+          <a:p>
+            <a:pPr lvl="1"/>
+            <a:r>
+              <a:rPr lang="en-US" dirty="0">
+                <a:solidFill>
+                  <a:schemeClr val="tx2">
+                    <a:lumMod val="75000"/>
+                  </a:schemeClr>
+                </a:solidFill>
+              </a:rPr>
+              <a:t>Print months representing the start of a quarter (Use slicing)</a:t>
+            </a:r>
+          </a:p>
+          <a:p>
+            <a:r>
+              <a:rPr lang="en-US" dirty="0">
+                <a:solidFill>
+                  <a:schemeClr val="tx2">
+                    <a:lumMod val="75000"/>
+                  </a:schemeClr>
+                </a:solidFill>
+              </a:rPr>
+              <a:t>Create a list of first 5 even numbers and another list of first 5 odd numbers. Join these lists into a third list. </a:t>
+            </a:r>
+          </a:p>
+          <a:p>
+            <a:pPr lvl="1"/>
+            <a:r>
+              <a:rPr lang="en-US" dirty="0">
+                <a:solidFill>
+                  <a:schemeClr val="tx2">
+                    <a:lumMod val="75000"/>
+                  </a:schemeClr>
+                </a:solidFill>
+              </a:rPr>
+              <a:t>Print only the odd numbers in the third list using slicing</a:t>
+            </a:r>
+          </a:p>
+          <a:p>
+            <a:pPr lvl="1"/>
+            <a:r>
+              <a:rPr lang="en-US" dirty="0">
+                <a:solidFill>
+                  <a:schemeClr val="tx2">
+                    <a:lumMod val="75000"/>
+                  </a:schemeClr>
+                </a:solidFill>
+              </a:rPr>
+              <a:t>Print every fourth number in the third list using slicing</a:t>
+            </a:r>
+          </a:p>
+          <a:p>
+            <a:pPr lvl="1"/>
+            <a:r>
+              <a:rPr lang="en-US" dirty="0">
+                <a:solidFill>
+                  <a:schemeClr val="tx2">
+                    <a:lumMod val="75000"/>
+                  </a:schemeClr>
+                </a:solidFill>
+              </a:rPr>
+              <a:t>Sort this list so that the number are sorted in increasing order.</a:t>
+            </a:r>
+          </a:p>
+          <a:p>
+            <a:pPr lvl="1"/>
+            <a:r>
+              <a:rPr lang="en-US" dirty="0">
+                <a:solidFill>
+                  <a:schemeClr val="tx2">
+                    <a:lumMod val="75000"/>
+                  </a:schemeClr>
+                </a:solidFill>
+              </a:rPr>
+              <a:t>Search whether the number 8 exists in this list</a:t>
+            </a:r>
+          </a:p>
+          <a:p>
+            <a:pPr lvl="1"/>
+            <a:r>
+              <a:rPr lang="en-US" dirty="0">
+                <a:solidFill>
+                  <a:schemeClr val="tx2">
+                    <a:lumMod val="75000"/>
+                  </a:schemeClr>
+                </a:solidFill>
+              </a:rPr>
+              <a:t>Search whether the number 101 exists in this list</a:t>
+            </a:r>
+          </a:p>
+          <a:p>
+            <a:r>
+              <a:rPr lang="en-US" dirty="0">
+                <a:solidFill>
+                  <a:schemeClr val="tx2">
+                    <a:lumMod val="75000"/>
+                  </a:schemeClr>
+                </a:solidFill>
+              </a:rPr>
+              <a:t>Create a list of first 10 numbers</a:t>
+            </a:r>
+          </a:p>
+          <a:p>
+            <a:pPr lvl="1"/>
+            <a:r>
+              <a:rPr lang="en-US" dirty="0">
+                <a:solidFill>
+                  <a:schemeClr val="tx2">
+                    <a:lumMod val="75000"/>
+                  </a:schemeClr>
+                </a:solidFill>
+              </a:rPr>
+              <a:t>Remove all even numbers</a:t>
+            </a:r>
+          </a:p>
+          <a:p>
+            <a:pPr lvl="1"/>
+            <a:r>
+              <a:rPr lang="en-US" dirty="0">
+                <a:solidFill>
+                  <a:schemeClr val="tx2">
+                    <a:lumMod val="75000"/>
+                  </a:schemeClr>
+                </a:solidFill>
+              </a:rPr>
+              <a:t>Remove all odd numbers</a:t>
+            </a:r>
+          </a:p>
+        </p:txBody>
+      </p:sp>
+    </p:spTree>
+    <p:extLst>
+      <p:ext uri="{BB962C8B-B14F-4D97-AF65-F5344CB8AC3E}">
+        <p14:creationId xmlns:p14="http://schemas.microsoft.com/office/powerpoint/2010/main" val="828709380"/>
       </p:ext>
     </p:extLst>
   </p:cSld>
@@ -7723,12 +10173,23 @@
             </a:endParaRPr>
           </a:p>
           <a:p>
+            <a:pPr marL="0" indent="0">
+              <a:buNone/>
+            </a:pPr>
+            <a:endParaRPr lang="en-US" dirty="0">
+              <a:solidFill>
+                <a:srgbClr val="D06A22"/>
+              </a:solidFill>
+            </a:endParaRPr>
+          </a:p>
+          <a:p>
+            <a:pPr marL="0" indent="0">
+              <a:buNone/>
+            </a:pPr>
             <a:r>
               <a:rPr lang="en-US" dirty="0">
                 <a:solidFill>
-                  <a:schemeClr val="bg2">
-                    <a:lumMod val="50000"/>
-                  </a:schemeClr>
+                  <a:srgbClr val="D06A22"/>
                 </a:solidFill>
               </a:rPr>
               <a:t># People have created many types of sequential data containers to be used in specific use-cases. The entire gamut of </a:t>
@@ -7736,9 +10197,7 @@
             <a:r>
               <a:rPr lang="en-US" b="1" dirty="0">
                 <a:solidFill>
-                  <a:schemeClr val="bg2">
-                    <a:lumMod val="50000"/>
-                  </a:schemeClr>
+                  <a:srgbClr val="D06A22"/>
                 </a:solidFill>
               </a:rPr>
               <a:t>data structures and algorithms </a:t>
@@ -7746,9 +10205,7 @@
             <a:r>
               <a:rPr lang="en-US" dirty="0">
                 <a:solidFill>
-                  <a:schemeClr val="bg2">
-                    <a:lumMod val="50000"/>
-                  </a:schemeClr>
+                  <a:srgbClr val="D06A22"/>
                 </a:solidFill>
               </a:rPr>
               <a:t>deal with creating the right kind of data container with the right kind of access patterns for a given use-case</a:t>
@@ -7770,6 +10227,138 @@
 </file>
 
 <file path=ppt/slides/slide4.xml><?xml version="1.0" encoding="utf-8"?>
+<p:sld xmlns:a="http://schemas.openxmlformats.org/drawingml/2006/main" xmlns:r="http://schemas.openxmlformats.org/officeDocument/2006/relationships" xmlns:p="http://schemas.openxmlformats.org/presentationml/2006/main">
+  <p:cSld>
+    <p:spTree>
+      <p:nvGrpSpPr>
+        <p:cNvPr id="1" name=""/>
+        <p:cNvGrpSpPr/>
+        <p:nvPr/>
+      </p:nvGrpSpPr>
+      <p:grpSpPr>
+        <a:xfrm>
+          <a:off x="0" y="0"/>
+          <a:ext cx="0" cy="0"/>
+          <a:chOff x="0" y="0"/>
+          <a:chExt cx="0" cy="0"/>
+        </a:xfrm>
+      </p:grpSpPr>
+      <p:sp>
+        <p:nvSpPr>
+          <p:cNvPr id="3" name="Content Placeholder 2">
+            <a:extLst>
+              <a:ext uri="{FF2B5EF4-FFF2-40B4-BE49-F238E27FC236}">
+                <a16:creationId xmlns:a16="http://schemas.microsoft.com/office/drawing/2014/main" id="{ECB34389-66DA-2349-8C87-EE9EFCB93296}"/>
+              </a:ext>
+            </a:extLst>
+          </p:cNvPr>
+          <p:cNvSpPr>
+            <a:spLocks noGrp="1"/>
+          </p:cNvSpPr>
+          <p:nvPr>
+            <p:ph idx="1"/>
+          </p:nvPr>
+        </p:nvSpPr>
+        <p:spPr>
+          <a:xfrm>
+            <a:off x="775252" y="526774"/>
+            <a:ext cx="10578548" cy="5650189"/>
+          </a:xfrm>
+        </p:spPr>
+        <p:txBody>
+          <a:bodyPr>
+            <a:noAutofit/>
+          </a:bodyPr>
+          <a:lstStyle/>
+          <a:p>
+            <a:pPr marL="0" indent="0">
+              <a:buNone/>
+            </a:pPr>
+            <a:r>
+              <a:rPr lang="en-US" sz="3600" dirty="0"/>
+              <a:t>[ 1, 2, 3, 5, 8, 13 ]</a:t>
+            </a:r>
+          </a:p>
+          <a:p>
+            <a:pPr marL="0" indent="0">
+              <a:buNone/>
+            </a:pPr>
+            <a:endParaRPr lang="en-US" sz="3600" dirty="0"/>
+          </a:p>
+          <a:p>
+            <a:pPr marL="0" indent="0">
+              <a:buNone/>
+            </a:pPr>
+            <a:r>
+              <a:rPr lang="en-US" sz="3600" dirty="0"/>
+              <a:t>				[ “DNA”, ‘A’, 3.14, </a:t>
+            </a:r>
+            <a:r>
+              <a:rPr lang="en-GB" sz="3600" dirty="0"/>
+              <a:t>7000000000</a:t>
+            </a:r>
+            <a:r>
+              <a:rPr lang="en-US" sz="3600" dirty="0"/>
+              <a:t> ]</a:t>
+            </a:r>
+          </a:p>
+          <a:p>
+            <a:pPr marL="0" indent="0">
+              <a:buNone/>
+            </a:pPr>
+            <a:endParaRPr lang="en-US" sz="3600" dirty="0"/>
+          </a:p>
+          <a:p>
+            <a:pPr marL="0" indent="0">
+              <a:buNone/>
+            </a:pPr>
+            <a:r>
+              <a:rPr lang="en-US" sz="3600" dirty="0"/>
+              <a:t>		[ ‘c’, “See’, ‘C’, 70 ]</a:t>
+            </a:r>
+          </a:p>
+          <a:p>
+            <a:pPr marL="0" indent="0">
+              <a:buNone/>
+            </a:pPr>
+            <a:endParaRPr lang="en-US" sz="3600" dirty="0"/>
+          </a:p>
+          <a:p>
+            <a:pPr marL="0" indent="0">
+              <a:buNone/>
+            </a:pPr>
+            <a:endParaRPr lang="en-US" sz="3600" dirty="0"/>
+          </a:p>
+          <a:p>
+            <a:pPr marL="0" indent="0">
+              <a:buNone/>
+            </a:pPr>
+            <a:r>
+              <a:rPr lang="en-US" sz="3600" dirty="0"/>
+              <a:t>			[ “Rama”, “ Lakshmana”, “</a:t>
+            </a:r>
+            <a:r>
+              <a:rPr lang="en-US" sz="3600"/>
+              <a:t>Sita” ]</a:t>
+            </a:r>
+            <a:endParaRPr lang="en-US" sz="3600" dirty="0"/>
+          </a:p>
+        </p:txBody>
+      </p:sp>
+    </p:spTree>
+    <p:extLst>
+      <p:ext uri="{BB962C8B-B14F-4D97-AF65-F5344CB8AC3E}">
+        <p14:creationId xmlns:p14="http://schemas.microsoft.com/office/powerpoint/2010/main" val="694101452"/>
+      </p:ext>
+    </p:extLst>
+  </p:cSld>
+  <p:clrMapOvr>
+    <a:masterClrMapping/>
+  </p:clrMapOvr>
+</p:sld>
+</file>
+
+<file path=ppt/slides/slide5.xml><?xml version="1.0" encoding="utf-8"?>
 <p:sld xmlns:a="http://schemas.openxmlformats.org/drawingml/2006/main" xmlns:r="http://schemas.openxmlformats.org/officeDocument/2006/relationships" xmlns:p="http://schemas.openxmlformats.org/presentationml/2006/main">
   <p:cSld>
     <p:bg>
@@ -8347,138 +10936,6 @@
     <p:extLst>
       <p:ext uri="{BB962C8B-B14F-4D97-AF65-F5344CB8AC3E}">
         <p14:creationId xmlns:p14="http://schemas.microsoft.com/office/powerpoint/2010/main" val="3638968058"/>
-      </p:ext>
-    </p:extLst>
-  </p:cSld>
-  <p:clrMapOvr>
-    <a:masterClrMapping/>
-  </p:clrMapOvr>
-</p:sld>
-</file>
-
-<file path=ppt/slides/slide5.xml><?xml version="1.0" encoding="utf-8"?>
-<p:sld xmlns:a="http://schemas.openxmlformats.org/drawingml/2006/main" xmlns:r="http://schemas.openxmlformats.org/officeDocument/2006/relationships" xmlns:p="http://schemas.openxmlformats.org/presentationml/2006/main">
-  <p:cSld>
-    <p:spTree>
-      <p:nvGrpSpPr>
-        <p:cNvPr id="1" name=""/>
-        <p:cNvGrpSpPr/>
-        <p:nvPr/>
-      </p:nvGrpSpPr>
-      <p:grpSpPr>
-        <a:xfrm>
-          <a:off x="0" y="0"/>
-          <a:ext cx="0" cy="0"/>
-          <a:chOff x="0" y="0"/>
-          <a:chExt cx="0" cy="0"/>
-        </a:xfrm>
-      </p:grpSpPr>
-      <p:sp>
-        <p:nvSpPr>
-          <p:cNvPr id="3" name="Content Placeholder 2">
-            <a:extLst>
-              <a:ext uri="{FF2B5EF4-FFF2-40B4-BE49-F238E27FC236}">
-                <a16:creationId xmlns:a16="http://schemas.microsoft.com/office/drawing/2014/main" id="{ECB34389-66DA-2349-8C87-EE9EFCB93296}"/>
-              </a:ext>
-            </a:extLst>
-          </p:cNvPr>
-          <p:cNvSpPr>
-            <a:spLocks noGrp="1"/>
-          </p:cNvSpPr>
-          <p:nvPr>
-            <p:ph idx="1"/>
-          </p:nvPr>
-        </p:nvSpPr>
-        <p:spPr>
-          <a:xfrm>
-            <a:off x="775252" y="526774"/>
-            <a:ext cx="10578548" cy="5650189"/>
-          </a:xfrm>
-        </p:spPr>
-        <p:txBody>
-          <a:bodyPr>
-            <a:noAutofit/>
-          </a:bodyPr>
-          <a:lstStyle/>
-          <a:p>
-            <a:pPr marL="0" indent="0">
-              <a:buNone/>
-            </a:pPr>
-            <a:r>
-              <a:rPr lang="en-US" sz="3600" dirty="0"/>
-              <a:t>[ 1, 2, 3, 5, 8, 13 ]</a:t>
-            </a:r>
-          </a:p>
-          <a:p>
-            <a:pPr marL="0" indent="0">
-              <a:buNone/>
-            </a:pPr>
-            <a:endParaRPr lang="en-US" sz="3600" dirty="0"/>
-          </a:p>
-          <a:p>
-            <a:pPr marL="0" indent="0">
-              <a:buNone/>
-            </a:pPr>
-            <a:r>
-              <a:rPr lang="en-US" sz="3600" dirty="0"/>
-              <a:t>				[ “DNA”, ‘A’, 3.14, </a:t>
-            </a:r>
-            <a:r>
-              <a:rPr lang="en-GB" sz="3600" dirty="0"/>
-              <a:t>7000000000</a:t>
-            </a:r>
-            <a:r>
-              <a:rPr lang="en-US" sz="3600" dirty="0"/>
-              <a:t> ]</a:t>
-            </a:r>
-          </a:p>
-          <a:p>
-            <a:pPr marL="0" indent="0">
-              <a:buNone/>
-            </a:pPr>
-            <a:endParaRPr lang="en-US" sz="3600" dirty="0"/>
-          </a:p>
-          <a:p>
-            <a:pPr marL="0" indent="0">
-              <a:buNone/>
-            </a:pPr>
-            <a:r>
-              <a:rPr lang="en-US" sz="3600" dirty="0"/>
-              <a:t>		[ ‘c’, “See’, ‘C’, 70 ]</a:t>
-            </a:r>
-          </a:p>
-          <a:p>
-            <a:pPr marL="0" indent="0">
-              <a:buNone/>
-            </a:pPr>
-            <a:endParaRPr lang="en-US" sz="3600" dirty="0"/>
-          </a:p>
-          <a:p>
-            <a:pPr marL="0" indent="0">
-              <a:buNone/>
-            </a:pPr>
-            <a:endParaRPr lang="en-US" sz="3600" dirty="0"/>
-          </a:p>
-          <a:p>
-            <a:pPr marL="0" indent="0">
-              <a:buNone/>
-            </a:pPr>
-            <a:r>
-              <a:rPr lang="en-US" sz="3600" dirty="0"/>
-              <a:t>			[ “Rama”, “ Lakshmana”, “</a:t>
-            </a:r>
-            <a:r>
-              <a:rPr lang="en-US" sz="3600"/>
-              <a:t>Sita” ]</a:t>
-            </a:r>
-            <a:endParaRPr lang="en-US" sz="3600" dirty="0"/>
-          </a:p>
-        </p:txBody>
-      </p:sp>
-    </p:spTree>
-    <p:extLst>
-      <p:ext uri="{BB962C8B-B14F-4D97-AF65-F5344CB8AC3E}">
-        <p14:creationId xmlns:p14="http://schemas.microsoft.com/office/powerpoint/2010/main" val="694101452"/>
       </p:ext>
     </p:extLst>
   </p:cSld>

--- a/fundamentals/6-List.pptx
+++ b/fundamentals/6-List.pptx
@@ -219,7 +219,7 @@
           <a:p>
             <a:fld id="{720C9186-47A3-C54A-A8AF-47B660C0099D}" type="datetimeFigureOut">
               <a:rPr lang="en-US" smtClean="0"/>
-              <a:t>8/12/20</a:t>
+              <a:t>8/23/2020</a:t>
             </a:fld>
             <a:endParaRPr lang="en-US"/>
           </a:p>
@@ -636,7 +636,7 @@
           <a:p>
             <a:fld id="{4AAD347D-5ACD-4C99-B74B-A9C85AD731AF}" type="datetimeFigureOut">
               <a:rPr lang="en-US" smtClean="0"/>
-              <a:t>8/12/20</a:t>
+              <a:t>8/23/2020</a:t>
             </a:fld>
             <a:endParaRPr lang="en-US" dirty="0"/>
           </a:p>
@@ -836,7 +836,7 @@
           <a:p>
             <a:fld id="{4AAD347D-5ACD-4C99-B74B-A9C85AD731AF}" type="datetimeFigureOut">
               <a:rPr lang="en-US" smtClean="0"/>
-              <a:t>8/12/20</a:t>
+              <a:t>8/23/2020</a:t>
             </a:fld>
             <a:endParaRPr lang="en-US" dirty="0"/>
           </a:p>
@@ -1047,7 +1047,7 @@
           <a:p>
             <a:fld id="{4AAD347D-5ACD-4C99-B74B-A9C85AD731AF}" type="datetimeFigureOut">
               <a:rPr lang="en-US" smtClean="0"/>
-              <a:t>8/12/20</a:t>
+              <a:t>8/23/2020</a:t>
             </a:fld>
             <a:endParaRPr lang="en-US" dirty="0"/>
           </a:p>
@@ -1248,7 +1248,7 @@
           <a:p>
             <a:fld id="{4AAD347D-5ACD-4C99-B74B-A9C85AD731AF}" type="datetimeFigureOut">
               <a:rPr lang="en-US" smtClean="0"/>
-              <a:t>8/12/20</a:t>
+              <a:t>8/23/2020</a:t>
             </a:fld>
             <a:endParaRPr lang="en-US" dirty="0"/>
           </a:p>
@@ -1525,7 +1525,7 @@
           <a:p>
             <a:fld id="{9796027F-7875-4030-9381-8BD8C4F21935}" type="datetimeFigureOut">
               <a:rPr lang="en-US" smtClean="0"/>
-              <a:t>8/12/20</a:t>
+              <a:t>8/23/2020</a:t>
             </a:fld>
             <a:endParaRPr lang="en-US" dirty="0"/>
           </a:p>
@@ -1793,7 +1793,7 @@
           <a:p>
             <a:fld id="{4AAD347D-5ACD-4C99-B74B-A9C85AD731AF}" type="datetimeFigureOut">
               <a:rPr lang="en-US" smtClean="0"/>
-              <a:t>8/12/20</a:t>
+              <a:t>8/23/2020</a:t>
             </a:fld>
             <a:endParaRPr lang="en-US" dirty="0"/>
           </a:p>
@@ -2214,7 +2214,7 @@
           <a:p>
             <a:fld id="{4AAD347D-5ACD-4C99-B74B-A9C85AD731AF}" type="datetimeFigureOut">
               <a:rPr lang="en-US" smtClean="0"/>
-              <a:t>8/12/20</a:t>
+              <a:t>8/23/2020</a:t>
             </a:fld>
             <a:endParaRPr lang="en-US" dirty="0"/>
           </a:p>
@@ -2357,7 +2357,7 @@
           <a:p>
             <a:fld id="{4509A250-FF31-4206-8172-F9D3106AACB1}" type="datetimeFigureOut">
               <a:rPr lang="en-US" smtClean="0"/>
-              <a:t>8/12/20</a:t>
+              <a:t>8/23/2020</a:t>
             </a:fld>
             <a:endParaRPr lang="en-US" dirty="0"/>
           </a:p>
@@ -2470,7 +2470,7 @@
           <a:p>
             <a:fld id="{4509A250-FF31-4206-8172-F9D3106AACB1}" type="datetimeFigureOut">
               <a:rPr lang="en-US" smtClean="0"/>
-              <a:t>8/12/20</a:t>
+              <a:t>8/23/2020</a:t>
             </a:fld>
             <a:endParaRPr lang="en-US" dirty="0"/>
           </a:p>
@@ -2783,7 +2783,7 @@
           <a:p>
             <a:fld id="{4AAD347D-5ACD-4C99-B74B-A9C85AD731AF}" type="datetimeFigureOut">
               <a:rPr lang="en-US" smtClean="0"/>
-              <a:t>8/12/20</a:t>
+              <a:t>8/23/2020</a:t>
             </a:fld>
             <a:endParaRPr lang="en-US" dirty="0"/>
           </a:p>
@@ -3078,7 +3078,7 @@
           <a:p>
             <a:fld id="{4509A250-FF31-4206-8172-F9D3106AACB1}" type="datetimeFigureOut">
               <a:rPr lang="en-US" smtClean="0"/>
-              <a:t>8/12/20</a:t>
+              <a:t>8/23/2020</a:t>
             </a:fld>
             <a:endParaRPr lang="en-US" dirty="0"/>
           </a:p>
@@ -3321,7 +3321,7 @@
           <a:p>
             <a:fld id="{4AAD347D-5ACD-4C99-B74B-A9C85AD731AF}" type="datetimeFigureOut">
               <a:rPr lang="en-US" smtClean="0"/>
-              <a:t>8/12/20</a:t>
+              <a:t>8/23/2020</a:t>
             </a:fld>
             <a:endParaRPr lang="en-US" dirty="0"/>
           </a:p>
@@ -4135,6 +4135,235 @@
   <p:clrMapOvr>
     <a:masterClrMapping/>
   </p:clrMapOvr>
+  <p:timing>
+    <p:tnLst>
+      <p:par>
+        <p:cTn id="1" dur="indefinite" restart="never" nodeType="tmRoot">
+          <p:childTnLst>
+            <p:seq concurrent="1" nextAc="seek">
+              <p:cTn id="2" dur="indefinite" nodeType="mainSeq">
+                <p:childTnLst>
+                  <p:par>
+                    <p:cTn id="3" fill="hold">
+                      <p:stCondLst>
+                        <p:cond delay="indefinite"/>
+                      </p:stCondLst>
+                      <p:childTnLst>
+                        <p:par>
+                          <p:cTn id="4" fill="hold">
+                            <p:stCondLst>
+                              <p:cond delay="0"/>
+                            </p:stCondLst>
+                            <p:childTnLst>
+                              <p:par>
+                                <p:cTn id="5" presetID="1" presetClass="entr" presetSubtype="0" fill="hold" grpId="0" nodeType="clickEffect">
+                                  <p:stCondLst>
+                                    <p:cond delay="0"/>
+                                  </p:stCondLst>
+                                  <p:childTnLst>
+                                    <p:set>
+                                      <p:cBhvr>
+                                        <p:cTn id="6" dur="1" fill="hold">
+                                          <p:stCondLst>
+                                            <p:cond delay="0"/>
+                                          </p:stCondLst>
+                                        </p:cTn>
+                                        <p:tgtEl>
+                                          <p:spTgt spid="3">
+                                            <p:txEl>
+                                              <p:pRg st="0" end="0"/>
+                                            </p:txEl>
+                                          </p:spTgt>
+                                        </p:tgtEl>
+                                        <p:attrNameLst>
+                                          <p:attrName>style.visibility</p:attrName>
+                                        </p:attrNameLst>
+                                      </p:cBhvr>
+                                      <p:to>
+                                        <p:strVal val="visible"/>
+                                      </p:to>
+                                    </p:set>
+                                  </p:childTnLst>
+                                </p:cTn>
+                              </p:par>
+                            </p:childTnLst>
+                          </p:cTn>
+                        </p:par>
+                      </p:childTnLst>
+                    </p:cTn>
+                  </p:par>
+                  <p:par>
+                    <p:cTn id="7" fill="hold">
+                      <p:stCondLst>
+                        <p:cond delay="indefinite"/>
+                      </p:stCondLst>
+                      <p:childTnLst>
+                        <p:par>
+                          <p:cTn id="8" fill="hold">
+                            <p:stCondLst>
+                              <p:cond delay="0"/>
+                            </p:stCondLst>
+                            <p:childTnLst>
+                              <p:par>
+                                <p:cTn id="9" presetID="1" presetClass="entr" presetSubtype="0" fill="hold" grpId="0" nodeType="clickEffect">
+                                  <p:stCondLst>
+                                    <p:cond delay="0"/>
+                                  </p:stCondLst>
+                                  <p:childTnLst>
+                                    <p:set>
+                                      <p:cBhvr>
+                                        <p:cTn id="10" dur="1" fill="hold">
+                                          <p:stCondLst>
+                                            <p:cond delay="0"/>
+                                          </p:stCondLst>
+                                        </p:cTn>
+                                        <p:tgtEl>
+                                          <p:spTgt spid="3">
+                                            <p:txEl>
+                                              <p:pRg st="1" end="1"/>
+                                            </p:txEl>
+                                          </p:spTgt>
+                                        </p:tgtEl>
+                                        <p:attrNameLst>
+                                          <p:attrName>style.visibility</p:attrName>
+                                        </p:attrNameLst>
+                                      </p:cBhvr>
+                                      <p:to>
+                                        <p:strVal val="visible"/>
+                                      </p:to>
+                                    </p:set>
+                                  </p:childTnLst>
+                                </p:cTn>
+                              </p:par>
+                            </p:childTnLst>
+                          </p:cTn>
+                        </p:par>
+                      </p:childTnLst>
+                    </p:cTn>
+                  </p:par>
+                  <p:par>
+                    <p:cTn id="11" fill="hold">
+                      <p:stCondLst>
+                        <p:cond delay="indefinite"/>
+                      </p:stCondLst>
+                      <p:childTnLst>
+                        <p:par>
+                          <p:cTn id="12" fill="hold">
+                            <p:stCondLst>
+                              <p:cond delay="0"/>
+                            </p:stCondLst>
+                            <p:childTnLst>
+                              <p:par>
+                                <p:cTn id="13" presetID="1" presetClass="entr" presetSubtype="0" fill="hold" grpId="0" nodeType="clickEffect">
+                                  <p:stCondLst>
+                                    <p:cond delay="0"/>
+                                  </p:stCondLst>
+                                  <p:childTnLst>
+                                    <p:set>
+                                      <p:cBhvr>
+                                        <p:cTn id="14" dur="1" fill="hold">
+                                          <p:stCondLst>
+                                            <p:cond delay="0"/>
+                                          </p:stCondLst>
+                                        </p:cTn>
+                                        <p:tgtEl>
+                                          <p:spTgt spid="3">
+                                            <p:txEl>
+                                              <p:pRg st="2" end="2"/>
+                                            </p:txEl>
+                                          </p:spTgt>
+                                        </p:tgtEl>
+                                        <p:attrNameLst>
+                                          <p:attrName>style.visibility</p:attrName>
+                                        </p:attrNameLst>
+                                      </p:cBhvr>
+                                      <p:to>
+                                        <p:strVal val="visible"/>
+                                      </p:to>
+                                    </p:set>
+                                  </p:childTnLst>
+                                </p:cTn>
+                              </p:par>
+                            </p:childTnLst>
+                          </p:cTn>
+                        </p:par>
+                      </p:childTnLst>
+                    </p:cTn>
+                  </p:par>
+                  <p:par>
+                    <p:cTn id="15" fill="hold">
+                      <p:stCondLst>
+                        <p:cond delay="indefinite"/>
+                      </p:stCondLst>
+                      <p:childTnLst>
+                        <p:par>
+                          <p:cTn id="16" fill="hold">
+                            <p:stCondLst>
+                              <p:cond delay="0"/>
+                            </p:stCondLst>
+                            <p:childTnLst>
+                              <p:par>
+                                <p:cTn id="17" presetID="1" presetClass="entr" presetSubtype="0" fill="hold" grpId="0" nodeType="clickEffect">
+                                  <p:stCondLst>
+                                    <p:cond delay="0"/>
+                                  </p:stCondLst>
+                                  <p:childTnLst>
+                                    <p:set>
+                                      <p:cBhvr>
+                                        <p:cTn id="18" dur="1" fill="hold">
+                                          <p:stCondLst>
+                                            <p:cond delay="0"/>
+                                          </p:stCondLst>
+                                        </p:cTn>
+                                        <p:tgtEl>
+                                          <p:spTgt spid="3">
+                                            <p:txEl>
+                                              <p:pRg st="4" end="4"/>
+                                            </p:txEl>
+                                          </p:spTgt>
+                                        </p:tgtEl>
+                                        <p:attrNameLst>
+                                          <p:attrName>style.visibility</p:attrName>
+                                        </p:attrNameLst>
+                                      </p:cBhvr>
+                                      <p:to>
+                                        <p:strVal val="visible"/>
+                                      </p:to>
+                                    </p:set>
+                                  </p:childTnLst>
+                                </p:cTn>
+                              </p:par>
+                            </p:childTnLst>
+                          </p:cTn>
+                        </p:par>
+                      </p:childTnLst>
+                    </p:cTn>
+                  </p:par>
+                </p:childTnLst>
+              </p:cTn>
+              <p:prevCondLst>
+                <p:cond evt="onPrev" delay="0">
+                  <p:tgtEl>
+                    <p:sldTgt/>
+                  </p:tgtEl>
+                </p:cond>
+              </p:prevCondLst>
+              <p:nextCondLst>
+                <p:cond evt="onNext" delay="0">
+                  <p:tgtEl>
+                    <p:sldTgt/>
+                  </p:tgtEl>
+                </p:cond>
+              </p:nextCondLst>
+            </p:seq>
+          </p:childTnLst>
+        </p:cTn>
+      </p:par>
+    </p:tnLst>
+    <p:bldLst>
+      <p:bldP spid="3" grpId="0" build="p"/>
+    </p:bldLst>
+  </p:timing>
 </p:sld>
 </file>
 
@@ -4415,7 +4644,7 @@
                             </p:stCondLst>
                             <p:childTnLst>
                               <p:par>
-                                <p:cTn id="5" presetID="1" presetClass="entr" presetSubtype="0" fill="hold" nodeType="clickEffect">
+                                <p:cTn id="5" presetID="1" presetClass="entr" presetSubtype="0" fill="hold" grpId="0" nodeType="clickEffect">
                                   <p:stCondLst>
                                     <p:cond delay="0"/>
                                   </p:stCondLst>
@@ -4430,7 +4659,7 @@
                                         <p:tgtEl>
                                           <p:spTgt spid="3">
                                             <p:txEl>
-                                              <p:pRg st="7" end="7"/>
+                                              <p:pRg st="0" end="0"/>
                                             </p:txEl>
                                           </p:spTgt>
                                         </p:tgtEl>
@@ -4464,7 +4693,7 @@
                             </p:stCondLst>
                             <p:childTnLst>
                               <p:par>
-                                <p:cTn id="9" presetID="1" presetClass="entr" presetSubtype="0" fill="hold" nodeType="clickEffect">
+                                <p:cTn id="9" presetID="1" presetClass="entr" presetSubtype="0" fill="hold" grpId="0" nodeType="clickEffect">
                                   <p:stCondLst>
                                     <p:cond delay="0"/>
                                   </p:stCondLst>
@@ -4472,6 +4701,300 @@
                                     <p:set>
                                       <p:cBhvr>
                                         <p:cTn id="10" dur="1" fill="hold">
+                                          <p:stCondLst>
+                                            <p:cond delay="0"/>
+                                          </p:stCondLst>
+                                        </p:cTn>
+                                        <p:tgtEl>
+                                          <p:spTgt spid="3">
+                                            <p:txEl>
+                                              <p:pRg st="1" end="1"/>
+                                            </p:txEl>
+                                          </p:spTgt>
+                                        </p:tgtEl>
+                                        <p:attrNameLst>
+                                          <p:attrName>style.visibility</p:attrName>
+                                        </p:attrNameLst>
+                                      </p:cBhvr>
+                                      <p:to>
+                                        <p:strVal val="visible"/>
+                                      </p:to>
+                                    </p:set>
+                                  </p:childTnLst>
+                                </p:cTn>
+                              </p:par>
+                            </p:childTnLst>
+                          </p:cTn>
+                        </p:par>
+                      </p:childTnLst>
+                    </p:cTn>
+                  </p:par>
+                  <p:par>
+                    <p:cTn id="11" fill="hold">
+                      <p:stCondLst>
+                        <p:cond delay="indefinite"/>
+                      </p:stCondLst>
+                      <p:childTnLst>
+                        <p:par>
+                          <p:cTn id="12" fill="hold">
+                            <p:stCondLst>
+                              <p:cond delay="0"/>
+                            </p:stCondLst>
+                            <p:childTnLst>
+                              <p:par>
+                                <p:cTn id="13" presetID="1" presetClass="entr" presetSubtype="0" fill="hold" grpId="0" nodeType="clickEffect">
+                                  <p:stCondLst>
+                                    <p:cond delay="0"/>
+                                  </p:stCondLst>
+                                  <p:childTnLst>
+                                    <p:set>
+                                      <p:cBhvr>
+                                        <p:cTn id="14" dur="1" fill="hold">
+                                          <p:stCondLst>
+                                            <p:cond delay="0"/>
+                                          </p:stCondLst>
+                                        </p:cTn>
+                                        <p:tgtEl>
+                                          <p:spTgt spid="3">
+                                            <p:txEl>
+                                              <p:pRg st="2" end="2"/>
+                                            </p:txEl>
+                                          </p:spTgt>
+                                        </p:tgtEl>
+                                        <p:attrNameLst>
+                                          <p:attrName>style.visibility</p:attrName>
+                                        </p:attrNameLst>
+                                      </p:cBhvr>
+                                      <p:to>
+                                        <p:strVal val="visible"/>
+                                      </p:to>
+                                    </p:set>
+                                  </p:childTnLst>
+                                </p:cTn>
+                              </p:par>
+                            </p:childTnLst>
+                          </p:cTn>
+                        </p:par>
+                      </p:childTnLst>
+                    </p:cTn>
+                  </p:par>
+                  <p:par>
+                    <p:cTn id="15" fill="hold">
+                      <p:stCondLst>
+                        <p:cond delay="indefinite"/>
+                      </p:stCondLst>
+                      <p:childTnLst>
+                        <p:par>
+                          <p:cTn id="16" fill="hold">
+                            <p:stCondLst>
+                              <p:cond delay="0"/>
+                            </p:stCondLst>
+                            <p:childTnLst>
+                              <p:par>
+                                <p:cTn id="17" presetID="1" presetClass="entr" presetSubtype="0" fill="hold" grpId="0" nodeType="clickEffect">
+                                  <p:stCondLst>
+                                    <p:cond delay="0"/>
+                                  </p:stCondLst>
+                                  <p:childTnLst>
+                                    <p:set>
+                                      <p:cBhvr>
+                                        <p:cTn id="18" dur="1" fill="hold">
+                                          <p:stCondLst>
+                                            <p:cond delay="0"/>
+                                          </p:stCondLst>
+                                        </p:cTn>
+                                        <p:tgtEl>
+                                          <p:spTgt spid="3">
+                                            <p:txEl>
+                                              <p:pRg st="3" end="3"/>
+                                            </p:txEl>
+                                          </p:spTgt>
+                                        </p:tgtEl>
+                                        <p:attrNameLst>
+                                          <p:attrName>style.visibility</p:attrName>
+                                        </p:attrNameLst>
+                                      </p:cBhvr>
+                                      <p:to>
+                                        <p:strVal val="visible"/>
+                                      </p:to>
+                                    </p:set>
+                                  </p:childTnLst>
+                                </p:cTn>
+                              </p:par>
+                            </p:childTnLst>
+                          </p:cTn>
+                        </p:par>
+                      </p:childTnLst>
+                    </p:cTn>
+                  </p:par>
+                  <p:par>
+                    <p:cTn id="19" fill="hold">
+                      <p:stCondLst>
+                        <p:cond delay="indefinite"/>
+                      </p:stCondLst>
+                      <p:childTnLst>
+                        <p:par>
+                          <p:cTn id="20" fill="hold">
+                            <p:stCondLst>
+                              <p:cond delay="0"/>
+                            </p:stCondLst>
+                            <p:childTnLst>
+                              <p:par>
+                                <p:cTn id="21" presetID="1" presetClass="entr" presetSubtype="0" fill="hold" grpId="0" nodeType="clickEffect">
+                                  <p:stCondLst>
+                                    <p:cond delay="0"/>
+                                  </p:stCondLst>
+                                  <p:childTnLst>
+                                    <p:set>
+                                      <p:cBhvr>
+                                        <p:cTn id="22" dur="1" fill="hold">
+                                          <p:stCondLst>
+                                            <p:cond delay="0"/>
+                                          </p:stCondLst>
+                                        </p:cTn>
+                                        <p:tgtEl>
+                                          <p:spTgt spid="3">
+                                            <p:txEl>
+                                              <p:pRg st="4" end="4"/>
+                                            </p:txEl>
+                                          </p:spTgt>
+                                        </p:tgtEl>
+                                        <p:attrNameLst>
+                                          <p:attrName>style.visibility</p:attrName>
+                                        </p:attrNameLst>
+                                      </p:cBhvr>
+                                      <p:to>
+                                        <p:strVal val="visible"/>
+                                      </p:to>
+                                    </p:set>
+                                  </p:childTnLst>
+                                </p:cTn>
+                              </p:par>
+                            </p:childTnLst>
+                          </p:cTn>
+                        </p:par>
+                      </p:childTnLst>
+                    </p:cTn>
+                  </p:par>
+                  <p:par>
+                    <p:cTn id="23" fill="hold">
+                      <p:stCondLst>
+                        <p:cond delay="indefinite"/>
+                      </p:stCondLst>
+                      <p:childTnLst>
+                        <p:par>
+                          <p:cTn id="24" fill="hold">
+                            <p:stCondLst>
+                              <p:cond delay="0"/>
+                            </p:stCondLst>
+                            <p:childTnLst>
+                              <p:par>
+                                <p:cTn id="25" presetID="1" presetClass="entr" presetSubtype="0" fill="hold" grpId="0" nodeType="clickEffect">
+                                  <p:stCondLst>
+                                    <p:cond delay="0"/>
+                                  </p:stCondLst>
+                                  <p:childTnLst>
+                                    <p:set>
+                                      <p:cBhvr>
+                                        <p:cTn id="26" dur="1" fill="hold">
+                                          <p:stCondLst>
+                                            <p:cond delay="0"/>
+                                          </p:stCondLst>
+                                        </p:cTn>
+                                        <p:tgtEl>
+                                          <p:spTgt spid="3">
+                                            <p:txEl>
+                                              <p:pRg st="5" end="5"/>
+                                            </p:txEl>
+                                          </p:spTgt>
+                                        </p:tgtEl>
+                                        <p:attrNameLst>
+                                          <p:attrName>style.visibility</p:attrName>
+                                        </p:attrNameLst>
+                                      </p:cBhvr>
+                                      <p:to>
+                                        <p:strVal val="visible"/>
+                                      </p:to>
+                                    </p:set>
+                                  </p:childTnLst>
+                                </p:cTn>
+                              </p:par>
+                            </p:childTnLst>
+                          </p:cTn>
+                        </p:par>
+                      </p:childTnLst>
+                    </p:cTn>
+                  </p:par>
+                  <p:par>
+                    <p:cTn id="27" fill="hold">
+                      <p:stCondLst>
+                        <p:cond delay="indefinite"/>
+                      </p:stCondLst>
+                      <p:childTnLst>
+                        <p:par>
+                          <p:cTn id="28" fill="hold">
+                            <p:stCondLst>
+                              <p:cond delay="0"/>
+                            </p:stCondLst>
+                            <p:childTnLst>
+                              <p:par>
+                                <p:cTn id="29" presetID="1" presetClass="entr" presetSubtype="0" fill="hold" grpId="0" nodeType="clickEffect">
+                                  <p:stCondLst>
+                                    <p:cond delay="0"/>
+                                  </p:stCondLst>
+                                  <p:childTnLst>
+                                    <p:set>
+                                      <p:cBhvr>
+                                        <p:cTn id="30" dur="1" fill="hold">
+                                          <p:stCondLst>
+                                            <p:cond delay="0"/>
+                                          </p:stCondLst>
+                                        </p:cTn>
+                                        <p:tgtEl>
+                                          <p:spTgt spid="3">
+                                            <p:txEl>
+                                              <p:pRg st="7" end="7"/>
+                                            </p:txEl>
+                                          </p:spTgt>
+                                        </p:tgtEl>
+                                        <p:attrNameLst>
+                                          <p:attrName>style.visibility</p:attrName>
+                                        </p:attrNameLst>
+                                      </p:cBhvr>
+                                      <p:to>
+                                        <p:strVal val="visible"/>
+                                      </p:to>
+                                    </p:set>
+                                  </p:childTnLst>
+                                </p:cTn>
+                              </p:par>
+                            </p:childTnLst>
+                          </p:cTn>
+                        </p:par>
+                      </p:childTnLst>
+                    </p:cTn>
+                  </p:par>
+                  <p:par>
+                    <p:cTn id="31" fill="hold">
+                      <p:stCondLst>
+                        <p:cond delay="indefinite"/>
+                      </p:stCondLst>
+                      <p:childTnLst>
+                        <p:par>
+                          <p:cTn id="32" fill="hold">
+                            <p:stCondLst>
+                              <p:cond delay="0"/>
+                            </p:stCondLst>
+                            <p:childTnLst>
+                              <p:par>
+                                <p:cTn id="33" presetID="1" presetClass="entr" presetSubtype="0" fill="hold" grpId="0" nodeType="clickEffect">
+                                  <p:stCondLst>
+                                    <p:cond delay="0"/>
+                                  </p:stCondLst>
+                                  <p:childTnLst>
+                                    <p:set>
+                                      <p:cBhvr>
+                                        <p:cTn id="34" dur="1" fill="hold">
                                           <p:stCondLst>
                                             <p:cond delay="0"/>
                                           </p:stCondLst>
@@ -4521,6 +5044,9 @@
         </p:cTn>
       </p:par>
     </p:tnLst>
+    <p:bldLst>
+      <p:bldP spid="3" grpId="0" build="p"/>
+    </p:bldLst>
   </p:timing>
 </p:sld>
 </file>
@@ -9956,6 +10482,656 @@
   <p:clrMapOvr>
     <a:masterClrMapping/>
   </p:clrMapOvr>
+  <p:timing>
+    <p:tnLst>
+      <p:par>
+        <p:cTn id="1" dur="indefinite" restart="never" nodeType="tmRoot">
+          <p:childTnLst>
+            <p:seq concurrent="1" nextAc="seek">
+              <p:cTn id="2" dur="indefinite" nodeType="mainSeq">
+                <p:childTnLst>
+                  <p:par>
+                    <p:cTn id="3" fill="hold">
+                      <p:stCondLst>
+                        <p:cond delay="indefinite"/>
+                      </p:stCondLst>
+                      <p:childTnLst>
+                        <p:par>
+                          <p:cTn id="4" fill="hold">
+                            <p:stCondLst>
+                              <p:cond delay="0"/>
+                            </p:stCondLst>
+                            <p:childTnLst>
+                              <p:par>
+                                <p:cTn id="5" presetID="1" presetClass="entr" presetSubtype="0" fill="hold" grpId="0" nodeType="clickEffect">
+                                  <p:stCondLst>
+                                    <p:cond delay="0"/>
+                                  </p:stCondLst>
+                                  <p:childTnLst>
+                                    <p:set>
+                                      <p:cBhvr>
+                                        <p:cTn id="6" dur="1" fill="hold">
+                                          <p:stCondLst>
+                                            <p:cond delay="0"/>
+                                          </p:stCondLst>
+                                        </p:cTn>
+                                        <p:tgtEl>
+                                          <p:spTgt spid="3">
+                                            <p:txEl>
+                                              <p:pRg st="0" end="0"/>
+                                            </p:txEl>
+                                          </p:spTgt>
+                                        </p:tgtEl>
+                                        <p:attrNameLst>
+                                          <p:attrName>style.visibility</p:attrName>
+                                        </p:attrNameLst>
+                                      </p:cBhvr>
+                                      <p:to>
+                                        <p:strVal val="visible"/>
+                                      </p:to>
+                                    </p:set>
+                                  </p:childTnLst>
+                                </p:cTn>
+                              </p:par>
+                            </p:childTnLst>
+                          </p:cTn>
+                        </p:par>
+                      </p:childTnLst>
+                    </p:cTn>
+                  </p:par>
+                  <p:par>
+                    <p:cTn id="7" fill="hold">
+                      <p:stCondLst>
+                        <p:cond delay="indefinite"/>
+                      </p:stCondLst>
+                      <p:childTnLst>
+                        <p:par>
+                          <p:cTn id="8" fill="hold">
+                            <p:stCondLst>
+                              <p:cond delay="0"/>
+                            </p:stCondLst>
+                            <p:childTnLst>
+                              <p:par>
+                                <p:cTn id="9" presetID="1" presetClass="entr" presetSubtype="0" fill="hold" grpId="0" nodeType="clickEffect">
+                                  <p:stCondLst>
+                                    <p:cond delay="0"/>
+                                  </p:stCondLst>
+                                  <p:childTnLst>
+                                    <p:set>
+                                      <p:cBhvr>
+                                        <p:cTn id="10" dur="1" fill="hold">
+                                          <p:stCondLst>
+                                            <p:cond delay="0"/>
+                                          </p:stCondLst>
+                                        </p:cTn>
+                                        <p:tgtEl>
+                                          <p:spTgt spid="3">
+                                            <p:txEl>
+                                              <p:pRg st="1" end="1"/>
+                                            </p:txEl>
+                                          </p:spTgt>
+                                        </p:tgtEl>
+                                        <p:attrNameLst>
+                                          <p:attrName>style.visibility</p:attrName>
+                                        </p:attrNameLst>
+                                      </p:cBhvr>
+                                      <p:to>
+                                        <p:strVal val="visible"/>
+                                      </p:to>
+                                    </p:set>
+                                  </p:childTnLst>
+                                </p:cTn>
+                              </p:par>
+                            </p:childTnLst>
+                          </p:cTn>
+                        </p:par>
+                      </p:childTnLst>
+                    </p:cTn>
+                  </p:par>
+                  <p:par>
+                    <p:cTn id="11" fill="hold">
+                      <p:stCondLst>
+                        <p:cond delay="indefinite"/>
+                      </p:stCondLst>
+                      <p:childTnLst>
+                        <p:par>
+                          <p:cTn id="12" fill="hold">
+                            <p:stCondLst>
+                              <p:cond delay="0"/>
+                            </p:stCondLst>
+                            <p:childTnLst>
+                              <p:par>
+                                <p:cTn id="13" presetID="1" presetClass="entr" presetSubtype="0" fill="hold" grpId="0" nodeType="clickEffect">
+                                  <p:stCondLst>
+                                    <p:cond delay="0"/>
+                                  </p:stCondLst>
+                                  <p:childTnLst>
+                                    <p:set>
+                                      <p:cBhvr>
+                                        <p:cTn id="14" dur="1" fill="hold">
+                                          <p:stCondLst>
+                                            <p:cond delay="0"/>
+                                          </p:stCondLst>
+                                        </p:cTn>
+                                        <p:tgtEl>
+                                          <p:spTgt spid="3">
+                                            <p:txEl>
+                                              <p:pRg st="2" end="2"/>
+                                            </p:txEl>
+                                          </p:spTgt>
+                                        </p:tgtEl>
+                                        <p:attrNameLst>
+                                          <p:attrName>style.visibility</p:attrName>
+                                        </p:attrNameLst>
+                                      </p:cBhvr>
+                                      <p:to>
+                                        <p:strVal val="visible"/>
+                                      </p:to>
+                                    </p:set>
+                                  </p:childTnLst>
+                                </p:cTn>
+                              </p:par>
+                              <p:par>
+                                <p:cTn id="15" presetID="1" presetClass="entr" presetSubtype="0" fill="hold" grpId="0" nodeType="withEffect">
+                                  <p:stCondLst>
+                                    <p:cond delay="0"/>
+                                  </p:stCondLst>
+                                  <p:childTnLst>
+                                    <p:set>
+                                      <p:cBhvr>
+                                        <p:cTn id="16" dur="1" fill="hold">
+                                          <p:stCondLst>
+                                            <p:cond delay="0"/>
+                                          </p:stCondLst>
+                                        </p:cTn>
+                                        <p:tgtEl>
+                                          <p:spTgt spid="3">
+                                            <p:txEl>
+                                              <p:pRg st="3" end="3"/>
+                                            </p:txEl>
+                                          </p:spTgt>
+                                        </p:tgtEl>
+                                        <p:attrNameLst>
+                                          <p:attrName>style.visibility</p:attrName>
+                                        </p:attrNameLst>
+                                      </p:cBhvr>
+                                      <p:to>
+                                        <p:strVal val="visible"/>
+                                      </p:to>
+                                    </p:set>
+                                  </p:childTnLst>
+                                </p:cTn>
+                              </p:par>
+                              <p:par>
+                                <p:cTn id="17" presetID="1" presetClass="entr" presetSubtype="0" fill="hold" grpId="0" nodeType="withEffect">
+                                  <p:stCondLst>
+                                    <p:cond delay="0"/>
+                                  </p:stCondLst>
+                                  <p:childTnLst>
+                                    <p:set>
+                                      <p:cBhvr>
+                                        <p:cTn id="18" dur="1" fill="hold">
+                                          <p:stCondLst>
+                                            <p:cond delay="0"/>
+                                          </p:stCondLst>
+                                        </p:cTn>
+                                        <p:tgtEl>
+                                          <p:spTgt spid="3">
+                                            <p:txEl>
+                                              <p:pRg st="4" end="4"/>
+                                            </p:txEl>
+                                          </p:spTgt>
+                                        </p:tgtEl>
+                                        <p:attrNameLst>
+                                          <p:attrName>style.visibility</p:attrName>
+                                        </p:attrNameLst>
+                                      </p:cBhvr>
+                                      <p:to>
+                                        <p:strVal val="visible"/>
+                                      </p:to>
+                                    </p:set>
+                                  </p:childTnLst>
+                                </p:cTn>
+                              </p:par>
+                              <p:par>
+                                <p:cTn id="19" presetID="1" presetClass="entr" presetSubtype="0" fill="hold" grpId="0" nodeType="withEffect">
+                                  <p:stCondLst>
+                                    <p:cond delay="0"/>
+                                  </p:stCondLst>
+                                  <p:childTnLst>
+                                    <p:set>
+                                      <p:cBhvr>
+                                        <p:cTn id="20" dur="1" fill="hold">
+                                          <p:stCondLst>
+                                            <p:cond delay="0"/>
+                                          </p:stCondLst>
+                                        </p:cTn>
+                                        <p:tgtEl>
+                                          <p:spTgt spid="3">
+                                            <p:txEl>
+                                              <p:pRg st="5" end="5"/>
+                                            </p:txEl>
+                                          </p:spTgt>
+                                        </p:tgtEl>
+                                        <p:attrNameLst>
+                                          <p:attrName>style.visibility</p:attrName>
+                                        </p:attrNameLst>
+                                      </p:cBhvr>
+                                      <p:to>
+                                        <p:strVal val="visible"/>
+                                      </p:to>
+                                    </p:set>
+                                  </p:childTnLst>
+                                </p:cTn>
+                              </p:par>
+                              <p:par>
+                                <p:cTn id="21" presetID="1" presetClass="entr" presetSubtype="0" fill="hold" grpId="0" nodeType="withEffect">
+                                  <p:stCondLst>
+                                    <p:cond delay="0"/>
+                                  </p:stCondLst>
+                                  <p:childTnLst>
+                                    <p:set>
+                                      <p:cBhvr>
+                                        <p:cTn id="22" dur="1" fill="hold">
+                                          <p:stCondLst>
+                                            <p:cond delay="0"/>
+                                          </p:stCondLst>
+                                        </p:cTn>
+                                        <p:tgtEl>
+                                          <p:spTgt spid="3">
+                                            <p:txEl>
+                                              <p:pRg st="6" end="6"/>
+                                            </p:txEl>
+                                          </p:spTgt>
+                                        </p:tgtEl>
+                                        <p:attrNameLst>
+                                          <p:attrName>style.visibility</p:attrName>
+                                        </p:attrNameLst>
+                                      </p:cBhvr>
+                                      <p:to>
+                                        <p:strVal val="visible"/>
+                                      </p:to>
+                                    </p:set>
+                                  </p:childTnLst>
+                                </p:cTn>
+                              </p:par>
+                              <p:par>
+                                <p:cTn id="23" presetID="1" presetClass="entr" presetSubtype="0" fill="hold" grpId="0" nodeType="withEffect">
+                                  <p:stCondLst>
+                                    <p:cond delay="0"/>
+                                  </p:stCondLst>
+                                  <p:childTnLst>
+                                    <p:set>
+                                      <p:cBhvr>
+                                        <p:cTn id="24" dur="1" fill="hold">
+                                          <p:stCondLst>
+                                            <p:cond delay="0"/>
+                                          </p:stCondLst>
+                                        </p:cTn>
+                                        <p:tgtEl>
+                                          <p:spTgt spid="3">
+                                            <p:txEl>
+                                              <p:pRg st="7" end="7"/>
+                                            </p:txEl>
+                                          </p:spTgt>
+                                        </p:tgtEl>
+                                        <p:attrNameLst>
+                                          <p:attrName>style.visibility</p:attrName>
+                                        </p:attrNameLst>
+                                      </p:cBhvr>
+                                      <p:to>
+                                        <p:strVal val="visible"/>
+                                      </p:to>
+                                    </p:set>
+                                  </p:childTnLst>
+                                </p:cTn>
+                              </p:par>
+                            </p:childTnLst>
+                          </p:cTn>
+                        </p:par>
+                      </p:childTnLst>
+                    </p:cTn>
+                  </p:par>
+                  <p:par>
+                    <p:cTn id="25" fill="hold">
+                      <p:stCondLst>
+                        <p:cond delay="indefinite"/>
+                      </p:stCondLst>
+                      <p:childTnLst>
+                        <p:par>
+                          <p:cTn id="26" fill="hold">
+                            <p:stCondLst>
+                              <p:cond delay="0"/>
+                            </p:stCondLst>
+                            <p:childTnLst>
+                              <p:par>
+                                <p:cTn id="27" presetID="1" presetClass="entr" presetSubtype="0" fill="hold" grpId="0" nodeType="clickEffect">
+                                  <p:stCondLst>
+                                    <p:cond delay="0"/>
+                                  </p:stCondLst>
+                                  <p:childTnLst>
+                                    <p:set>
+                                      <p:cBhvr>
+                                        <p:cTn id="28" dur="1" fill="hold">
+                                          <p:stCondLst>
+                                            <p:cond delay="0"/>
+                                          </p:stCondLst>
+                                        </p:cTn>
+                                        <p:tgtEl>
+                                          <p:spTgt spid="3">
+                                            <p:txEl>
+                                              <p:pRg st="8" end="8"/>
+                                            </p:txEl>
+                                          </p:spTgt>
+                                        </p:tgtEl>
+                                        <p:attrNameLst>
+                                          <p:attrName>style.visibility</p:attrName>
+                                        </p:attrNameLst>
+                                      </p:cBhvr>
+                                      <p:to>
+                                        <p:strVal val="visible"/>
+                                      </p:to>
+                                    </p:set>
+                                  </p:childTnLst>
+                                </p:cTn>
+                              </p:par>
+                              <p:par>
+                                <p:cTn id="29" presetID="1" presetClass="entr" presetSubtype="0" fill="hold" grpId="0" nodeType="withEffect">
+                                  <p:stCondLst>
+                                    <p:cond delay="0"/>
+                                  </p:stCondLst>
+                                  <p:childTnLst>
+                                    <p:set>
+                                      <p:cBhvr>
+                                        <p:cTn id="30" dur="1" fill="hold">
+                                          <p:stCondLst>
+                                            <p:cond delay="0"/>
+                                          </p:stCondLst>
+                                        </p:cTn>
+                                        <p:tgtEl>
+                                          <p:spTgt spid="3">
+                                            <p:txEl>
+                                              <p:pRg st="9" end="9"/>
+                                            </p:txEl>
+                                          </p:spTgt>
+                                        </p:tgtEl>
+                                        <p:attrNameLst>
+                                          <p:attrName>style.visibility</p:attrName>
+                                        </p:attrNameLst>
+                                      </p:cBhvr>
+                                      <p:to>
+                                        <p:strVal val="visible"/>
+                                      </p:to>
+                                    </p:set>
+                                  </p:childTnLst>
+                                </p:cTn>
+                              </p:par>
+                              <p:par>
+                                <p:cTn id="31" presetID="1" presetClass="entr" presetSubtype="0" fill="hold" grpId="0" nodeType="withEffect">
+                                  <p:stCondLst>
+                                    <p:cond delay="0"/>
+                                  </p:stCondLst>
+                                  <p:childTnLst>
+                                    <p:set>
+                                      <p:cBhvr>
+                                        <p:cTn id="32" dur="1" fill="hold">
+                                          <p:stCondLst>
+                                            <p:cond delay="0"/>
+                                          </p:stCondLst>
+                                        </p:cTn>
+                                        <p:tgtEl>
+                                          <p:spTgt spid="3">
+                                            <p:txEl>
+                                              <p:pRg st="10" end="10"/>
+                                            </p:txEl>
+                                          </p:spTgt>
+                                        </p:tgtEl>
+                                        <p:attrNameLst>
+                                          <p:attrName>style.visibility</p:attrName>
+                                        </p:attrNameLst>
+                                      </p:cBhvr>
+                                      <p:to>
+                                        <p:strVal val="visible"/>
+                                      </p:to>
+                                    </p:set>
+                                  </p:childTnLst>
+                                </p:cTn>
+                              </p:par>
+                              <p:par>
+                                <p:cTn id="33" presetID="1" presetClass="entr" presetSubtype="0" fill="hold" grpId="0" nodeType="withEffect">
+                                  <p:stCondLst>
+                                    <p:cond delay="0"/>
+                                  </p:stCondLst>
+                                  <p:childTnLst>
+                                    <p:set>
+                                      <p:cBhvr>
+                                        <p:cTn id="34" dur="1" fill="hold">
+                                          <p:stCondLst>
+                                            <p:cond delay="0"/>
+                                          </p:stCondLst>
+                                        </p:cTn>
+                                        <p:tgtEl>
+                                          <p:spTgt spid="3">
+                                            <p:txEl>
+                                              <p:pRg st="11" end="11"/>
+                                            </p:txEl>
+                                          </p:spTgt>
+                                        </p:tgtEl>
+                                        <p:attrNameLst>
+                                          <p:attrName>style.visibility</p:attrName>
+                                        </p:attrNameLst>
+                                      </p:cBhvr>
+                                      <p:to>
+                                        <p:strVal val="visible"/>
+                                      </p:to>
+                                    </p:set>
+                                  </p:childTnLst>
+                                </p:cTn>
+                              </p:par>
+                              <p:par>
+                                <p:cTn id="35" presetID="1" presetClass="entr" presetSubtype="0" fill="hold" grpId="0" nodeType="withEffect">
+                                  <p:stCondLst>
+                                    <p:cond delay="0"/>
+                                  </p:stCondLst>
+                                  <p:childTnLst>
+                                    <p:set>
+                                      <p:cBhvr>
+                                        <p:cTn id="36" dur="1" fill="hold">
+                                          <p:stCondLst>
+                                            <p:cond delay="0"/>
+                                          </p:stCondLst>
+                                        </p:cTn>
+                                        <p:tgtEl>
+                                          <p:spTgt spid="3">
+                                            <p:txEl>
+                                              <p:pRg st="12" end="12"/>
+                                            </p:txEl>
+                                          </p:spTgt>
+                                        </p:tgtEl>
+                                        <p:attrNameLst>
+                                          <p:attrName>style.visibility</p:attrName>
+                                        </p:attrNameLst>
+                                      </p:cBhvr>
+                                      <p:to>
+                                        <p:strVal val="visible"/>
+                                      </p:to>
+                                    </p:set>
+                                  </p:childTnLst>
+                                </p:cTn>
+                              </p:par>
+                              <p:par>
+                                <p:cTn id="37" presetID="1" presetClass="entr" presetSubtype="0" fill="hold" grpId="0" nodeType="withEffect">
+                                  <p:stCondLst>
+                                    <p:cond delay="0"/>
+                                  </p:stCondLst>
+                                  <p:childTnLst>
+                                    <p:set>
+                                      <p:cBhvr>
+                                        <p:cTn id="38" dur="1" fill="hold">
+                                          <p:stCondLst>
+                                            <p:cond delay="0"/>
+                                          </p:stCondLst>
+                                        </p:cTn>
+                                        <p:tgtEl>
+                                          <p:spTgt spid="3">
+                                            <p:txEl>
+                                              <p:pRg st="13" end="13"/>
+                                            </p:txEl>
+                                          </p:spTgt>
+                                        </p:tgtEl>
+                                        <p:attrNameLst>
+                                          <p:attrName>style.visibility</p:attrName>
+                                        </p:attrNameLst>
+                                      </p:cBhvr>
+                                      <p:to>
+                                        <p:strVal val="visible"/>
+                                      </p:to>
+                                    </p:set>
+                                  </p:childTnLst>
+                                </p:cTn>
+                              </p:par>
+                            </p:childTnLst>
+                          </p:cTn>
+                        </p:par>
+                      </p:childTnLst>
+                    </p:cTn>
+                  </p:par>
+                  <p:par>
+                    <p:cTn id="39" fill="hold">
+                      <p:stCondLst>
+                        <p:cond delay="indefinite"/>
+                      </p:stCondLst>
+                      <p:childTnLst>
+                        <p:par>
+                          <p:cTn id="40" fill="hold">
+                            <p:stCondLst>
+                              <p:cond delay="0"/>
+                            </p:stCondLst>
+                            <p:childTnLst>
+                              <p:par>
+                                <p:cTn id="41" presetID="1" presetClass="entr" presetSubtype="0" fill="hold" grpId="0" nodeType="clickEffect">
+                                  <p:stCondLst>
+                                    <p:cond delay="0"/>
+                                  </p:stCondLst>
+                                  <p:childTnLst>
+                                    <p:set>
+                                      <p:cBhvr>
+                                        <p:cTn id="42" dur="1" fill="hold">
+                                          <p:stCondLst>
+                                            <p:cond delay="0"/>
+                                          </p:stCondLst>
+                                        </p:cTn>
+                                        <p:tgtEl>
+                                          <p:spTgt spid="3">
+                                            <p:txEl>
+                                              <p:pRg st="14" end="14"/>
+                                            </p:txEl>
+                                          </p:spTgt>
+                                        </p:tgtEl>
+                                        <p:attrNameLst>
+                                          <p:attrName>style.visibility</p:attrName>
+                                        </p:attrNameLst>
+                                      </p:cBhvr>
+                                      <p:to>
+                                        <p:strVal val="visible"/>
+                                      </p:to>
+                                    </p:set>
+                                  </p:childTnLst>
+                                </p:cTn>
+                              </p:par>
+                              <p:par>
+                                <p:cTn id="43" presetID="1" presetClass="entr" presetSubtype="0" fill="hold" grpId="0" nodeType="withEffect">
+                                  <p:stCondLst>
+                                    <p:cond delay="0"/>
+                                  </p:stCondLst>
+                                  <p:childTnLst>
+                                    <p:set>
+                                      <p:cBhvr>
+                                        <p:cTn id="44" dur="1" fill="hold">
+                                          <p:stCondLst>
+                                            <p:cond delay="0"/>
+                                          </p:stCondLst>
+                                        </p:cTn>
+                                        <p:tgtEl>
+                                          <p:spTgt spid="3">
+                                            <p:txEl>
+                                              <p:pRg st="15" end="15"/>
+                                            </p:txEl>
+                                          </p:spTgt>
+                                        </p:tgtEl>
+                                        <p:attrNameLst>
+                                          <p:attrName>style.visibility</p:attrName>
+                                        </p:attrNameLst>
+                                      </p:cBhvr>
+                                      <p:to>
+                                        <p:strVal val="visible"/>
+                                      </p:to>
+                                    </p:set>
+                                  </p:childTnLst>
+                                </p:cTn>
+                              </p:par>
+                              <p:par>
+                                <p:cTn id="45" presetID="1" presetClass="entr" presetSubtype="0" fill="hold" grpId="0" nodeType="withEffect">
+                                  <p:stCondLst>
+                                    <p:cond delay="0"/>
+                                  </p:stCondLst>
+                                  <p:childTnLst>
+                                    <p:set>
+                                      <p:cBhvr>
+                                        <p:cTn id="46" dur="1" fill="hold">
+                                          <p:stCondLst>
+                                            <p:cond delay="0"/>
+                                          </p:stCondLst>
+                                        </p:cTn>
+                                        <p:tgtEl>
+                                          <p:spTgt spid="3">
+                                            <p:txEl>
+                                              <p:pRg st="16" end="16"/>
+                                            </p:txEl>
+                                          </p:spTgt>
+                                        </p:tgtEl>
+                                        <p:attrNameLst>
+                                          <p:attrName>style.visibility</p:attrName>
+                                        </p:attrNameLst>
+                                      </p:cBhvr>
+                                      <p:to>
+                                        <p:strVal val="visible"/>
+                                      </p:to>
+                                    </p:set>
+                                  </p:childTnLst>
+                                </p:cTn>
+                              </p:par>
+                            </p:childTnLst>
+                          </p:cTn>
+                        </p:par>
+                      </p:childTnLst>
+                    </p:cTn>
+                  </p:par>
+                </p:childTnLst>
+              </p:cTn>
+              <p:prevCondLst>
+                <p:cond evt="onPrev" delay="0">
+                  <p:tgtEl>
+                    <p:sldTgt/>
+                  </p:tgtEl>
+                </p:cond>
+              </p:prevCondLst>
+              <p:nextCondLst>
+                <p:cond evt="onNext" delay="0">
+                  <p:tgtEl>
+                    <p:sldTgt/>
+                  </p:tgtEl>
+                </p:cond>
+              </p:nextCondLst>
+            </p:seq>
+          </p:childTnLst>
+        </p:cTn>
+      </p:par>
+    </p:tnLst>
+    <p:bldLst>
+      <p:bldP spid="3" grpId="0" build="p"/>
+    </p:bldLst>
+  </p:timing>
 </p:sld>
 </file>
 
@@ -10223,6 +11399,395 @@
   <p:clrMapOvr>
     <a:masterClrMapping/>
   </p:clrMapOvr>
+  <p:timing>
+    <p:tnLst>
+      <p:par>
+        <p:cTn id="1" dur="indefinite" restart="never" nodeType="tmRoot">
+          <p:childTnLst>
+            <p:seq concurrent="1" nextAc="seek">
+              <p:cTn id="2" dur="indefinite" nodeType="mainSeq">
+                <p:childTnLst>
+                  <p:par>
+                    <p:cTn id="3" fill="hold">
+                      <p:stCondLst>
+                        <p:cond delay="indefinite"/>
+                      </p:stCondLst>
+                      <p:childTnLst>
+                        <p:par>
+                          <p:cTn id="4" fill="hold">
+                            <p:stCondLst>
+                              <p:cond delay="0"/>
+                            </p:stCondLst>
+                            <p:childTnLst>
+                              <p:par>
+                                <p:cTn id="5" presetID="1" presetClass="entr" presetSubtype="0" fill="hold" grpId="0" nodeType="clickEffect">
+                                  <p:stCondLst>
+                                    <p:cond delay="0"/>
+                                  </p:stCondLst>
+                                  <p:childTnLst>
+                                    <p:set>
+                                      <p:cBhvr>
+                                        <p:cTn id="6" dur="1" fill="hold">
+                                          <p:stCondLst>
+                                            <p:cond delay="0"/>
+                                          </p:stCondLst>
+                                        </p:cTn>
+                                        <p:tgtEl>
+                                          <p:spTgt spid="3">
+                                            <p:txEl>
+                                              <p:pRg st="0" end="0"/>
+                                            </p:txEl>
+                                          </p:spTgt>
+                                        </p:tgtEl>
+                                        <p:attrNameLst>
+                                          <p:attrName>style.visibility</p:attrName>
+                                        </p:attrNameLst>
+                                      </p:cBhvr>
+                                      <p:to>
+                                        <p:strVal val="visible"/>
+                                      </p:to>
+                                    </p:set>
+                                  </p:childTnLst>
+                                </p:cTn>
+                              </p:par>
+                              <p:par>
+                                <p:cTn id="7" presetID="1" presetClass="entr" presetSubtype="0" fill="hold" grpId="0" nodeType="withEffect">
+                                  <p:stCondLst>
+                                    <p:cond delay="0"/>
+                                  </p:stCondLst>
+                                  <p:childTnLst>
+                                    <p:set>
+                                      <p:cBhvr>
+                                        <p:cTn id="8" dur="1" fill="hold">
+                                          <p:stCondLst>
+                                            <p:cond delay="0"/>
+                                          </p:stCondLst>
+                                        </p:cTn>
+                                        <p:tgtEl>
+                                          <p:spTgt spid="3">
+                                            <p:txEl>
+                                              <p:pRg st="1" end="1"/>
+                                            </p:txEl>
+                                          </p:spTgt>
+                                        </p:tgtEl>
+                                        <p:attrNameLst>
+                                          <p:attrName>style.visibility</p:attrName>
+                                        </p:attrNameLst>
+                                      </p:cBhvr>
+                                      <p:to>
+                                        <p:strVal val="visible"/>
+                                      </p:to>
+                                    </p:set>
+                                  </p:childTnLst>
+                                </p:cTn>
+                              </p:par>
+                              <p:par>
+                                <p:cTn id="9" presetID="1" presetClass="entr" presetSubtype="0" fill="hold" grpId="0" nodeType="withEffect">
+                                  <p:stCondLst>
+                                    <p:cond delay="0"/>
+                                  </p:stCondLst>
+                                  <p:childTnLst>
+                                    <p:set>
+                                      <p:cBhvr>
+                                        <p:cTn id="10" dur="1" fill="hold">
+                                          <p:stCondLst>
+                                            <p:cond delay="0"/>
+                                          </p:stCondLst>
+                                        </p:cTn>
+                                        <p:tgtEl>
+                                          <p:spTgt spid="3">
+                                            <p:txEl>
+                                              <p:pRg st="2" end="2"/>
+                                            </p:txEl>
+                                          </p:spTgt>
+                                        </p:tgtEl>
+                                        <p:attrNameLst>
+                                          <p:attrName>style.visibility</p:attrName>
+                                        </p:attrNameLst>
+                                      </p:cBhvr>
+                                      <p:to>
+                                        <p:strVal val="visible"/>
+                                      </p:to>
+                                    </p:set>
+                                  </p:childTnLst>
+                                </p:cTn>
+                              </p:par>
+                            </p:childTnLst>
+                          </p:cTn>
+                        </p:par>
+                      </p:childTnLst>
+                    </p:cTn>
+                  </p:par>
+                  <p:par>
+                    <p:cTn id="11" fill="hold">
+                      <p:stCondLst>
+                        <p:cond delay="indefinite"/>
+                      </p:stCondLst>
+                      <p:childTnLst>
+                        <p:par>
+                          <p:cTn id="12" fill="hold">
+                            <p:stCondLst>
+                              <p:cond delay="0"/>
+                            </p:stCondLst>
+                            <p:childTnLst>
+                              <p:par>
+                                <p:cTn id="13" presetID="1" presetClass="entr" presetSubtype="0" fill="hold" grpId="0" nodeType="clickEffect">
+                                  <p:stCondLst>
+                                    <p:cond delay="0"/>
+                                  </p:stCondLst>
+                                  <p:childTnLst>
+                                    <p:set>
+                                      <p:cBhvr>
+                                        <p:cTn id="14" dur="1" fill="hold">
+                                          <p:stCondLst>
+                                            <p:cond delay="0"/>
+                                          </p:stCondLst>
+                                        </p:cTn>
+                                        <p:tgtEl>
+                                          <p:spTgt spid="3">
+                                            <p:txEl>
+                                              <p:pRg st="3" end="3"/>
+                                            </p:txEl>
+                                          </p:spTgt>
+                                        </p:tgtEl>
+                                        <p:attrNameLst>
+                                          <p:attrName>style.visibility</p:attrName>
+                                        </p:attrNameLst>
+                                      </p:cBhvr>
+                                      <p:to>
+                                        <p:strVal val="visible"/>
+                                      </p:to>
+                                    </p:set>
+                                  </p:childTnLst>
+                                </p:cTn>
+                              </p:par>
+                            </p:childTnLst>
+                          </p:cTn>
+                        </p:par>
+                      </p:childTnLst>
+                    </p:cTn>
+                  </p:par>
+                  <p:par>
+                    <p:cTn id="15" fill="hold">
+                      <p:stCondLst>
+                        <p:cond delay="indefinite"/>
+                      </p:stCondLst>
+                      <p:childTnLst>
+                        <p:par>
+                          <p:cTn id="16" fill="hold">
+                            <p:stCondLst>
+                              <p:cond delay="0"/>
+                            </p:stCondLst>
+                            <p:childTnLst>
+                              <p:par>
+                                <p:cTn id="17" presetID="1" presetClass="entr" presetSubtype="0" fill="hold" grpId="0" nodeType="clickEffect">
+                                  <p:stCondLst>
+                                    <p:cond delay="0"/>
+                                  </p:stCondLst>
+                                  <p:childTnLst>
+                                    <p:set>
+                                      <p:cBhvr>
+                                        <p:cTn id="18" dur="1" fill="hold">
+                                          <p:stCondLst>
+                                            <p:cond delay="0"/>
+                                          </p:stCondLst>
+                                        </p:cTn>
+                                        <p:tgtEl>
+                                          <p:spTgt spid="3">
+                                            <p:txEl>
+                                              <p:pRg st="4" end="4"/>
+                                            </p:txEl>
+                                          </p:spTgt>
+                                        </p:tgtEl>
+                                        <p:attrNameLst>
+                                          <p:attrName>style.visibility</p:attrName>
+                                        </p:attrNameLst>
+                                      </p:cBhvr>
+                                      <p:to>
+                                        <p:strVal val="visible"/>
+                                      </p:to>
+                                    </p:set>
+                                  </p:childTnLst>
+                                </p:cTn>
+                              </p:par>
+                            </p:childTnLst>
+                          </p:cTn>
+                        </p:par>
+                      </p:childTnLst>
+                    </p:cTn>
+                  </p:par>
+                  <p:par>
+                    <p:cTn id="19" fill="hold">
+                      <p:stCondLst>
+                        <p:cond delay="indefinite"/>
+                      </p:stCondLst>
+                      <p:childTnLst>
+                        <p:par>
+                          <p:cTn id="20" fill="hold">
+                            <p:stCondLst>
+                              <p:cond delay="0"/>
+                            </p:stCondLst>
+                            <p:childTnLst>
+                              <p:par>
+                                <p:cTn id="21" presetID="1" presetClass="entr" presetSubtype="0" fill="hold" grpId="0" nodeType="clickEffect">
+                                  <p:stCondLst>
+                                    <p:cond delay="0"/>
+                                  </p:stCondLst>
+                                  <p:childTnLst>
+                                    <p:set>
+                                      <p:cBhvr>
+                                        <p:cTn id="22" dur="1" fill="hold">
+                                          <p:stCondLst>
+                                            <p:cond delay="0"/>
+                                          </p:stCondLst>
+                                        </p:cTn>
+                                        <p:tgtEl>
+                                          <p:spTgt spid="3">
+                                            <p:txEl>
+                                              <p:pRg st="5" end="5"/>
+                                            </p:txEl>
+                                          </p:spTgt>
+                                        </p:tgtEl>
+                                        <p:attrNameLst>
+                                          <p:attrName>style.visibility</p:attrName>
+                                        </p:attrNameLst>
+                                      </p:cBhvr>
+                                      <p:to>
+                                        <p:strVal val="visible"/>
+                                      </p:to>
+                                    </p:set>
+                                  </p:childTnLst>
+                                </p:cTn>
+                              </p:par>
+                            </p:childTnLst>
+                          </p:cTn>
+                        </p:par>
+                      </p:childTnLst>
+                    </p:cTn>
+                  </p:par>
+                  <p:par>
+                    <p:cTn id="23" fill="hold">
+                      <p:stCondLst>
+                        <p:cond delay="indefinite"/>
+                      </p:stCondLst>
+                      <p:childTnLst>
+                        <p:par>
+                          <p:cTn id="24" fill="hold">
+                            <p:stCondLst>
+                              <p:cond delay="0"/>
+                            </p:stCondLst>
+                            <p:childTnLst>
+                              <p:par>
+                                <p:cTn id="25" presetID="1" presetClass="entr" presetSubtype="0" fill="hold" grpId="0" nodeType="clickEffect">
+                                  <p:stCondLst>
+                                    <p:cond delay="0"/>
+                                  </p:stCondLst>
+                                  <p:childTnLst>
+                                    <p:set>
+                                      <p:cBhvr>
+                                        <p:cTn id="26" dur="1" fill="hold">
+                                          <p:stCondLst>
+                                            <p:cond delay="0"/>
+                                          </p:stCondLst>
+                                        </p:cTn>
+                                        <p:tgtEl>
+                                          <p:spTgt spid="3">
+                                            <p:txEl>
+                                              <p:pRg st="6" end="6"/>
+                                            </p:txEl>
+                                          </p:spTgt>
+                                        </p:tgtEl>
+                                        <p:attrNameLst>
+                                          <p:attrName>style.visibility</p:attrName>
+                                        </p:attrNameLst>
+                                      </p:cBhvr>
+                                      <p:to>
+                                        <p:strVal val="visible"/>
+                                      </p:to>
+                                    </p:set>
+                                  </p:childTnLst>
+                                </p:cTn>
+                              </p:par>
+                            </p:childTnLst>
+                          </p:cTn>
+                        </p:par>
+                      </p:childTnLst>
+                    </p:cTn>
+                  </p:par>
+                  <p:par>
+                    <p:cTn id="27" fill="hold">
+                      <p:stCondLst>
+                        <p:cond delay="indefinite"/>
+                      </p:stCondLst>
+                      <p:childTnLst>
+                        <p:par>
+                          <p:cTn id="28" fill="hold">
+                            <p:stCondLst>
+                              <p:cond delay="0"/>
+                            </p:stCondLst>
+                            <p:childTnLst>
+                              <p:par>
+                                <p:cTn id="29" presetID="1" presetClass="entr" presetSubtype="0" fill="hold" grpId="0" nodeType="clickEffect">
+                                  <p:stCondLst>
+                                    <p:cond delay="0"/>
+                                  </p:stCondLst>
+                                  <p:childTnLst>
+                                    <p:set>
+                                      <p:cBhvr>
+                                        <p:cTn id="30" dur="1" fill="hold">
+                                          <p:stCondLst>
+                                            <p:cond delay="0"/>
+                                          </p:stCondLst>
+                                        </p:cTn>
+                                        <p:tgtEl>
+                                          <p:spTgt spid="3">
+                                            <p:txEl>
+                                              <p:pRg st="9" end="9"/>
+                                            </p:txEl>
+                                          </p:spTgt>
+                                        </p:tgtEl>
+                                        <p:attrNameLst>
+                                          <p:attrName>style.visibility</p:attrName>
+                                        </p:attrNameLst>
+                                      </p:cBhvr>
+                                      <p:to>
+                                        <p:strVal val="visible"/>
+                                      </p:to>
+                                    </p:set>
+                                  </p:childTnLst>
+                                </p:cTn>
+                              </p:par>
+                            </p:childTnLst>
+                          </p:cTn>
+                        </p:par>
+                      </p:childTnLst>
+                    </p:cTn>
+                  </p:par>
+                </p:childTnLst>
+              </p:cTn>
+              <p:prevCondLst>
+                <p:cond evt="onPrev" delay="0">
+                  <p:tgtEl>
+                    <p:sldTgt/>
+                  </p:tgtEl>
+                </p:cond>
+              </p:prevCondLst>
+              <p:nextCondLst>
+                <p:cond evt="onNext" delay="0">
+                  <p:tgtEl>
+                    <p:sldTgt/>
+                  </p:tgtEl>
+                </p:cond>
+              </p:nextCondLst>
+            </p:seq>
+          </p:childTnLst>
+        </p:cTn>
+      </p:par>
+    </p:tnLst>
+    <p:bldLst>
+      <p:bldP spid="3" grpId="0" build="p"/>
+    </p:bldLst>
+  </p:timing>
 </p:sld>
 </file>
 
@@ -10942,6 +12507,284 @@
   <p:clrMapOvr>
     <a:masterClrMapping/>
   </p:clrMapOvr>
+  <p:timing>
+    <p:tnLst>
+      <p:par>
+        <p:cTn id="1" dur="indefinite" restart="never" nodeType="tmRoot">
+          <p:childTnLst>
+            <p:seq concurrent="1" nextAc="seek">
+              <p:cTn id="2" dur="indefinite" nodeType="mainSeq">
+                <p:childTnLst>
+                  <p:par>
+                    <p:cTn id="3" fill="hold">
+                      <p:stCondLst>
+                        <p:cond delay="indefinite"/>
+                      </p:stCondLst>
+                      <p:childTnLst>
+                        <p:par>
+                          <p:cTn id="4" fill="hold">
+                            <p:stCondLst>
+                              <p:cond delay="0"/>
+                            </p:stCondLst>
+                            <p:childTnLst>
+                              <p:par>
+                                <p:cTn id="5" presetID="1" presetClass="entr" presetSubtype="0" fill="hold" grpId="0" nodeType="clickEffect">
+                                  <p:stCondLst>
+                                    <p:cond delay="0"/>
+                                  </p:stCondLst>
+                                  <p:childTnLst>
+                                    <p:set>
+                                      <p:cBhvr>
+                                        <p:cTn id="6" dur="1" fill="hold">
+                                          <p:stCondLst>
+                                            <p:cond delay="0"/>
+                                          </p:stCondLst>
+                                        </p:cTn>
+                                        <p:tgtEl>
+                                          <p:spTgt spid="3">
+                                            <p:txEl>
+                                              <p:pRg st="0" end="0"/>
+                                            </p:txEl>
+                                          </p:spTgt>
+                                        </p:tgtEl>
+                                        <p:attrNameLst>
+                                          <p:attrName>style.visibility</p:attrName>
+                                        </p:attrNameLst>
+                                      </p:cBhvr>
+                                      <p:to>
+                                        <p:strVal val="visible"/>
+                                      </p:to>
+                                    </p:set>
+                                  </p:childTnLst>
+                                </p:cTn>
+                              </p:par>
+                            </p:childTnLst>
+                          </p:cTn>
+                        </p:par>
+                      </p:childTnLst>
+                    </p:cTn>
+                  </p:par>
+                  <p:par>
+                    <p:cTn id="7" fill="hold">
+                      <p:stCondLst>
+                        <p:cond delay="indefinite"/>
+                      </p:stCondLst>
+                      <p:childTnLst>
+                        <p:par>
+                          <p:cTn id="8" fill="hold">
+                            <p:stCondLst>
+                              <p:cond delay="0"/>
+                            </p:stCondLst>
+                            <p:childTnLst>
+                              <p:par>
+                                <p:cTn id="9" presetID="1" presetClass="entr" presetSubtype="0" fill="hold" grpId="0" nodeType="clickEffect">
+                                  <p:stCondLst>
+                                    <p:cond delay="0"/>
+                                  </p:stCondLst>
+                                  <p:childTnLst>
+                                    <p:set>
+                                      <p:cBhvr>
+                                        <p:cTn id="10" dur="1" fill="hold">
+                                          <p:stCondLst>
+                                            <p:cond delay="0"/>
+                                          </p:stCondLst>
+                                        </p:cTn>
+                                        <p:tgtEl>
+                                          <p:spTgt spid="3">
+                                            <p:txEl>
+                                              <p:pRg st="1" end="1"/>
+                                            </p:txEl>
+                                          </p:spTgt>
+                                        </p:tgtEl>
+                                        <p:attrNameLst>
+                                          <p:attrName>style.visibility</p:attrName>
+                                        </p:attrNameLst>
+                                      </p:cBhvr>
+                                      <p:to>
+                                        <p:strVal val="visible"/>
+                                      </p:to>
+                                    </p:set>
+                                  </p:childTnLst>
+                                </p:cTn>
+                              </p:par>
+                            </p:childTnLst>
+                          </p:cTn>
+                        </p:par>
+                      </p:childTnLst>
+                    </p:cTn>
+                  </p:par>
+                  <p:par>
+                    <p:cTn id="11" fill="hold">
+                      <p:stCondLst>
+                        <p:cond delay="indefinite"/>
+                      </p:stCondLst>
+                      <p:childTnLst>
+                        <p:par>
+                          <p:cTn id="12" fill="hold">
+                            <p:stCondLst>
+                              <p:cond delay="0"/>
+                            </p:stCondLst>
+                            <p:childTnLst>
+                              <p:par>
+                                <p:cTn id="13" presetID="1" presetClass="entr" presetSubtype="0" fill="hold" grpId="0" nodeType="clickEffect">
+                                  <p:stCondLst>
+                                    <p:cond delay="0"/>
+                                  </p:stCondLst>
+                                  <p:childTnLst>
+                                    <p:set>
+                                      <p:cBhvr>
+                                        <p:cTn id="14" dur="1" fill="hold">
+                                          <p:stCondLst>
+                                            <p:cond delay="0"/>
+                                          </p:stCondLst>
+                                        </p:cTn>
+                                        <p:tgtEl>
+                                          <p:spTgt spid="3">
+                                            <p:txEl>
+                                              <p:pRg st="4" end="4"/>
+                                            </p:txEl>
+                                          </p:spTgt>
+                                        </p:tgtEl>
+                                        <p:attrNameLst>
+                                          <p:attrName>style.visibility</p:attrName>
+                                        </p:attrNameLst>
+                                      </p:cBhvr>
+                                      <p:to>
+                                        <p:strVal val="visible"/>
+                                      </p:to>
+                                    </p:set>
+                                  </p:childTnLst>
+                                </p:cTn>
+                              </p:par>
+                            </p:childTnLst>
+                          </p:cTn>
+                        </p:par>
+                      </p:childTnLst>
+                    </p:cTn>
+                  </p:par>
+                  <p:par>
+                    <p:cTn id="15" fill="hold">
+                      <p:stCondLst>
+                        <p:cond delay="indefinite"/>
+                      </p:stCondLst>
+                      <p:childTnLst>
+                        <p:par>
+                          <p:cTn id="16" fill="hold">
+                            <p:stCondLst>
+                              <p:cond delay="0"/>
+                            </p:stCondLst>
+                            <p:childTnLst>
+                              <p:par>
+                                <p:cTn id="17" presetID="1" presetClass="entr" presetSubtype="0" fill="hold" grpId="0" nodeType="clickEffect">
+                                  <p:stCondLst>
+                                    <p:cond delay="0"/>
+                                  </p:stCondLst>
+                                  <p:childTnLst>
+                                    <p:set>
+                                      <p:cBhvr>
+                                        <p:cTn id="18" dur="1" fill="hold">
+                                          <p:stCondLst>
+                                            <p:cond delay="0"/>
+                                          </p:stCondLst>
+                                        </p:cTn>
+                                        <p:tgtEl>
+                                          <p:spTgt spid="3">
+                                            <p:txEl>
+                                              <p:pRg st="5" end="5"/>
+                                            </p:txEl>
+                                          </p:spTgt>
+                                        </p:tgtEl>
+                                        <p:attrNameLst>
+                                          <p:attrName>style.visibility</p:attrName>
+                                        </p:attrNameLst>
+                                      </p:cBhvr>
+                                      <p:to>
+                                        <p:strVal val="visible"/>
+                                      </p:to>
+                                    </p:set>
+                                  </p:childTnLst>
+                                </p:cTn>
+                              </p:par>
+                            </p:childTnLst>
+                          </p:cTn>
+                        </p:par>
+                      </p:childTnLst>
+                    </p:cTn>
+                  </p:par>
+                  <p:par>
+                    <p:cTn id="19" fill="hold">
+                      <p:stCondLst>
+                        <p:cond delay="indefinite"/>
+                      </p:stCondLst>
+                      <p:childTnLst>
+                        <p:par>
+                          <p:cTn id="20" fill="hold">
+                            <p:stCondLst>
+                              <p:cond delay="0"/>
+                            </p:stCondLst>
+                            <p:childTnLst>
+                              <p:par>
+                                <p:cTn id="21" presetID="1" presetClass="entr" presetSubtype="0" fill="hold" grpId="0" nodeType="clickEffect">
+                                  <p:stCondLst>
+                                    <p:cond delay="0"/>
+                                  </p:stCondLst>
+                                  <p:childTnLst>
+                                    <p:set>
+                                      <p:cBhvr>
+                                        <p:cTn id="22" dur="1" fill="hold">
+                                          <p:stCondLst>
+                                            <p:cond delay="0"/>
+                                          </p:stCondLst>
+                                        </p:cTn>
+                                        <p:tgtEl>
+                                          <p:spTgt spid="3">
+                                            <p:txEl>
+                                              <p:pRg st="6" end="6"/>
+                                            </p:txEl>
+                                          </p:spTgt>
+                                        </p:tgtEl>
+                                        <p:attrNameLst>
+                                          <p:attrName>style.visibility</p:attrName>
+                                        </p:attrNameLst>
+                                      </p:cBhvr>
+                                      <p:to>
+                                        <p:strVal val="visible"/>
+                                      </p:to>
+                                    </p:set>
+                                  </p:childTnLst>
+                                </p:cTn>
+                              </p:par>
+                            </p:childTnLst>
+                          </p:cTn>
+                        </p:par>
+                      </p:childTnLst>
+                    </p:cTn>
+                  </p:par>
+                </p:childTnLst>
+              </p:cTn>
+              <p:prevCondLst>
+                <p:cond evt="onPrev" delay="0">
+                  <p:tgtEl>
+                    <p:sldTgt/>
+                  </p:tgtEl>
+                </p:cond>
+              </p:prevCondLst>
+              <p:nextCondLst>
+                <p:cond evt="onNext" delay="0">
+                  <p:tgtEl>
+                    <p:sldTgt/>
+                  </p:tgtEl>
+                </p:cond>
+              </p:nextCondLst>
+            </p:seq>
+          </p:childTnLst>
+        </p:cTn>
+      </p:par>
+    </p:tnLst>
+    <p:bldLst>
+      <p:bldP spid="3" grpId="0" build="p"/>
+    </p:bldLst>
+  </p:timing>
 </p:sld>
 </file>
 
@@ -13286,6 +15129,284 @@
   <p:clrMapOvr>
     <a:masterClrMapping/>
   </p:clrMapOvr>
+  <p:timing>
+    <p:tnLst>
+      <p:par>
+        <p:cTn id="1" dur="indefinite" restart="never" nodeType="tmRoot">
+          <p:childTnLst>
+            <p:seq concurrent="1" nextAc="seek">
+              <p:cTn id="2" dur="indefinite" nodeType="mainSeq">
+                <p:childTnLst>
+                  <p:par>
+                    <p:cTn id="3" fill="hold">
+                      <p:stCondLst>
+                        <p:cond delay="indefinite"/>
+                      </p:stCondLst>
+                      <p:childTnLst>
+                        <p:par>
+                          <p:cTn id="4" fill="hold">
+                            <p:stCondLst>
+                              <p:cond delay="0"/>
+                            </p:stCondLst>
+                            <p:childTnLst>
+                              <p:par>
+                                <p:cTn id="5" presetID="1" presetClass="entr" presetSubtype="0" fill="hold" grpId="0" nodeType="clickEffect">
+                                  <p:stCondLst>
+                                    <p:cond delay="0"/>
+                                  </p:stCondLst>
+                                  <p:childTnLst>
+                                    <p:set>
+                                      <p:cBhvr>
+                                        <p:cTn id="6" dur="1" fill="hold">
+                                          <p:stCondLst>
+                                            <p:cond delay="0"/>
+                                          </p:stCondLst>
+                                        </p:cTn>
+                                        <p:tgtEl>
+                                          <p:spTgt spid="3">
+                                            <p:txEl>
+                                              <p:pRg st="0" end="0"/>
+                                            </p:txEl>
+                                          </p:spTgt>
+                                        </p:tgtEl>
+                                        <p:attrNameLst>
+                                          <p:attrName>style.visibility</p:attrName>
+                                        </p:attrNameLst>
+                                      </p:cBhvr>
+                                      <p:to>
+                                        <p:strVal val="visible"/>
+                                      </p:to>
+                                    </p:set>
+                                  </p:childTnLst>
+                                </p:cTn>
+                              </p:par>
+                            </p:childTnLst>
+                          </p:cTn>
+                        </p:par>
+                      </p:childTnLst>
+                    </p:cTn>
+                  </p:par>
+                  <p:par>
+                    <p:cTn id="7" fill="hold">
+                      <p:stCondLst>
+                        <p:cond delay="indefinite"/>
+                      </p:stCondLst>
+                      <p:childTnLst>
+                        <p:par>
+                          <p:cTn id="8" fill="hold">
+                            <p:stCondLst>
+                              <p:cond delay="0"/>
+                            </p:stCondLst>
+                            <p:childTnLst>
+                              <p:par>
+                                <p:cTn id="9" presetID="1" presetClass="entr" presetSubtype="0" fill="hold" grpId="0" nodeType="clickEffect">
+                                  <p:stCondLst>
+                                    <p:cond delay="0"/>
+                                  </p:stCondLst>
+                                  <p:childTnLst>
+                                    <p:set>
+                                      <p:cBhvr>
+                                        <p:cTn id="10" dur="1" fill="hold">
+                                          <p:stCondLst>
+                                            <p:cond delay="0"/>
+                                          </p:stCondLst>
+                                        </p:cTn>
+                                        <p:tgtEl>
+                                          <p:spTgt spid="3">
+                                            <p:txEl>
+                                              <p:pRg st="1" end="1"/>
+                                            </p:txEl>
+                                          </p:spTgt>
+                                        </p:tgtEl>
+                                        <p:attrNameLst>
+                                          <p:attrName>style.visibility</p:attrName>
+                                        </p:attrNameLst>
+                                      </p:cBhvr>
+                                      <p:to>
+                                        <p:strVal val="visible"/>
+                                      </p:to>
+                                    </p:set>
+                                  </p:childTnLst>
+                                </p:cTn>
+                              </p:par>
+                            </p:childTnLst>
+                          </p:cTn>
+                        </p:par>
+                      </p:childTnLst>
+                    </p:cTn>
+                  </p:par>
+                  <p:par>
+                    <p:cTn id="11" fill="hold">
+                      <p:stCondLst>
+                        <p:cond delay="indefinite"/>
+                      </p:stCondLst>
+                      <p:childTnLst>
+                        <p:par>
+                          <p:cTn id="12" fill="hold">
+                            <p:stCondLst>
+                              <p:cond delay="0"/>
+                            </p:stCondLst>
+                            <p:childTnLst>
+                              <p:par>
+                                <p:cTn id="13" presetID="1" presetClass="entr" presetSubtype="0" fill="hold" grpId="0" nodeType="clickEffect">
+                                  <p:stCondLst>
+                                    <p:cond delay="0"/>
+                                  </p:stCondLst>
+                                  <p:childTnLst>
+                                    <p:set>
+                                      <p:cBhvr>
+                                        <p:cTn id="14" dur="1" fill="hold">
+                                          <p:stCondLst>
+                                            <p:cond delay="0"/>
+                                          </p:stCondLst>
+                                        </p:cTn>
+                                        <p:tgtEl>
+                                          <p:spTgt spid="3">
+                                            <p:txEl>
+                                              <p:pRg st="4" end="4"/>
+                                            </p:txEl>
+                                          </p:spTgt>
+                                        </p:tgtEl>
+                                        <p:attrNameLst>
+                                          <p:attrName>style.visibility</p:attrName>
+                                        </p:attrNameLst>
+                                      </p:cBhvr>
+                                      <p:to>
+                                        <p:strVal val="visible"/>
+                                      </p:to>
+                                    </p:set>
+                                  </p:childTnLst>
+                                </p:cTn>
+                              </p:par>
+                            </p:childTnLst>
+                          </p:cTn>
+                        </p:par>
+                      </p:childTnLst>
+                    </p:cTn>
+                  </p:par>
+                  <p:par>
+                    <p:cTn id="15" fill="hold">
+                      <p:stCondLst>
+                        <p:cond delay="indefinite"/>
+                      </p:stCondLst>
+                      <p:childTnLst>
+                        <p:par>
+                          <p:cTn id="16" fill="hold">
+                            <p:stCondLst>
+                              <p:cond delay="0"/>
+                            </p:stCondLst>
+                            <p:childTnLst>
+                              <p:par>
+                                <p:cTn id="17" presetID="1" presetClass="entr" presetSubtype="0" fill="hold" grpId="0" nodeType="clickEffect">
+                                  <p:stCondLst>
+                                    <p:cond delay="0"/>
+                                  </p:stCondLst>
+                                  <p:childTnLst>
+                                    <p:set>
+                                      <p:cBhvr>
+                                        <p:cTn id="18" dur="1" fill="hold">
+                                          <p:stCondLst>
+                                            <p:cond delay="0"/>
+                                          </p:stCondLst>
+                                        </p:cTn>
+                                        <p:tgtEl>
+                                          <p:spTgt spid="3">
+                                            <p:txEl>
+                                              <p:pRg st="5" end="5"/>
+                                            </p:txEl>
+                                          </p:spTgt>
+                                        </p:tgtEl>
+                                        <p:attrNameLst>
+                                          <p:attrName>style.visibility</p:attrName>
+                                        </p:attrNameLst>
+                                      </p:cBhvr>
+                                      <p:to>
+                                        <p:strVal val="visible"/>
+                                      </p:to>
+                                    </p:set>
+                                  </p:childTnLst>
+                                </p:cTn>
+                              </p:par>
+                            </p:childTnLst>
+                          </p:cTn>
+                        </p:par>
+                      </p:childTnLst>
+                    </p:cTn>
+                  </p:par>
+                  <p:par>
+                    <p:cTn id="19" fill="hold">
+                      <p:stCondLst>
+                        <p:cond delay="indefinite"/>
+                      </p:stCondLst>
+                      <p:childTnLst>
+                        <p:par>
+                          <p:cTn id="20" fill="hold">
+                            <p:stCondLst>
+                              <p:cond delay="0"/>
+                            </p:stCondLst>
+                            <p:childTnLst>
+                              <p:par>
+                                <p:cTn id="21" presetID="1" presetClass="entr" presetSubtype="0" fill="hold" grpId="0" nodeType="clickEffect">
+                                  <p:stCondLst>
+                                    <p:cond delay="0"/>
+                                  </p:stCondLst>
+                                  <p:childTnLst>
+                                    <p:set>
+                                      <p:cBhvr>
+                                        <p:cTn id="22" dur="1" fill="hold">
+                                          <p:stCondLst>
+                                            <p:cond delay="0"/>
+                                          </p:stCondLst>
+                                        </p:cTn>
+                                        <p:tgtEl>
+                                          <p:spTgt spid="3">
+                                            <p:txEl>
+                                              <p:pRg st="7" end="7"/>
+                                            </p:txEl>
+                                          </p:spTgt>
+                                        </p:tgtEl>
+                                        <p:attrNameLst>
+                                          <p:attrName>style.visibility</p:attrName>
+                                        </p:attrNameLst>
+                                      </p:cBhvr>
+                                      <p:to>
+                                        <p:strVal val="visible"/>
+                                      </p:to>
+                                    </p:set>
+                                  </p:childTnLst>
+                                </p:cTn>
+                              </p:par>
+                            </p:childTnLst>
+                          </p:cTn>
+                        </p:par>
+                      </p:childTnLst>
+                    </p:cTn>
+                  </p:par>
+                </p:childTnLst>
+              </p:cTn>
+              <p:prevCondLst>
+                <p:cond evt="onPrev" delay="0">
+                  <p:tgtEl>
+                    <p:sldTgt/>
+                  </p:tgtEl>
+                </p:cond>
+              </p:prevCondLst>
+              <p:nextCondLst>
+                <p:cond evt="onNext" delay="0">
+                  <p:tgtEl>
+                    <p:sldTgt/>
+                  </p:tgtEl>
+                </p:cond>
+              </p:nextCondLst>
+            </p:seq>
+          </p:childTnLst>
+        </p:cTn>
+      </p:par>
+    </p:tnLst>
+    <p:bldLst>
+      <p:bldP spid="3" grpId="0" build="p"/>
+    </p:bldLst>
+  </p:timing>
 </p:sld>
 </file>
 
